--- a/Doc/交付文档/培训.pptx
+++ b/Doc/交付文档/培训.pptx
@@ -5,7 +5,7 @@
     <p:sldMasterId id="2147483648" r:id="rId1"/>
   </p:sldMasterIdLst>
   <p:notesMasterIdLst>
-    <p:notesMasterId r:id="rId21"/>
+    <p:notesMasterId r:id="rId28"/>
   </p:notesMasterIdLst>
   <p:sldIdLst>
     <p:sldId id="315" r:id="rId2"/>
@@ -27,11 +27,18 @@
     <p:sldId id="334" r:id="rId18"/>
     <p:sldId id="336" r:id="rId19"/>
     <p:sldId id="335" r:id="rId20"/>
+    <p:sldId id="337" r:id="rId21"/>
+    <p:sldId id="338" r:id="rId22"/>
+    <p:sldId id="339" r:id="rId23"/>
+    <p:sldId id="340" r:id="rId24"/>
+    <p:sldId id="341" r:id="rId25"/>
+    <p:sldId id="342" r:id="rId26"/>
+    <p:sldId id="343" r:id="rId27"/>
   </p:sldIdLst>
   <p:sldSz cx="9144000" cy="5143500" type="screen16x9"/>
   <p:notesSz cx="6858000" cy="9144000"/>
   <p:custDataLst>
-    <p:tags r:id="rId22"/>
+    <p:tags r:id="rId29"/>
   </p:custDataLst>
   <p:defaultTextStyle>
     <a:defPPr>
@@ -1495,6 +1502,594 @@
     <p:extLst>
       <p:ext uri="{BB962C8B-B14F-4D97-AF65-F5344CB8AC3E}">
         <p14:creationId xmlns:p14="http://schemas.microsoft.com/office/powerpoint/2010/main" val="3464816173"/>
+      </p:ext>
+    </p:extLst>
+  </p:cSld>
+  <p:clrMapOvr>
+    <a:masterClrMapping/>
+  </p:clrMapOvr>
+</p:notes>
+</file>
+
+<file path=ppt/notesSlides/notesSlide20.xml><?xml version="1.0" encoding="utf-8"?>
+<p:notes xmlns:a="http://schemas.openxmlformats.org/drawingml/2006/main" xmlns:r="http://schemas.openxmlformats.org/officeDocument/2006/relationships" xmlns:p="http://schemas.openxmlformats.org/presentationml/2006/main">
+  <p:cSld>
+    <p:spTree>
+      <p:nvGrpSpPr>
+        <p:cNvPr id="1" name=""/>
+        <p:cNvGrpSpPr/>
+        <p:nvPr/>
+      </p:nvGrpSpPr>
+      <p:grpSpPr>
+        <a:xfrm>
+          <a:off x="0" y="0"/>
+          <a:ext cx="0" cy="0"/>
+          <a:chOff x="0" y="0"/>
+          <a:chExt cx="0" cy="0"/>
+        </a:xfrm>
+      </p:grpSpPr>
+      <p:sp>
+        <p:nvSpPr>
+          <p:cNvPr id="2" name="幻灯片图像占位符 1"/>
+          <p:cNvSpPr>
+            <a:spLocks noGrp="1" noRot="1" noChangeAspect="1"/>
+          </p:cNvSpPr>
+          <p:nvPr>
+            <p:ph type="sldImg"/>
+          </p:nvPr>
+        </p:nvSpPr>
+        <p:spPr/>
+      </p:sp>
+      <p:sp>
+        <p:nvSpPr>
+          <p:cNvPr id="3" name="备注占位符 2"/>
+          <p:cNvSpPr>
+            <a:spLocks noGrp="1"/>
+          </p:cNvSpPr>
+          <p:nvPr>
+            <p:ph type="body" idx="1"/>
+          </p:nvPr>
+        </p:nvSpPr>
+        <p:spPr/>
+        <p:txBody>
+          <a:bodyPr/>
+          <a:lstStyle/>
+          <a:p>
+            <a:endParaRPr lang="zh-CN" altLang="en-US"/>
+          </a:p>
+        </p:txBody>
+      </p:sp>
+      <p:sp>
+        <p:nvSpPr>
+          <p:cNvPr id="4" name="灯片编号占位符 3"/>
+          <p:cNvSpPr>
+            <a:spLocks noGrp="1"/>
+          </p:cNvSpPr>
+          <p:nvPr>
+            <p:ph type="sldNum" sz="quarter" idx="10"/>
+          </p:nvPr>
+        </p:nvSpPr>
+        <p:spPr/>
+        <p:txBody>
+          <a:bodyPr/>
+          <a:lstStyle/>
+          <a:p>
+            <a:fld id="{8A036312-6A05-4643-B813-780AEBCA5446}" type="slidenum">
+              <a:rPr lang="zh-CN" altLang="en-US" smtClean="0"/>
+              <a:t>20</a:t>
+            </a:fld>
+            <a:endParaRPr lang="zh-CN" altLang="en-US"/>
+          </a:p>
+        </p:txBody>
+      </p:sp>
+    </p:spTree>
+    <p:extLst>
+      <p:ext uri="{BB962C8B-B14F-4D97-AF65-F5344CB8AC3E}">
+        <p14:creationId xmlns:p14="http://schemas.microsoft.com/office/powerpoint/2010/main" val="2581376482"/>
+      </p:ext>
+    </p:extLst>
+  </p:cSld>
+  <p:clrMapOvr>
+    <a:masterClrMapping/>
+  </p:clrMapOvr>
+</p:notes>
+</file>
+
+<file path=ppt/notesSlides/notesSlide21.xml><?xml version="1.0" encoding="utf-8"?>
+<p:notes xmlns:a="http://schemas.openxmlformats.org/drawingml/2006/main" xmlns:r="http://schemas.openxmlformats.org/officeDocument/2006/relationships" xmlns:p="http://schemas.openxmlformats.org/presentationml/2006/main">
+  <p:cSld>
+    <p:spTree>
+      <p:nvGrpSpPr>
+        <p:cNvPr id="1" name=""/>
+        <p:cNvGrpSpPr/>
+        <p:nvPr/>
+      </p:nvGrpSpPr>
+      <p:grpSpPr>
+        <a:xfrm>
+          <a:off x="0" y="0"/>
+          <a:ext cx="0" cy="0"/>
+          <a:chOff x="0" y="0"/>
+          <a:chExt cx="0" cy="0"/>
+        </a:xfrm>
+      </p:grpSpPr>
+      <p:sp>
+        <p:nvSpPr>
+          <p:cNvPr id="2" name="幻灯片图像占位符 1"/>
+          <p:cNvSpPr>
+            <a:spLocks noGrp="1" noRot="1" noChangeAspect="1"/>
+          </p:cNvSpPr>
+          <p:nvPr>
+            <p:ph type="sldImg"/>
+          </p:nvPr>
+        </p:nvSpPr>
+        <p:spPr/>
+      </p:sp>
+      <p:sp>
+        <p:nvSpPr>
+          <p:cNvPr id="3" name="备注占位符 2"/>
+          <p:cNvSpPr>
+            <a:spLocks noGrp="1"/>
+          </p:cNvSpPr>
+          <p:nvPr>
+            <p:ph type="body" idx="1"/>
+          </p:nvPr>
+        </p:nvSpPr>
+        <p:spPr/>
+        <p:txBody>
+          <a:bodyPr/>
+          <a:lstStyle/>
+          <a:p>
+            <a:endParaRPr lang="zh-CN" altLang="en-US"/>
+          </a:p>
+        </p:txBody>
+      </p:sp>
+      <p:sp>
+        <p:nvSpPr>
+          <p:cNvPr id="4" name="灯片编号占位符 3"/>
+          <p:cNvSpPr>
+            <a:spLocks noGrp="1"/>
+          </p:cNvSpPr>
+          <p:nvPr>
+            <p:ph type="sldNum" sz="quarter" idx="10"/>
+          </p:nvPr>
+        </p:nvSpPr>
+        <p:spPr/>
+        <p:txBody>
+          <a:bodyPr/>
+          <a:lstStyle/>
+          <a:p>
+            <a:fld id="{8A036312-6A05-4643-B813-780AEBCA5446}" type="slidenum">
+              <a:rPr lang="zh-CN" altLang="en-US" smtClean="0"/>
+              <a:t>21</a:t>
+            </a:fld>
+            <a:endParaRPr lang="zh-CN" altLang="en-US"/>
+          </a:p>
+        </p:txBody>
+      </p:sp>
+    </p:spTree>
+    <p:extLst>
+      <p:ext uri="{BB962C8B-B14F-4D97-AF65-F5344CB8AC3E}">
+        <p14:creationId xmlns:p14="http://schemas.microsoft.com/office/powerpoint/2010/main" val="1871189009"/>
+      </p:ext>
+    </p:extLst>
+  </p:cSld>
+  <p:clrMapOvr>
+    <a:masterClrMapping/>
+  </p:clrMapOvr>
+</p:notes>
+</file>
+
+<file path=ppt/notesSlides/notesSlide22.xml><?xml version="1.0" encoding="utf-8"?>
+<p:notes xmlns:a="http://schemas.openxmlformats.org/drawingml/2006/main" xmlns:r="http://schemas.openxmlformats.org/officeDocument/2006/relationships" xmlns:p="http://schemas.openxmlformats.org/presentationml/2006/main">
+  <p:cSld>
+    <p:spTree>
+      <p:nvGrpSpPr>
+        <p:cNvPr id="1" name=""/>
+        <p:cNvGrpSpPr/>
+        <p:nvPr/>
+      </p:nvGrpSpPr>
+      <p:grpSpPr>
+        <a:xfrm>
+          <a:off x="0" y="0"/>
+          <a:ext cx="0" cy="0"/>
+          <a:chOff x="0" y="0"/>
+          <a:chExt cx="0" cy="0"/>
+        </a:xfrm>
+      </p:grpSpPr>
+      <p:sp>
+        <p:nvSpPr>
+          <p:cNvPr id="2" name="幻灯片图像占位符 1"/>
+          <p:cNvSpPr>
+            <a:spLocks noGrp="1" noRot="1" noChangeAspect="1"/>
+          </p:cNvSpPr>
+          <p:nvPr>
+            <p:ph type="sldImg"/>
+          </p:nvPr>
+        </p:nvSpPr>
+        <p:spPr/>
+      </p:sp>
+      <p:sp>
+        <p:nvSpPr>
+          <p:cNvPr id="3" name="备注占位符 2"/>
+          <p:cNvSpPr>
+            <a:spLocks noGrp="1"/>
+          </p:cNvSpPr>
+          <p:nvPr>
+            <p:ph type="body" idx="1"/>
+          </p:nvPr>
+        </p:nvSpPr>
+        <p:spPr/>
+        <p:txBody>
+          <a:bodyPr/>
+          <a:lstStyle/>
+          <a:p>
+            <a:endParaRPr lang="zh-CN" altLang="en-US"/>
+          </a:p>
+        </p:txBody>
+      </p:sp>
+      <p:sp>
+        <p:nvSpPr>
+          <p:cNvPr id="4" name="灯片编号占位符 3"/>
+          <p:cNvSpPr>
+            <a:spLocks noGrp="1"/>
+          </p:cNvSpPr>
+          <p:nvPr>
+            <p:ph type="sldNum" sz="quarter" idx="10"/>
+          </p:nvPr>
+        </p:nvSpPr>
+        <p:spPr/>
+        <p:txBody>
+          <a:bodyPr/>
+          <a:lstStyle/>
+          <a:p>
+            <a:fld id="{8A036312-6A05-4643-B813-780AEBCA5446}" type="slidenum">
+              <a:rPr lang="zh-CN" altLang="en-US" smtClean="0"/>
+              <a:t>22</a:t>
+            </a:fld>
+            <a:endParaRPr lang="zh-CN" altLang="en-US"/>
+          </a:p>
+        </p:txBody>
+      </p:sp>
+    </p:spTree>
+    <p:extLst>
+      <p:ext uri="{BB962C8B-B14F-4D97-AF65-F5344CB8AC3E}">
+        <p14:creationId xmlns:p14="http://schemas.microsoft.com/office/powerpoint/2010/main" val="1097336655"/>
+      </p:ext>
+    </p:extLst>
+  </p:cSld>
+  <p:clrMapOvr>
+    <a:masterClrMapping/>
+  </p:clrMapOvr>
+</p:notes>
+</file>
+
+<file path=ppt/notesSlides/notesSlide23.xml><?xml version="1.0" encoding="utf-8"?>
+<p:notes xmlns:a="http://schemas.openxmlformats.org/drawingml/2006/main" xmlns:r="http://schemas.openxmlformats.org/officeDocument/2006/relationships" xmlns:p="http://schemas.openxmlformats.org/presentationml/2006/main">
+  <p:cSld>
+    <p:spTree>
+      <p:nvGrpSpPr>
+        <p:cNvPr id="1" name=""/>
+        <p:cNvGrpSpPr/>
+        <p:nvPr/>
+      </p:nvGrpSpPr>
+      <p:grpSpPr>
+        <a:xfrm>
+          <a:off x="0" y="0"/>
+          <a:ext cx="0" cy="0"/>
+          <a:chOff x="0" y="0"/>
+          <a:chExt cx="0" cy="0"/>
+        </a:xfrm>
+      </p:grpSpPr>
+      <p:sp>
+        <p:nvSpPr>
+          <p:cNvPr id="2" name="幻灯片图像占位符 1"/>
+          <p:cNvSpPr>
+            <a:spLocks noGrp="1" noRot="1" noChangeAspect="1"/>
+          </p:cNvSpPr>
+          <p:nvPr>
+            <p:ph type="sldImg"/>
+          </p:nvPr>
+        </p:nvSpPr>
+        <p:spPr/>
+      </p:sp>
+      <p:sp>
+        <p:nvSpPr>
+          <p:cNvPr id="3" name="备注占位符 2"/>
+          <p:cNvSpPr>
+            <a:spLocks noGrp="1"/>
+          </p:cNvSpPr>
+          <p:nvPr>
+            <p:ph type="body" idx="1"/>
+          </p:nvPr>
+        </p:nvSpPr>
+        <p:spPr/>
+        <p:txBody>
+          <a:bodyPr/>
+          <a:lstStyle/>
+          <a:p>
+            <a:endParaRPr lang="zh-CN" altLang="en-US"/>
+          </a:p>
+        </p:txBody>
+      </p:sp>
+      <p:sp>
+        <p:nvSpPr>
+          <p:cNvPr id="4" name="灯片编号占位符 3"/>
+          <p:cNvSpPr>
+            <a:spLocks noGrp="1"/>
+          </p:cNvSpPr>
+          <p:nvPr>
+            <p:ph type="sldNum" sz="quarter" idx="10"/>
+          </p:nvPr>
+        </p:nvSpPr>
+        <p:spPr/>
+        <p:txBody>
+          <a:bodyPr/>
+          <a:lstStyle/>
+          <a:p>
+            <a:fld id="{8A036312-6A05-4643-B813-780AEBCA5446}" type="slidenum">
+              <a:rPr lang="zh-CN" altLang="en-US" smtClean="0"/>
+              <a:t>23</a:t>
+            </a:fld>
+            <a:endParaRPr lang="zh-CN" altLang="en-US"/>
+          </a:p>
+        </p:txBody>
+      </p:sp>
+    </p:spTree>
+    <p:extLst>
+      <p:ext uri="{BB962C8B-B14F-4D97-AF65-F5344CB8AC3E}">
+        <p14:creationId xmlns:p14="http://schemas.microsoft.com/office/powerpoint/2010/main" val="1259357789"/>
+      </p:ext>
+    </p:extLst>
+  </p:cSld>
+  <p:clrMapOvr>
+    <a:masterClrMapping/>
+  </p:clrMapOvr>
+</p:notes>
+</file>
+
+<file path=ppt/notesSlides/notesSlide24.xml><?xml version="1.0" encoding="utf-8"?>
+<p:notes xmlns:a="http://schemas.openxmlformats.org/drawingml/2006/main" xmlns:r="http://schemas.openxmlformats.org/officeDocument/2006/relationships" xmlns:p="http://schemas.openxmlformats.org/presentationml/2006/main">
+  <p:cSld>
+    <p:spTree>
+      <p:nvGrpSpPr>
+        <p:cNvPr id="1" name=""/>
+        <p:cNvGrpSpPr/>
+        <p:nvPr/>
+      </p:nvGrpSpPr>
+      <p:grpSpPr>
+        <a:xfrm>
+          <a:off x="0" y="0"/>
+          <a:ext cx="0" cy="0"/>
+          <a:chOff x="0" y="0"/>
+          <a:chExt cx="0" cy="0"/>
+        </a:xfrm>
+      </p:grpSpPr>
+      <p:sp>
+        <p:nvSpPr>
+          <p:cNvPr id="2" name="幻灯片图像占位符 1"/>
+          <p:cNvSpPr>
+            <a:spLocks noGrp="1" noRot="1" noChangeAspect="1"/>
+          </p:cNvSpPr>
+          <p:nvPr>
+            <p:ph type="sldImg"/>
+          </p:nvPr>
+        </p:nvSpPr>
+        <p:spPr/>
+      </p:sp>
+      <p:sp>
+        <p:nvSpPr>
+          <p:cNvPr id="3" name="备注占位符 2"/>
+          <p:cNvSpPr>
+            <a:spLocks noGrp="1"/>
+          </p:cNvSpPr>
+          <p:nvPr>
+            <p:ph type="body" idx="1"/>
+          </p:nvPr>
+        </p:nvSpPr>
+        <p:spPr/>
+        <p:txBody>
+          <a:bodyPr/>
+          <a:lstStyle/>
+          <a:p>
+            <a:endParaRPr lang="zh-CN" altLang="en-US"/>
+          </a:p>
+        </p:txBody>
+      </p:sp>
+      <p:sp>
+        <p:nvSpPr>
+          <p:cNvPr id="4" name="灯片编号占位符 3"/>
+          <p:cNvSpPr>
+            <a:spLocks noGrp="1"/>
+          </p:cNvSpPr>
+          <p:nvPr>
+            <p:ph type="sldNum" sz="quarter" idx="10"/>
+          </p:nvPr>
+        </p:nvSpPr>
+        <p:spPr/>
+        <p:txBody>
+          <a:bodyPr/>
+          <a:lstStyle/>
+          <a:p>
+            <a:fld id="{8A036312-6A05-4643-B813-780AEBCA5446}" type="slidenum">
+              <a:rPr lang="zh-CN" altLang="en-US" smtClean="0"/>
+              <a:t>24</a:t>
+            </a:fld>
+            <a:endParaRPr lang="zh-CN" altLang="en-US"/>
+          </a:p>
+        </p:txBody>
+      </p:sp>
+    </p:spTree>
+    <p:extLst>
+      <p:ext uri="{BB962C8B-B14F-4D97-AF65-F5344CB8AC3E}">
+        <p14:creationId xmlns:p14="http://schemas.microsoft.com/office/powerpoint/2010/main" val="1671979307"/>
+      </p:ext>
+    </p:extLst>
+  </p:cSld>
+  <p:clrMapOvr>
+    <a:masterClrMapping/>
+  </p:clrMapOvr>
+</p:notes>
+</file>
+
+<file path=ppt/notesSlides/notesSlide25.xml><?xml version="1.0" encoding="utf-8"?>
+<p:notes xmlns:a="http://schemas.openxmlformats.org/drawingml/2006/main" xmlns:r="http://schemas.openxmlformats.org/officeDocument/2006/relationships" xmlns:p="http://schemas.openxmlformats.org/presentationml/2006/main">
+  <p:cSld>
+    <p:spTree>
+      <p:nvGrpSpPr>
+        <p:cNvPr id="1" name=""/>
+        <p:cNvGrpSpPr/>
+        <p:nvPr/>
+      </p:nvGrpSpPr>
+      <p:grpSpPr>
+        <a:xfrm>
+          <a:off x="0" y="0"/>
+          <a:ext cx="0" cy="0"/>
+          <a:chOff x="0" y="0"/>
+          <a:chExt cx="0" cy="0"/>
+        </a:xfrm>
+      </p:grpSpPr>
+      <p:sp>
+        <p:nvSpPr>
+          <p:cNvPr id="2" name="幻灯片图像占位符 1"/>
+          <p:cNvSpPr>
+            <a:spLocks noGrp="1" noRot="1" noChangeAspect="1"/>
+          </p:cNvSpPr>
+          <p:nvPr>
+            <p:ph type="sldImg"/>
+          </p:nvPr>
+        </p:nvSpPr>
+        <p:spPr/>
+      </p:sp>
+      <p:sp>
+        <p:nvSpPr>
+          <p:cNvPr id="3" name="备注占位符 2"/>
+          <p:cNvSpPr>
+            <a:spLocks noGrp="1"/>
+          </p:cNvSpPr>
+          <p:nvPr>
+            <p:ph type="body" idx="1"/>
+          </p:nvPr>
+        </p:nvSpPr>
+        <p:spPr/>
+        <p:txBody>
+          <a:bodyPr/>
+          <a:lstStyle/>
+          <a:p>
+            <a:endParaRPr lang="zh-CN" altLang="en-US"/>
+          </a:p>
+        </p:txBody>
+      </p:sp>
+      <p:sp>
+        <p:nvSpPr>
+          <p:cNvPr id="4" name="灯片编号占位符 3"/>
+          <p:cNvSpPr>
+            <a:spLocks noGrp="1"/>
+          </p:cNvSpPr>
+          <p:nvPr>
+            <p:ph type="sldNum" sz="quarter" idx="10"/>
+          </p:nvPr>
+        </p:nvSpPr>
+        <p:spPr/>
+        <p:txBody>
+          <a:bodyPr/>
+          <a:lstStyle/>
+          <a:p>
+            <a:fld id="{8A036312-6A05-4643-B813-780AEBCA5446}" type="slidenum">
+              <a:rPr lang="zh-CN" altLang="en-US" smtClean="0"/>
+              <a:t>25</a:t>
+            </a:fld>
+            <a:endParaRPr lang="zh-CN" altLang="en-US"/>
+          </a:p>
+        </p:txBody>
+      </p:sp>
+    </p:spTree>
+    <p:extLst>
+      <p:ext uri="{BB962C8B-B14F-4D97-AF65-F5344CB8AC3E}">
+        <p14:creationId xmlns:p14="http://schemas.microsoft.com/office/powerpoint/2010/main" val="708329986"/>
+      </p:ext>
+    </p:extLst>
+  </p:cSld>
+  <p:clrMapOvr>
+    <a:masterClrMapping/>
+  </p:clrMapOvr>
+</p:notes>
+</file>
+
+<file path=ppt/notesSlides/notesSlide26.xml><?xml version="1.0" encoding="utf-8"?>
+<p:notes xmlns:a="http://schemas.openxmlformats.org/drawingml/2006/main" xmlns:r="http://schemas.openxmlformats.org/officeDocument/2006/relationships" xmlns:p="http://schemas.openxmlformats.org/presentationml/2006/main">
+  <p:cSld>
+    <p:spTree>
+      <p:nvGrpSpPr>
+        <p:cNvPr id="1" name=""/>
+        <p:cNvGrpSpPr/>
+        <p:nvPr/>
+      </p:nvGrpSpPr>
+      <p:grpSpPr>
+        <a:xfrm>
+          <a:off x="0" y="0"/>
+          <a:ext cx="0" cy="0"/>
+          <a:chOff x="0" y="0"/>
+          <a:chExt cx="0" cy="0"/>
+        </a:xfrm>
+      </p:grpSpPr>
+      <p:sp>
+        <p:nvSpPr>
+          <p:cNvPr id="2" name="幻灯片图像占位符 1"/>
+          <p:cNvSpPr>
+            <a:spLocks noGrp="1" noRot="1" noChangeAspect="1"/>
+          </p:cNvSpPr>
+          <p:nvPr>
+            <p:ph type="sldImg"/>
+          </p:nvPr>
+        </p:nvSpPr>
+        <p:spPr/>
+      </p:sp>
+      <p:sp>
+        <p:nvSpPr>
+          <p:cNvPr id="3" name="备注占位符 2"/>
+          <p:cNvSpPr>
+            <a:spLocks noGrp="1"/>
+          </p:cNvSpPr>
+          <p:nvPr>
+            <p:ph type="body" idx="1"/>
+          </p:nvPr>
+        </p:nvSpPr>
+        <p:spPr/>
+        <p:txBody>
+          <a:bodyPr/>
+          <a:lstStyle/>
+          <a:p>
+            <a:endParaRPr lang="zh-CN" altLang="en-US"/>
+          </a:p>
+        </p:txBody>
+      </p:sp>
+      <p:sp>
+        <p:nvSpPr>
+          <p:cNvPr id="4" name="灯片编号占位符 3"/>
+          <p:cNvSpPr>
+            <a:spLocks noGrp="1"/>
+          </p:cNvSpPr>
+          <p:nvPr>
+            <p:ph type="sldNum" sz="quarter" idx="10"/>
+          </p:nvPr>
+        </p:nvSpPr>
+        <p:spPr/>
+        <p:txBody>
+          <a:bodyPr/>
+          <a:lstStyle/>
+          <a:p>
+            <a:fld id="{8A036312-6A05-4643-B813-780AEBCA5446}" type="slidenum">
+              <a:rPr lang="zh-CN" altLang="en-US" smtClean="0"/>
+              <a:t>26</a:t>
+            </a:fld>
+            <a:endParaRPr lang="zh-CN" altLang="en-US"/>
+          </a:p>
+        </p:txBody>
+      </p:sp>
+    </p:spTree>
+    <p:extLst>
+      <p:ext uri="{BB962C8B-B14F-4D97-AF65-F5344CB8AC3E}">
+        <p14:creationId xmlns:p14="http://schemas.microsoft.com/office/powerpoint/2010/main" val="2311316403"/>
       </p:ext>
     </p:extLst>
   </p:cSld>
@@ -4171,13 +4766,13 @@
   <p:clrMapOvr>
     <a:masterClrMapping/>
   </p:clrMapOvr>
-  <mc:AlternateContent xmlns:mc="http://schemas.openxmlformats.org/markup-compatibility/2006">
-    <mc:Choice xmlns:p14="http://schemas.microsoft.com/office/powerpoint/2010/main" Requires="p14">
+  <mc:AlternateContent xmlns:mc="http://schemas.openxmlformats.org/markup-compatibility/2006" xmlns:p14="http://schemas.microsoft.com/office/powerpoint/2010/main">
+    <mc:Choice Requires="p14">
       <p:transition spd="med" p14:dur="700">
         <p:fade/>
       </p:transition>
     </mc:Choice>
-    <mc:Fallback>
+    <mc:Fallback xmlns="">
       <p:transition spd="med">
         <p:fade/>
       </p:transition>
@@ -5199,8 +5794,8 @@
         </p:nvSpPr>
         <p:spPr bwMode="auto">
           <a:xfrm>
-            <a:off x="1943708" y="3229666"/>
-            <a:ext cx="5256584" cy="807913"/>
+            <a:off x="1907704" y="2898905"/>
+            <a:ext cx="5256584" cy="1054135"/>
           </a:xfrm>
           <a:prstGeom prst="rect">
             <a:avLst/>
@@ -5251,9 +5846,22 @@
                 <a:latin typeface="微软雅黑" pitchFamily="34" charset="-122"/>
                 <a:ea typeface="微软雅黑" pitchFamily="34" charset="-122"/>
               </a:rPr>
-              <a:t>模拟考试的成绩不会被任何人看到，也不会被记录历史，仅作为学习效果自测的一种手段</a:t>
+              <a:t>模拟考试的成绩不会被任何人看到，也不会被记录历史，仅作为学习效果自测的一种手段，</a:t>
             </a:r>
-            <a:endParaRPr lang="zh-CN" altLang="zh-CN" sz="1600" dirty="0">
+            <a:r>
+              <a:rPr lang="zh-CN" altLang="en-US" sz="1600" b="1" dirty="0">
+                <a:solidFill>
+                  <a:schemeClr val="tx1">
+                    <a:lumMod val="75000"/>
+                    <a:lumOff val="25000"/>
+                  </a:schemeClr>
+                </a:solidFill>
+                <a:latin typeface="微软雅黑" pitchFamily="34" charset="-122"/>
+                <a:ea typeface="微软雅黑" pitchFamily="34" charset="-122"/>
+              </a:rPr>
+              <a:t>会被统计到参与考试的排名当中</a:t>
+            </a:r>
+            <a:endParaRPr lang="zh-CN" altLang="zh-CN" sz="1600" b="1" dirty="0">
               <a:solidFill>
                 <a:schemeClr val="tx1">
                   <a:lumMod val="75000"/>
@@ -5276,13 +5884,13 @@
   <p:clrMapOvr>
     <a:masterClrMapping/>
   </p:clrMapOvr>
-  <mc:AlternateContent xmlns:mc="http://schemas.openxmlformats.org/markup-compatibility/2006">
-    <mc:Choice xmlns:p14="http://schemas.microsoft.com/office/powerpoint/2010/main" Requires="p14">
+  <mc:AlternateContent xmlns:mc="http://schemas.openxmlformats.org/markup-compatibility/2006" xmlns:p14="http://schemas.microsoft.com/office/powerpoint/2010/main">
+    <mc:Choice Requires="p14">
       <p:transition spd="slow" p14:dur="1200">
         <p14:flip dir="r"/>
       </p:transition>
     </mc:Choice>
-    <mc:Fallback>
+    <mc:Fallback xmlns="">
       <p:transition spd="slow">
         <p:fade/>
       </p:transition>
@@ -5850,13 +6458,13 @@
   <p:clrMapOvr>
     <a:masterClrMapping/>
   </p:clrMapOvr>
-  <mc:AlternateContent xmlns:mc="http://schemas.openxmlformats.org/markup-compatibility/2006">
-    <mc:Choice xmlns:p14="http://schemas.microsoft.com/office/powerpoint/2010/main" Requires="p14">
+  <mc:AlternateContent xmlns:mc="http://schemas.openxmlformats.org/markup-compatibility/2006" xmlns:p14="http://schemas.microsoft.com/office/powerpoint/2010/main">
+    <mc:Choice Requires="p14">
       <p:transition spd="slow" p14:dur="1200">
         <p14:flip dir="r"/>
       </p:transition>
     </mc:Choice>
-    <mc:Fallback>
+    <mc:Fallback xmlns="">
       <p:transition spd="slow">
         <p:fade/>
       </p:transition>
@@ -6271,13 +6879,13 @@
   <p:clrMapOvr>
     <a:masterClrMapping/>
   </p:clrMapOvr>
-  <mc:AlternateContent xmlns:mc="http://schemas.openxmlformats.org/markup-compatibility/2006">
-    <mc:Choice xmlns:p14="http://schemas.microsoft.com/office/powerpoint/2010/main" Requires="p14">
+  <mc:AlternateContent xmlns:mc="http://schemas.openxmlformats.org/markup-compatibility/2006" xmlns:p14="http://schemas.microsoft.com/office/powerpoint/2010/main">
+    <mc:Choice Requires="p14">
       <p:transition spd="slow" p14:dur="1200">
         <p14:flip dir="r"/>
       </p:transition>
     </mc:Choice>
-    <mc:Fallback>
+    <mc:Fallback xmlns="">
       <p:transition spd="slow">
         <p:fade/>
       </p:transition>
@@ -6692,13 +7300,13 @@
   <p:clrMapOvr>
     <a:masterClrMapping/>
   </p:clrMapOvr>
-  <mc:AlternateContent xmlns:mc="http://schemas.openxmlformats.org/markup-compatibility/2006">
-    <mc:Choice xmlns:p14="http://schemas.microsoft.com/office/powerpoint/2010/main" Requires="p14">
+  <mc:AlternateContent xmlns:mc="http://schemas.openxmlformats.org/markup-compatibility/2006" xmlns:p14="http://schemas.microsoft.com/office/powerpoint/2010/main">
+    <mc:Choice Requires="p14">
       <p:transition spd="slow" p14:dur="1200">
         <p14:flip dir="r"/>
       </p:transition>
     </mc:Choice>
-    <mc:Fallback>
+    <mc:Fallback xmlns="">
       <p:transition spd="slow">
         <p:fade/>
       </p:transition>
@@ -6792,26 +7400,6 @@
           </a:bodyPr>
           <a:lstStyle/>
           <a:p>
-            <a:r>
-              <a:rPr lang="zh-CN" altLang="en-US" sz="3200" b="1" dirty="0">
-                <a:solidFill>
-                  <a:schemeClr val="bg1"/>
-                </a:solidFill>
-                <a:latin typeface="微软雅黑" panose="020B0503020204020204" pitchFamily="34" charset="-122"/>
-                <a:ea typeface="微软雅黑" panose="020B0503020204020204" pitchFamily="34" charset="-122"/>
-              </a:rPr>
-              <a:t>自学</a:t>
-            </a:r>
-            <a:r>
-              <a:rPr lang="en-US" altLang="zh-CN" sz="3200" b="1" dirty="0">
-                <a:solidFill>
-                  <a:schemeClr val="bg1"/>
-                </a:solidFill>
-                <a:latin typeface="微软雅黑" panose="020B0503020204020204" pitchFamily="34" charset="-122"/>
-                <a:ea typeface="微软雅黑" panose="020B0503020204020204" pitchFamily="34" charset="-122"/>
-              </a:rPr>
-              <a:t>—</a:t>
-            </a:r>
             <a:r>
               <a:rPr lang="zh-CN" altLang="en-US" sz="3200" b="1" dirty="0">
                 <a:solidFill>
@@ -6988,7 +7576,7 @@
                   <a:latin typeface="Impact" panose="020B0806030902050204" pitchFamily="34" charset="0"/>
                   <a:ea typeface="微软雅黑" panose="020B0503020204020204" pitchFamily="34" charset="-122"/>
                 </a:rPr>
-                <a:t>03</a:t>
+                <a:t>04</a:t>
               </a:r>
             </a:p>
           </p:txBody>
@@ -7049,6 +7637,112 @@
           </a:p>
         </p:txBody>
       </p:sp>
+      <p:pic>
+        <p:nvPicPr>
+          <p:cNvPr id="4" name="图片 3">
+            <a:extLst>
+              <a:ext uri="{FF2B5EF4-FFF2-40B4-BE49-F238E27FC236}">
+                <a16:creationId xmlns:a16="http://schemas.microsoft.com/office/drawing/2014/main" id="{EF6EF78B-9CB0-41DE-8B34-FE276EBBA52C}"/>
+              </a:ext>
+            </a:extLst>
+          </p:cNvPr>
+          <p:cNvPicPr>
+            <a:picLocks noChangeAspect="1"/>
+          </p:cNvPicPr>
+          <p:nvPr/>
+        </p:nvPicPr>
+        <p:blipFill>
+          <a:blip r:embed="rId3"/>
+          <a:stretch>
+            <a:fillRect/>
+          </a:stretch>
+        </p:blipFill>
+        <p:spPr>
+          <a:xfrm>
+            <a:off x="827584" y="2266147"/>
+            <a:ext cx="2360955" cy="1850684"/>
+          </a:xfrm>
+          <a:prstGeom prst="rect">
+            <a:avLst/>
+          </a:prstGeom>
+        </p:spPr>
+      </p:pic>
+      <p:pic>
+        <p:nvPicPr>
+          <p:cNvPr id="5" name="图片 4">
+            <a:extLst>
+              <a:ext uri="{FF2B5EF4-FFF2-40B4-BE49-F238E27FC236}">
+                <a16:creationId xmlns:a16="http://schemas.microsoft.com/office/drawing/2014/main" id="{FCA514D9-E2B0-4E16-8C71-3E18886172C9}"/>
+              </a:ext>
+            </a:extLst>
+          </p:cNvPr>
+          <p:cNvPicPr>
+            <a:picLocks noChangeAspect="1"/>
+          </p:cNvPicPr>
+          <p:nvPr/>
+        </p:nvPicPr>
+        <p:blipFill>
+          <a:blip r:embed="rId4"/>
+          <a:stretch>
+            <a:fillRect/>
+          </a:stretch>
+        </p:blipFill>
+        <p:spPr>
+          <a:xfrm>
+            <a:off x="4788024" y="2726915"/>
+            <a:ext cx="3488060" cy="841797"/>
+          </a:xfrm>
+          <a:prstGeom prst="rect">
+            <a:avLst/>
+          </a:prstGeom>
+        </p:spPr>
+      </p:pic>
+      <p:sp>
+        <p:nvSpPr>
+          <p:cNvPr id="6" name="箭头: 右 5">
+            <a:extLst>
+              <a:ext uri="{FF2B5EF4-FFF2-40B4-BE49-F238E27FC236}">
+                <a16:creationId xmlns:a16="http://schemas.microsoft.com/office/drawing/2014/main" id="{117BBA1C-2B18-455D-9944-634251F05DEE}"/>
+              </a:ext>
+            </a:extLst>
+          </p:cNvPr>
+          <p:cNvSpPr/>
+          <p:nvPr/>
+        </p:nvSpPr>
+        <p:spPr>
+          <a:xfrm>
+            <a:off x="3635896" y="3003797"/>
+            <a:ext cx="576064" cy="288032"/>
+          </a:xfrm>
+          <a:prstGeom prst="rightArrow">
+            <a:avLst/>
+          </a:prstGeom>
+        </p:spPr>
+        <p:style>
+          <a:lnRef idx="2">
+            <a:schemeClr val="accent1">
+              <a:shade val="50000"/>
+            </a:schemeClr>
+          </a:lnRef>
+          <a:fillRef idx="1">
+            <a:schemeClr val="accent1"/>
+          </a:fillRef>
+          <a:effectRef idx="0">
+            <a:schemeClr val="accent1"/>
+          </a:effectRef>
+          <a:fontRef idx="minor">
+            <a:schemeClr val="lt1"/>
+          </a:fontRef>
+        </p:style>
+        <p:txBody>
+          <a:bodyPr rtlCol="0" anchor="ctr"/>
+          <a:lstStyle/>
+          <a:p>
+            <a:pPr algn="ctr"/>
+            <a:endParaRPr lang="en-US"/>
+          </a:p>
+        </p:txBody>
+      </p:sp>
     </p:spTree>
     <p:extLst>
       <p:ext uri="{BB962C8B-B14F-4D97-AF65-F5344CB8AC3E}">
@@ -7059,13 +7753,13 @@
   <p:clrMapOvr>
     <a:masterClrMapping/>
   </p:clrMapOvr>
-  <mc:AlternateContent xmlns:mc="http://schemas.openxmlformats.org/markup-compatibility/2006">
-    <mc:Choice xmlns:p14="http://schemas.microsoft.com/office/powerpoint/2010/main" Requires="p14">
+  <mc:AlternateContent xmlns:mc="http://schemas.openxmlformats.org/markup-compatibility/2006" xmlns:p14="http://schemas.microsoft.com/office/powerpoint/2010/main">
+    <mc:Choice Requires="p14">
       <p:transition spd="slow" p14:dur="1200">
         <p14:flip dir="r"/>
       </p:transition>
     </mc:Choice>
-    <mc:Fallback>
+    <mc:Fallback xmlns="">
       <p:transition spd="slow">
         <p:fade/>
       </p:transition>
@@ -7355,7 +8049,7 @@
                   <a:latin typeface="Impact" panose="020B0806030902050204" pitchFamily="34" charset="0"/>
                   <a:ea typeface="微软雅黑" panose="020B0503020204020204" pitchFamily="34" charset="-122"/>
                 </a:rPr>
-                <a:t>03</a:t>
+                <a:t>04</a:t>
               </a:r>
             </a:p>
           </p:txBody>
@@ -7777,13 +8471,13 @@
   <p:clrMapOvr>
     <a:masterClrMapping/>
   </p:clrMapOvr>
-  <mc:AlternateContent xmlns:mc="http://schemas.openxmlformats.org/markup-compatibility/2006">
-    <mc:Choice xmlns:p14="http://schemas.microsoft.com/office/powerpoint/2010/main" Requires="p14">
+  <mc:AlternateContent xmlns:mc="http://schemas.openxmlformats.org/markup-compatibility/2006" xmlns:p14="http://schemas.microsoft.com/office/powerpoint/2010/main">
+    <mc:Choice Requires="p14">
       <p:transition spd="slow" p14:dur="1200">
         <p14:flip dir="r"/>
       </p:transition>
     </mc:Choice>
-    <mc:Fallback>
+    <mc:Fallback xmlns="">
       <p:transition spd="slow">
         <p:fade/>
       </p:transition>
@@ -8073,7 +8767,7 @@
                   <a:latin typeface="Impact" panose="020B0806030902050204" pitchFamily="34" charset="0"/>
                   <a:ea typeface="微软雅黑" panose="020B0503020204020204" pitchFamily="34" charset="-122"/>
                 </a:rPr>
-                <a:t>03</a:t>
+                <a:t>04</a:t>
               </a:r>
             </a:p>
           </p:txBody>
@@ -8134,6 +8828,112 @@
           </a:p>
         </p:txBody>
       </p:sp>
+      <p:pic>
+        <p:nvPicPr>
+          <p:cNvPr id="8" name="图片 7">
+            <a:extLst>
+              <a:ext uri="{FF2B5EF4-FFF2-40B4-BE49-F238E27FC236}">
+                <a16:creationId xmlns:a16="http://schemas.microsoft.com/office/drawing/2014/main" id="{9AFAA066-B637-44AE-92D6-51E17BD2424C}"/>
+              </a:ext>
+            </a:extLst>
+          </p:cNvPr>
+          <p:cNvPicPr>
+            <a:picLocks noChangeAspect="1"/>
+          </p:cNvPicPr>
+          <p:nvPr/>
+        </p:nvPicPr>
+        <p:blipFill>
+          <a:blip r:embed="rId3"/>
+          <a:stretch>
+            <a:fillRect/>
+          </a:stretch>
+        </p:blipFill>
+        <p:spPr>
+          <a:xfrm>
+            <a:off x="971600" y="2427734"/>
+            <a:ext cx="2880320" cy="1415436"/>
+          </a:xfrm>
+          <a:prstGeom prst="rect">
+            <a:avLst/>
+          </a:prstGeom>
+        </p:spPr>
+      </p:pic>
+      <p:sp>
+        <p:nvSpPr>
+          <p:cNvPr id="3" name="箭头: 右 2">
+            <a:extLst>
+              <a:ext uri="{FF2B5EF4-FFF2-40B4-BE49-F238E27FC236}">
+                <a16:creationId xmlns:a16="http://schemas.microsoft.com/office/drawing/2014/main" id="{19D11800-E892-4575-9C14-465809955118}"/>
+              </a:ext>
+            </a:extLst>
+          </p:cNvPr>
+          <p:cNvSpPr/>
+          <p:nvPr/>
+        </p:nvSpPr>
+        <p:spPr>
+          <a:xfrm>
+            <a:off x="3995936" y="3003798"/>
+            <a:ext cx="378923" cy="187691"/>
+          </a:xfrm>
+          <a:prstGeom prst="rightArrow">
+            <a:avLst/>
+          </a:prstGeom>
+        </p:spPr>
+        <p:style>
+          <a:lnRef idx="2">
+            <a:schemeClr val="accent1">
+              <a:shade val="50000"/>
+            </a:schemeClr>
+          </a:lnRef>
+          <a:fillRef idx="1">
+            <a:schemeClr val="accent1"/>
+          </a:fillRef>
+          <a:effectRef idx="0">
+            <a:schemeClr val="accent1"/>
+          </a:effectRef>
+          <a:fontRef idx="minor">
+            <a:schemeClr val="lt1"/>
+          </a:fontRef>
+        </p:style>
+        <p:txBody>
+          <a:bodyPr rtlCol="0" anchor="ctr"/>
+          <a:lstStyle/>
+          <a:p>
+            <a:pPr algn="ctr"/>
+            <a:endParaRPr lang="en-US"/>
+          </a:p>
+        </p:txBody>
+      </p:sp>
+      <p:pic>
+        <p:nvPicPr>
+          <p:cNvPr id="4" name="图片 3">
+            <a:extLst>
+              <a:ext uri="{FF2B5EF4-FFF2-40B4-BE49-F238E27FC236}">
+                <a16:creationId xmlns:a16="http://schemas.microsoft.com/office/drawing/2014/main" id="{1371D700-8204-43A9-A31D-558F50A5CA63}"/>
+              </a:ext>
+            </a:extLst>
+          </p:cNvPr>
+          <p:cNvPicPr>
+            <a:picLocks noChangeAspect="1"/>
+          </p:cNvPicPr>
+          <p:nvPr/>
+        </p:nvPicPr>
+        <p:blipFill>
+          <a:blip r:embed="rId4"/>
+          <a:stretch>
+            <a:fillRect/>
+          </a:stretch>
+        </p:blipFill>
+        <p:spPr>
+          <a:xfrm>
+            <a:off x="4518875" y="2214283"/>
+            <a:ext cx="3845098" cy="1796033"/>
+          </a:xfrm>
+          <a:prstGeom prst="rect">
+            <a:avLst/>
+          </a:prstGeom>
+        </p:spPr>
+      </p:pic>
     </p:spTree>
     <p:extLst>
       <p:ext uri="{BB962C8B-B14F-4D97-AF65-F5344CB8AC3E}">
@@ -8144,13 +8944,13 @@
   <p:clrMapOvr>
     <a:masterClrMapping/>
   </p:clrMapOvr>
-  <mc:AlternateContent xmlns:mc="http://schemas.openxmlformats.org/markup-compatibility/2006">
-    <mc:Choice xmlns:p14="http://schemas.microsoft.com/office/powerpoint/2010/main" Requires="p14">
+  <mc:AlternateContent xmlns:mc="http://schemas.openxmlformats.org/markup-compatibility/2006" xmlns:p14="http://schemas.microsoft.com/office/powerpoint/2010/main">
+    <mc:Choice Requires="p14">
       <p:transition spd="slow" p14:dur="1200">
         <p14:flip dir="r"/>
       </p:transition>
     </mc:Choice>
-    <mc:Fallback>
+    <mc:Fallback xmlns="">
       <p:transition spd="slow">
         <p:fade/>
       </p:transition>
@@ -8244,26 +9044,6 @@
           </a:bodyPr>
           <a:lstStyle/>
           <a:p>
-            <a:r>
-              <a:rPr lang="zh-CN" altLang="en-US" sz="3200" b="1" dirty="0">
-                <a:solidFill>
-                  <a:schemeClr val="bg1"/>
-                </a:solidFill>
-                <a:latin typeface="微软雅黑" panose="020B0503020204020204" pitchFamily="34" charset="-122"/>
-                <a:ea typeface="微软雅黑" panose="020B0503020204020204" pitchFamily="34" charset="-122"/>
-              </a:rPr>
-              <a:t>自学</a:t>
-            </a:r>
-            <a:r>
-              <a:rPr lang="en-US" altLang="zh-CN" sz="3200" b="1" dirty="0">
-                <a:solidFill>
-                  <a:schemeClr val="bg1"/>
-                </a:solidFill>
-                <a:latin typeface="微软雅黑" panose="020B0503020204020204" pitchFamily="34" charset="-122"/>
-                <a:ea typeface="微软雅黑" panose="020B0503020204020204" pitchFamily="34" charset="-122"/>
-              </a:rPr>
-              <a:t>—</a:t>
-            </a:r>
             <a:r>
               <a:rPr lang="zh-CN" altLang="en-US" sz="3200" b="1" dirty="0">
                 <a:solidFill>
@@ -9335,13 +10115,13 @@
   <p:clrMapOvr>
     <a:masterClrMapping/>
   </p:clrMapOvr>
-  <mc:AlternateContent xmlns:mc="http://schemas.openxmlformats.org/markup-compatibility/2006">
-    <mc:Choice xmlns:p14="http://schemas.microsoft.com/office/powerpoint/2010/main" Requires="p14">
+  <mc:AlternateContent xmlns:mc="http://schemas.openxmlformats.org/markup-compatibility/2006" xmlns:p14="http://schemas.microsoft.com/office/powerpoint/2010/main">
+    <mc:Choice Requires="p14">
       <p:transition spd="slow" p14:dur="1200">
         <p14:flip dir="r"/>
       </p:transition>
     </mc:Choice>
-    <mc:Fallback>
+    <mc:Fallback xmlns="">
       <p:transition spd="slow">
         <p:fade/>
       </p:transition>
@@ -9435,26 +10215,6 @@
           </a:bodyPr>
           <a:lstStyle/>
           <a:p>
-            <a:r>
-              <a:rPr lang="zh-CN" altLang="en-US" sz="3200" b="1" dirty="0">
-                <a:solidFill>
-                  <a:schemeClr val="bg1"/>
-                </a:solidFill>
-                <a:latin typeface="微软雅黑" panose="020B0503020204020204" pitchFamily="34" charset="-122"/>
-                <a:ea typeface="微软雅黑" panose="020B0503020204020204" pitchFamily="34" charset="-122"/>
-              </a:rPr>
-              <a:t>自学</a:t>
-            </a:r>
-            <a:r>
-              <a:rPr lang="en-US" altLang="zh-CN" sz="3200" b="1" dirty="0">
-                <a:solidFill>
-                  <a:schemeClr val="bg1"/>
-                </a:solidFill>
-                <a:latin typeface="微软雅黑" panose="020B0503020204020204" pitchFamily="34" charset="-122"/>
-                <a:ea typeface="微软雅黑" panose="020B0503020204020204" pitchFamily="34" charset="-122"/>
-              </a:rPr>
-              <a:t>—</a:t>
-            </a:r>
             <a:r>
               <a:rPr lang="zh-CN" altLang="en-US" sz="3200" b="1" dirty="0">
                 <a:solidFill>
@@ -9631,7 +10391,7 @@
                   <a:latin typeface="Impact" panose="020B0806030902050204" pitchFamily="34" charset="0"/>
                   <a:ea typeface="微软雅黑" panose="020B0503020204020204" pitchFamily="34" charset="-122"/>
                 </a:rPr>
-                <a:t>03</a:t>
+                <a:t>04</a:t>
               </a:r>
             </a:p>
           </p:txBody>
@@ -9692,6 +10452,36 @@
           </a:p>
         </p:txBody>
       </p:sp>
+      <p:pic>
+        <p:nvPicPr>
+          <p:cNvPr id="3" name="图片 2">
+            <a:extLst>
+              <a:ext uri="{FF2B5EF4-FFF2-40B4-BE49-F238E27FC236}">
+                <a16:creationId xmlns:a16="http://schemas.microsoft.com/office/drawing/2014/main" id="{AE11A874-A83F-4C9D-A7D9-8715667B945F}"/>
+              </a:ext>
+            </a:extLst>
+          </p:cNvPr>
+          <p:cNvPicPr>
+            <a:picLocks noChangeAspect="1"/>
+          </p:cNvPicPr>
+          <p:nvPr/>
+        </p:nvPicPr>
+        <p:blipFill>
+          <a:blip r:embed="rId3"/>
+          <a:stretch>
+            <a:fillRect/>
+          </a:stretch>
+        </p:blipFill>
+        <p:spPr>
+          <a:xfrm>
+            <a:off x="2267744" y="2024853"/>
+            <a:ext cx="4464496" cy="2669396"/>
+          </a:xfrm>
+          <a:prstGeom prst="rect">
+            <a:avLst/>
+          </a:prstGeom>
+        </p:spPr>
+      </p:pic>
     </p:spTree>
     <p:extLst>
       <p:ext uri="{BB962C8B-B14F-4D97-AF65-F5344CB8AC3E}">
@@ -9702,13 +10492,13 @@
   <p:clrMapOvr>
     <a:masterClrMapping/>
   </p:clrMapOvr>
-  <mc:AlternateContent xmlns:mc="http://schemas.openxmlformats.org/markup-compatibility/2006">
-    <mc:Choice xmlns:p14="http://schemas.microsoft.com/office/powerpoint/2010/main" Requires="p14">
+  <mc:AlternateContent xmlns:mc="http://schemas.openxmlformats.org/markup-compatibility/2006" xmlns:p14="http://schemas.microsoft.com/office/powerpoint/2010/main">
+    <mc:Choice Requires="p14">
       <p:transition spd="slow" p14:dur="1200">
         <p14:flip dir="r"/>
       </p:transition>
     </mc:Choice>
-    <mc:Fallback>
+    <mc:Fallback xmlns="">
       <p:transition spd="slow">
         <p:fade/>
       </p:transition>
@@ -9810,27 +10600,7 @@
                 <a:latin typeface="微软雅黑" panose="020B0503020204020204" pitchFamily="34" charset="-122"/>
                 <a:ea typeface="微软雅黑" panose="020B0503020204020204" pitchFamily="34" charset="-122"/>
               </a:rPr>
-              <a:t>自学</a:t>
-            </a:r>
-            <a:r>
-              <a:rPr lang="en-US" altLang="zh-CN" sz="3200" b="1" dirty="0">
-                <a:solidFill>
-                  <a:schemeClr val="bg1"/>
-                </a:solidFill>
-                <a:latin typeface="微软雅黑" panose="020B0503020204020204" pitchFamily="34" charset="-122"/>
-                <a:ea typeface="微软雅黑" panose="020B0503020204020204" pitchFamily="34" charset="-122"/>
-              </a:rPr>
-              <a:t>—</a:t>
-            </a:r>
-            <a:r>
-              <a:rPr lang="zh-CN" altLang="en-US" sz="3200" b="1" dirty="0">
-                <a:solidFill>
-                  <a:schemeClr val="bg1"/>
-                </a:solidFill>
-                <a:latin typeface="微软雅黑" panose="020B0503020204020204" pitchFamily="34" charset="-122"/>
-                <a:ea typeface="微软雅黑" panose="020B0503020204020204" pitchFamily="34" charset="-122"/>
-              </a:rPr>
-              <a:t>正式考试</a:t>
+              <a:t>正式考试的统计</a:t>
             </a:r>
             <a:endParaRPr lang="en-US" altLang="zh-CN" sz="3200" b="1" dirty="0">
               <a:solidFill>
@@ -9998,7 +10768,7 @@
                   <a:latin typeface="Impact" panose="020B0806030902050204" pitchFamily="34" charset="0"/>
                   <a:ea typeface="微软雅黑" panose="020B0503020204020204" pitchFamily="34" charset="-122"/>
                 </a:rPr>
-                <a:t>03</a:t>
+                <a:t>05</a:t>
               </a:r>
             </a:p>
           </p:txBody>
@@ -11957,13 +12727,13 @@
   <p:clrMapOvr>
     <a:masterClrMapping/>
   </p:clrMapOvr>
-  <mc:AlternateContent xmlns:mc="http://schemas.openxmlformats.org/markup-compatibility/2006">
-    <mc:Choice xmlns:p14="http://schemas.microsoft.com/office/powerpoint/2010/main" Requires="p14">
+  <mc:AlternateContent xmlns:mc="http://schemas.openxmlformats.org/markup-compatibility/2006" xmlns:p14="http://schemas.microsoft.com/office/powerpoint/2010/main">
+    <mc:Choice Requires="p14">
       <p:transition spd="slow" p14:dur="1200">
         <p14:flip dir="r"/>
       </p:transition>
     </mc:Choice>
-    <mc:Fallback>
+    <mc:Fallback xmlns="">
       <p:transition spd="slow">
         <p:fade/>
       </p:transition>
@@ -14699,6 +15469,4007 @@
 </p:sld>
 </file>
 
+<file path=ppt/slides/slide20.xml><?xml version="1.0" encoding="utf-8"?>
+<p:sld xmlns:a="http://schemas.openxmlformats.org/drawingml/2006/main" xmlns:r="http://schemas.openxmlformats.org/officeDocument/2006/relationships" xmlns:p="http://schemas.openxmlformats.org/presentationml/2006/main">
+  <p:cSld>
+    <p:spTree>
+      <p:nvGrpSpPr>
+        <p:cNvPr id="1" name=""/>
+        <p:cNvGrpSpPr/>
+        <p:nvPr/>
+      </p:nvGrpSpPr>
+      <p:grpSpPr>
+        <a:xfrm>
+          <a:off x="0" y="0"/>
+          <a:ext cx="0" cy="0"/>
+          <a:chOff x="0" y="0"/>
+          <a:chExt cx="0" cy="0"/>
+        </a:xfrm>
+      </p:grpSpPr>
+      <p:sp>
+        <p:nvSpPr>
+          <p:cNvPr id="2" name="矩形 1"/>
+          <p:cNvSpPr/>
+          <p:nvPr/>
+        </p:nvSpPr>
+        <p:spPr>
+          <a:xfrm>
+            <a:off x="0" y="438404"/>
+            <a:ext cx="9144000" cy="969534"/>
+          </a:xfrm>
+          <a:prstGeom prst="rect">
+            <a:avLst/>
+          </a:prstGeom>
+          <a:solidFill>
+            <a:schemeClr val="accent1"/>
+          </a:solidFill>
+          <a:ln>
+            <a:noFill/>
+          </a:ln>
+        </p:spPr>
+        <p:style>
+          <a:lnRef idx="2">
+            <a:schemeClr val="accent1">
+              <a:shade val="50000"/>
+            </a:schemeClr>
+          </a:lnRef>
+          <a:fillRef idx="1">
+            <a:schemeClr val="accent1"/>
+          </a:fillRef>
+          <a:effectRef idx="0">
+            <a:schemeClr val="accent1"/>
+          </a:effectRef>
+          <a:fontRef idx="minor">
+            <a:schemeClr val="lt1"/>
+          </a:fontRef>
+        </p:style>
+        <p:txBody>
+          <a:bodyPr rtlCol="0" anchor="ctr"/>
+          <a:lstStyle/>
+          <a:p>
+            <a:pPr algn="ctr"/>
+            <a:endParaRPr lang="zh-CN" altLang="en-US"/>
+          </a:p>
+        </p:txBody>
+      </p:sp>
+      <p:sp>
+        <p:nvSpPr>
+          <p:cNvPr id="40" name="文本框 17"/>
+          <p:cNvSpPr txBox="1"/>
+          <p:nvPr/>
+        </p:nvSpPr>
+        <p:spPr>
+          <a:xfrm>
+            <a:off x="3337583" y="661561"/>
+            <a:ext cx="4258753" cy="584775"/>
+          </a:xfrm>
+          <a:prstGeom prst="rect">
+            <a:avLst/>
+          </a:prstGeom>
+          <a:noFill/>
+        </p:spPr>
+        <p:txBody>
+          <a:bodyPr wrap="square" rtlCol="0">
+            <a:spAutoFit/>
+          </a:bodyPr>
+          <a:lstStyle/>
+          <a:p>
+            <a:r>
+              <a:rPr lang="zh-CN" altLang="en-US" sz="3200" b="1" dirty="0">
+                <a:solidFill>
+                  <a:schemeClr val="bg1"/>
+                </a:solidFill>
+                <a:latin typeface="微软雅黑" panose="020B0503020204020204" pitchFamily="34" charset="-122"/>
+                <a:ea typeface="微软雅黑" panose="020B0503020204020204" pitchFamily="34" charset="-122"/>
+              </a:rPr>
+              <a:t>总结统计信息</a:t>
+            </a:r>
+            <a:endParaRPr lang="en-US" altLang="zh-CN" sz="3200" b="1" dirty="0">
+              <a:solidFill>
+                <a:schemeClr val="bg1"/>
+              </a:solidFill>
+              <a:latin typeface="微软雅黑" panose="020B0503020204020204" pitchFamily="34" charset="-122"/>
+              <a:ea typeface="微软雅黑" panose="020B0503020204020204" pitchFamily="34" charset="-122"/>
+            </a:endParaRPr>
+          </a:p>
+        </p:txBody>
+      </p:sp>
+      <p:grpSp>
+        <p:nvGrpSpPr>
+          <p:cNvPr id="83" name="组合 82"/>
+          <p:cNvGrpSpPr/>
+          <p:nvPr/>
+        </p:nvGrpSpPr>
+        <p:grpSpPr>
+          <a:xfrm>
+            <a:off x="1366956" y="135943"/>
+            <a:ext cx="1586056" cy="1586449"/>
+            <a:chOff x="1041891" y="2887277"/>
+            <a:chExt cx="1036261" cy="1036518"/>
+          </a:xfrm>
+        </p:grpSpPr>
+        <p:sp>
+          <p:nvSpPr>
+            <p:cNvPr id="84" name="Oval 53"/>
+            <p:cNvSpPr>
+              <a:spLocks noChangeArrowheads="1"/>
+            </p:cNvSpPr>
+            <p:nvPr/>
+          </p:nvSpPr>
+          <p:spPr bwMode="auto">
+            <a:xfrm>
+              <a:off x="1041891" y="2887277"/>
+              <a:ext cx="1036261" cy="1036518"/>
+            </a:xfrm>
+            <a:prstGeom prst="ellipse">
+              <a:avLst/>
+            </a:prstGeom>
+            <a:solidFill>
+              <a:schemeClr val="accent1"/>
+            </a:solidFill>
+            <a:ln w="88900">
+              <a:gradFill flip="none" rotWithShape="1">
+                <a:gsLst>
+                  <a:gs pos="0">
+                    <a:srgbClr val="FFFFFF"/>
+                  </a:gs>
+                  <a:gs pos="100000">
+                    <a:srgbClr val="D9D9DA"/>
+                  </a:gs>
+                </a:gsLst>
+                <a:lin ang="2700000" scaled="0"/>
+                <a:tileRect/>
+              </a:gradFill>
+            </a:ln>
+            <a:effectLst>
+              <a:outerShdw blurRad="279400" dist="76200" dir="2700000" sx="101000" sy="101000" algn="tl" rotWithShape="0">
+                <a:prstClr val="black">
+                  <a:alpha val="28000"/>
+                </a:prstClr>
+              </a:outerShdw>
+            </a:effectLst>
+          </p:spPr>
+          <p:style>
+            <a:lnRef idx="2">
+              <a:schemeClr val="accent1">
+                <a:shade val="50000"/>
+              </a:schemeClr>
+            </a:lnRef>
+            <a:fillRef idx="1">
+              <a:schemeClr val="accent1"/>
+            </a:fillRef>
+            <a:effectRef idx="0">
+              <a:schemeClr val="accent1"/>
+            </a:effectRef>
+            <a:fontRef idx="minor">
+              <a:schemeClr val="lt1"/>
+            </a:fontRef>
+          </p:style>
+          <p:txBody>
+            <a:bodyPr lIns="68580" tIns="34290" rIns="68580" bIns="34290" anchor="ctr"/>
+            <a:lstStyle/>
+            <a:p>
+              <a:pPr algn="ctr" fontAlgn="auto">
+                <a:spcBef>
+                  <a:spcPts val="0"/>
+                </a:spcBef>
+                <a:spcAft>
+                  <a:spcPts val="0"/>
+                </a:spcAft>
+                <a:defRPr/>
+              </a:pPr>
+              <a:endParaRPr lang="zh-CN" altLang="en-US" sz="4400">
+                <a:latin typeface="微软雅黑" panose="020B0503020204020204" pitchFamily="34" charset="-122"/>
+                <a:ea typeface="微软雅黑" panose="020B0503020204020204" pitchFamily="34" charset="-122"/>
+              </a:endParaRPr>
+            </a:p>
+          </p:txBody>
+        </p:sp>
+        <p:sp>
+          <p:nvSpPr>
+            <p:cNvPr id="85" name="Text Box 58"/>
+            <p:cNvSpPr txBox="1">
+              <a:spLocks noChangeArrowheads="1"/>
+            </p:cNvSpPr>
+            <p:nvPr/>
+          </p:nvSpPr>
+          <p:spPr bwMode="auto">
+            <a:xfrm>
+              <a:off x="1159958" y="3077737"/>
+              <a:ext cx="782803" cy="708835"/>
+            </a:xfrm>
+            <a:prstGeom prst="rect">
+              <a:avLst/>
+            </a:prstGeom>
+            <a:noFill/>
+            <a:ln>
+              <a:noFill/>
+            </a:ln>
+            <a:effectLst/>
+            <a:extLst>
+              <a:ext uri="{909E8E84-426E-40DD-AFC4-6F175D3DCCD1}">
+                <a14:hiddenFill xmlns:a14="http://schemas.microsoft.com/office/drawing/2010/main">
+                  <a:solidFill>
+                    <a:schemeClr val="accent1"/>
+                  </a:solidFill>
+                </a14:hiddenFill>
+              </a:ext>
+              <a:ext uri="{91240B29-F687-4F45-9708-019B960494DF}">
+                <a14:hiddenLine xmlns:a14="http://schemas.microsoft.com/office/drawing/2010/main" w="9525">
+                  <a:solidFill>
+                    <a:schemeClr val="tx1"/>
+                  </a:solidFill>
+                  <a:miter lim="800000"/>
+                  <a:headEnd/>
+                  <a:tailEnd/>
+                </a14:hiddenLine>
+              </a:ext>
+              <a:ext uri="{AF507438-7753-43E0-B8FC-AC1667EBCBE1}">
+                <a14:hiddenEffects xmlns:a14="http://schemas.microsoft.com/office/drawing/2010/main">
+                  <a:effectLst>
+                    <a:outerShdw dist="35921" dir="2700000" algn="ctr" rotWithShape="0">
+                      <a:schemeClr val="bg2"/>
+                    </a:outerShdw>
+                  </a:effectLst>
+                </a14:hiddenEffects>
+              </a:ext>
+            </a:extLst>
+          </p:spPr>
+          <p:txBody>
+            <a:bodyPr wrap="square" lIns="68580" tIns="34290" rIns="68580" bIns="34290">
+              <a:spAutoFit/>
+            </a:bodyPr>
+            <a:lstStyle/>
+            <a:p>
+              <a:pPr algn="ctr"/>
+              <a:r>
+                <a:rPr lang="en-US" altLang="zh-CN" sz="6600" dirty="0">
+                  <a:solidFill>
+                    <a:schemeClr val="bg1"/>
+                  </a:solidFill>
+                  <a:latin typeface="Impact" panose="020B0806030902050204" pitchFamily="34" charset="0"/>
+                  <a:ea typeface="微软雅黑" panose="020B0503020204020204" pitchFamily="34" charset="-122"/>
+                </a:rPr>
+                <a:t>05</a:t>
+              </a:r>
+            </a:p>
+          </p:txBody>
+        </p:sp>
+      </p:grpSp>
+      <p:sp>
+        <p:nvSpPr>
+          <p:cNvPr id="16" name="标题1">
+            <a:extLst>
+              <a:ext uri="{FF2B5EF4-FFF2-40B4-BE49-F238E27FC236}">
+                <a16:creationId xmlns:a16="http://schemas.microsoft.com/office/drawing/2014/main" id="{ED2577EA-7E4F-4D54-A209-D17DCB46FC43}"/>
+              </a:ext>
+            </a:extLst>
+          </p:cNvPr>
+          <p:cNvSpPr>
+            <a:spLocks noChangeArrowheads="1"/>
+          </p:cNvSpPr>
+          <p:nvPr/>
+        </p:nvSpPr>
+        <p:spPr bwMode="gray">
+          <a:xfrm>
+            <a:off x="2662337" y="1742519"/>
+            <a:ext cx="931954" cy="901585"/>
+          </a:xfrm>
+          <a:prstGeom prst="roundRect">
+            <a:avLst>
+              <a:gd name="adj" fmla="val 11921"/>
+            </a:avLst>
+          </a:prstGeom>
+          <a:solidFill>
+            <a:schemeClr val="accent2"/>
+          </a:solidFill>
+          <a:ln w="63500" cap="flat" cmpd="sng" algn="ctr">
+            <a:solidFill>
+              <a:schemeClr val="bg1"/>
+            </a:solidFill>
+            <a:prstDash val="solid"/>
+          </a:ln>
+          <a:effectLst>
+            <a:outerShdw blurRad="127000" dist="38100" dir="5400000" algn="ctr" rotWithShape="0">
+              <a:prstClr val="black">
+                <a:alpha val="40000"/>
+              </a:prstClr>
+            </a:outerShdw>
+          </a:effectLst>
+        </p:spPr>
+        <p:txBody>
+          <a:bodyPr lIns="62118" tIns="31058" rIns="62118" bIns="31058" anchor="ctr"/>
+          <a:lstStyle>
+            <a:defPPr>
+              <a:defRPr lang="zh-CN"/>
+            </a:defPPr>
+            <a:lvl1pPr marL="0" algn="l" defTabSz="914400" rtl="0" eaLnBrk="1" latinLnBrk="0" hangingPunct="1">
+              <a:defRPr sz="1800" kern="1200">
+                <a:solidFill>
+                  <a:schemeClr val="tx1"/>
+                </a:solidFill>
+                <a:latin typeface="+mn-lt"/>
+                <a:ea typeface="+mn-ea"/>
+                <a:cs typeface="+mn-cs"/>
+              </a:defRPr>
+            </a:lvl1pPr>
+            <a:lvl2pPr marL="457200" algn="l" defTabSz="914400" rtl="0" eaLnBrk="1" latinLnBrk="0" hangingPunct="1">
+              <a:defRPr sz="1800" kern="1200">
+                <a:solidFill>
+                  <a:schemeClr val="tx1"/>
+                </a:solidFill>
+                <a:latin typeface="+mn-lt"/>
+                <a:ea typeface="+mn-ea"/>
+                <a:cs typeface="+mn-cs"/>
+              </a:defRPr>
+            </a:lvl2pPr>
+            <a:lvl3pPr marL="914400" algn="l" defTabSz="914400" rtl="0" eaLnBrk="1" latinLnBrk="0" hangingPunct="1">
+              <a:defRPr sz="1800" kern="1200">
+                <a:solidFill>
+                  <a:schemeClr val="tx1"/>
+                </a:solidFill>
+                <a:latin typeface="+mn-lt"/>
+                <a:ea typeface="+mn-ea"/>
+                <a:cs typeface="+mn-cs"/>
+              </a:defRPr>
+            </a:lvl3pPr>
+            <a:lvl4pPr marL="1371600" algn="l" defTabSz="914400" rtl="0" eaLnBrk="1" latinLnBrk="0" hangingPunct="1">
+              <a:defRPr sz="1800" kern="1200">
+                <a:solidFill>
+                  <a:schemeClr val="tx1"/>
+                </a:solidFill>
+                <a:latin typeface="+mn-lt"/>
+                <a:ea typeface="+mn-ea"/>
+                <a:cs typeface="+mn-cs"/>
+              </a:defRPr>
+            </a:lvl4pPr>
+            <a:lvl5pPr marL="1828800" algn="l" defTabSz="914400" rtl="0" eaLnBrk="1" latinLnBrk="0" hangingPunct="1">
+              <a:defRPr sz="1800" kern="1200">
+                <a:solidFill>
+                  <a:schemeClr val="tx1"/>
+                </a:solidFill>
+                <a:latin typeface="+mn-lt"/>
+                <a:ea typeface="+mn-ea"/>
+                <a:cs typeface="+mn-cs"/>
+              </a:defRPr>
+            </a:lvl5pPr>
+            <a:lvl6pPr marL="2286000" algn="l" defTabSz="914400" rtl="0" eaLnBrk="1" latinLnBrk="0" hangingPunct="1">
+              <a:defRPr sz="1800" kern="1200">
+                <a:solidFill>
+                  <a:schemeClr val="tx1"/>
+                </a:solidFill>
+                <a:latin typeface="+mn-lt"/>
+                <a:ea typeface="+mn-ea"/>
+                <a:cs typeface="+mn-cs"/>
+              </a:defRPr>
+            </a:lvl6pPr>
+            <a:lvl7pPr marL="2743200" algn="l" defTabSz="914400" rtl="0" eaLnBrk="1" latinLnBrk="0" hangingPunct="1">
+              <a:defRPr sz="1800" kern="1200">
+                <a:solidFill>
+                  <a:schemeClr val="tx1"/>
+                </a:solidFill>
+                <a:latin typeface="+mn-lt"/>
+                <a:ea typeface="+mn-ea"/>
+                <a:cs typeface="+mn-cs"/>
+              </a:defRPr>
+            </a:lvl7pPr>
+            <a:lvl8pPr marL="3200400" algn="l" defTabSz="914400" rtl="0" eaLnBrk="1" latinLnBrk="0" hangingPunct="1">
+              <a:defRPr sz="1800" kern="1200">
+                <a:solidFill>
+                  <a:schemeClr val="tx1"/>
+                </a:solidFill>
+                <a:latin typeface="+mn-lt"/>
+                <a:ea typeface="+mn-ea"/>
+                <a:cs typeface="+mn-cs"/>
+              </a:defRPr>
+            </a:lvl8pPr>
+            <a:lvl9pPr marL="3657600" algn="l" defTabSz="914400" rtl="0" eaLnBrk="1" latinLnBrk="0" hangingPunct="1">
+              <a:defRPr sz="1800" kern="1200">
+                <a:solidFill>
+                  <a:schemeClr val="tx1"/>
+                </a:solidFill>
+                <a:latin typeface="+mn-lt"/>
+                <a:ea typeface="+mn-ea"/>
+                <a:cs typeface="+mn-cs"/>
+              </a:defRPr>
+            </a:lvl9pPr>
+          </a:lstStyle>
+          <a:p>
+            <a:pPr algn="ctr" fontAlgn="base">
+              <a:lnSpc>
+                <a:spcPct val="120000"/>
+              </a:lnSpc>
+              <a:spcBef>
+                <a:spcPct val="0"/>
+              </a:spcBef>
+              <a:spcAft>
+                <a:spcPct val="0"/>
+              </a:spcAft>
+              <a:defRPr/>
+            </a:pPr>
+            <a:r>
+              <a:rPr lang="zh-CN" altLang="en-US" sz="1400" dirty="0">
+                <a:solidFill>
+                  <a:schemeClr val="bg1"/>
+                </a:solidFill>
+                <a:latin typeface="微软雅黑" pitchFamily="34" charset="-122"/>
+                <a:ea typeface="微软雅黑" pitchFamily="34" charset="-122"/>
+              </a:rPr>
+              <a:t>参与自学排名</a:t>
+            </a:r>
+            <a:endParaRPr lang="zh-CN" altLang="zh-CN" sz="1400" dirty="0">
+              <a:solidFill>
+                <a:schemeClr val="bg1"/>
+              </a:solidFill>
+              <a:latin typeface="微软雅黑" pitchFamily="34" charset="-122"/>
+              <a:ea typeface="微软雅黑" pitchFamily="34" charset="-122"/>
+            </a:endParaRPr>
+          </a:p>
+        </p:txBody>
+      </p:sp>
+      <p:sp>
+        <p:nvSpPr>
+          <p:cNvPr id="18" name="标题2">
+            <a:extLst>
+              <a:ext uri="{FF2B5EF4-FFF2-40B4-BE49-F238E27FC236}">
+                <a16:creationId xmlns:a16="http://schemas.microsoft.com/office/drawing/2014/main" id="{A11441DA-47EB-4B83-8FAA-AB06670E9A21}"/>
+              </a:ext>
+            </a:extLst>
+          </p:cNvPr>
+          <p:cNvSpPr>
+            <a:spLocks noChangeArrowheads="1"/>
+          </p:cNvSpPr>
+          <p:nvPr/>
+        </p:nvSpPr>
+        <p:spPr bwMode="gray">
+          <a:xfrm>
+            <a:off x="2662337" y="2837143"/>
+            <a:ext cx="931955" cy="894027"/>
+          </a:xfrm>
+          <a:prstGeom prst="roundRect">
+            <a:avLst>
+              <a:gd name="adj" fmla="val 11921"/>
+            </a:avLst>
+          </a:prstGeom>
+          <a:solidFill>
+            <a:schemeClr val="accent3"/>
+          </a:solidFill>
+          <a:ln w="63500" cap="flat" cmpd="sng" algn="ctr">
+            <a:solidFill>
+              <a:schemeClr val="bg1"/>
+            </a:solidFill>
+            <a:prstDash val="solid"/>
+          </a:ln>
+          <a:effectLst>
+            <a:outerShdw blurRad="127000" dist="38100" dir="5400000" algn="ctr" rotWithShape="0">
+              <a:prstClr val="black">
+                <a:alpha val="40000"/>
+              </a:prstClr>
+            </a:outerShdw>
+          </a:effectLst>
+        </p:spPr>
+        <p:txBody>
+          <a:bodyPr lIns="62118" tIns="31058" rIns="62118" bIns="31058" anchor="ctr"/>
+          <a:lstStyle>
+            <a:defPPr>
+              <a:defRPr lang="zh-CN"/>
+            </a:defPPr>
+            <a:lvl1pPr marL="0" algn="l" defTabSz="914400" rtl="0" eaLnBrk="1" latinLnBrk="0" hangingPunct="1">
+              <a:defRPr sz="1800" kern="1200">
+                <a:solidFill>
+                  <a:schemeClr val="tx1"/>
+                </a:solidFill>
+                <a:latin typeface="+mn-lt"/>
+                <a:ea typeface="+mn-ea"/>
+                <a:cs typeface="+mn-cs"/>
+              </a:defRPr>
+            </a:lvl1pPr>
+            <a:lvl2pPr marL="457200" algn="l" defTabSz="914400" rtl="0" eaLnBrk="1" latinLnBrk="0" hangingPunct="1">
+              <a:defRPr sz="1800" kern="1200">
+                <a:solidFill>
+                  <a:schemeClr val="tx1"/>
+                </a:solidFill>
+                <a:latin typeface="+mn-lt"/>
+                <a:ea typeface="+mn-ea"/>
+                <a:cs typeface="+mn-cs"/>
+              </a:defRPr>
+            </a:lvl2pPr>
+            <a:lvl3pPr marL="914400" algn="l" defTabSz="914400" rtl="0" eaLnBrk="1" latinLnBrk="0" hangingPunct="1">
+              <a:defRPr sz="1800" kern="1200">
+                <a:solidFill>
+                  <a:schemeClr val="tx1"/>
+                </a:solidFill>
+                <a:latin typeface="+mn-lt"/>
+                <a:ea typeface="+mn-ea"/>
+                <a:cs typeface="+mn-cs"/>
+              </a:defRPr>
+            </a:lvl3pPr>
+            <a:lvl4pPr marL="1371600" algn="l" defTabSz="914400" rtl="0" eaLnBrk="1" latinLnBrk="0" hangingPunct="1">
+              <a:defRPr sz="1800" kern="1200">
+                <a:solidFill>
+                  <a:schemeClr val="tx1"/>
+                </a:solidFill>
+                <a:latin typeface="+mn-lt"/>
+                <a:ea typeface="+mn-ea"/>
+                <a:cs typeface="+mn-cs"/>
+              </a:defRPr>
+            </a:lvl4pPr>
+            <a:lvl5pPr marL="1828800" algn="l" defTabSz="914400" rtl="0" eaLnBrk="1" latinLnBrk="0" hangingPunct="1">
+              <a:defRPr sz="1800" kern="1200">
+                <a:solidFill>
+                  <a:schemeClr val="tx1"/>
+                </a:solidFill>
+                <a:latin typeface="+mn-lt"/>
+                <a:ea typeface="+mn-ea"/>
+                <a:cs typeface="+mn-cs"/>
+              </a:defRPr>
+            </a:lvl5pPr>
+            <a:lvl6pPr marL="2286000" algn="l" defTabSz="914400" rtl="0" eaLnBrk="1" latinLnBrk="0" hangingPunct="1">
+              <a:defRPr sz="1800" kern="1200">
+                <a:solidFill>
+                  <a:schemeClr val="tx1"/>
+                </a:solidFill>
+                <a:latin typeface="+mn-lt"/>
+                <a:ea typeface="+mn-ea"/>
+                <a:cs typeface="+mn-cs"/>
+              </a:defRPr>
+            </a:lvl6pPr>
+            <a:lvl7pPr marL="2743200" algn="l" defTabSz="914400" rtl="0" eaLnBrk="1" latinLnBrk="0" hangingPunct="1">
+              <a:defRPr sz="1800" kern="1200">
+                <a:solidFill>
+                  <a:schemeClr val="tx1"/>
+                </a:solidFill>
+                <a:latin typeface="+mn-lt"/>
+                <a:ea typeface="+mn-ea"/>
+                <a:cs typeface="+mn-cs"/>
+              </a:defRPr>
+            </a:lvl7pPr>
+            <a:lvl8pPr marL="3200400" algn="l" defTabSz="914400" rtl="0" eaLnBrk="1" latinLnBrk="0" hangingPunct="1">
+              <a:defRPr sz="1800" kern="1200">
+                <a:solidFill>
+                  <a:schemeClr val="tx1"/>
+                </a:solidFill>
+                <a:latin typeface="+mn-lt"/>
+                <a:ea typeface="+mn-ea"/>
+                <a:cs typeface="+mn-cs"/>
+              </a:defRPr>
+            </a:lvl8pPr>
+            <a:lvl9pPr marL="3657600" algn="l" defTabSz="914400" rtl="0" eaLnBrk="1" latinLnBrk="0" hangingPunct="1">
+              <a:defRPr sz="1800" kern="1200">
+                <a:solidFill>
+                  <a:schemeClr val="tx1"/>
+                </a:solidFill>
+                <a:latin typeface="+mn-lt"/>
+                <a:ea typeface="+mn-ea"/>
+                <a:cs typeface="+mn-cs"/>
+              </a:defRPr>
+            </a:lvl9pPr>
+          </a:lstStyle>
+          <a:p>
+            <a:pPr algn="ctr" fontAlgn="base">
+              <a:lnSpc>
+                <a:spcPct val="120000"/>
+              </a:lnSpc>
+              <a:spcBef>
+                <a:spcPct val="0"/>
+              </a:spcBef>
+              <a:spcAft>
+                <a:spcPct val="0"/>
+              </a:spcAft>
+              <a:defRPr/>
+            </a:pPr>
+            <a:r>
+              <a:rPr lang="zh-CN" altLang="en-US" sz="1400" dirty="0">
+                <a:solidFill>
+                  <a:schemeClr val="bg1"/>
+                </a:solidFill>
+                <a:latin typeface="微软雅黑" pitchFamily="34" charset="-122"/>
+                <a:ea typeface="微软雅黑" pitchFamily="34" charset="-122"/>
+              </a:rPr>
+              <a:t>累计考试排名</a:t>
+            </a:r>
+            <a:endParaRPr lang="zh-CN" altLang="zh-CN" sz="1400" dirty="0">
+              <a:solidFill>
+                <a:schemeClr val="bg1"/>
+              </a:solidFill>
+              <a:latin typeface="微软雅黑" pitchFamily="34" charset="-122"/>
+              <a:ea typeface="微软雅黑" pitchFamily="34" charset="-122"/>
+            </a:endParaRPr>
+          </a:p>
+        </p:txBody>
+      </p:sp>
+      <p:sp>
+        <p:nvSpPr>
+          <p:cNvPr id="20" name="标题3">
+            <a:extLst>
+              <a:ext uri="{FF2B5EF4-FFF2-40B4-BE49-F238E27FC236}">
+                <a16:creationId xmlns:a16="http://schemas.microsoft.com/office/drawing/2014/main" id="{790C4B9B-7279-495D-AFA7-5B5EF1DFCD0B}"/>
+              </a:ext>
+            </a:extLst>
+          </p:cNvPr>
+          <p:cNvSpPr>
+            <a:spLocks noChangeArrowheads="1"/>
+          </p:cNvSpPr>
+          <p:nvPr/>
+        </p:nvSpPr>
+        <p:spPr bwMode="gray">
+          <a:xfrm>
+            <a:off x="2662337" y="3917947"/>
+            <a:ext cx="931954" cy="886051"/>
+          </a:xfrm>
+          <a:prstGeom prst="roundRect">
+            <a:avLst>
+              <a:gd name="adj" fmla="val 11921"/>
+            </a:avLst>
+          </a:prstGeom>
+          <a:solidFill>
+            <a:schemeClr val="accent4"/>
+          </a:solidFill>
+          <a:ln w="63500" cap="flat" cmpd="sng" algn="ctr">
+            <a:solidFill>
+              <a:schemeClr val="bg1"/>
+            </a:solidFill>
+            <a:prstDash val="solid"/>
+          </a:ln>
+          <a:effectLst>
+            <a:outerShdw blurRad="127000" dist="38100" dir="5400000" algn="ctr" rotWithShape="0">
+              <a:prstClr val="black">
+                <a:alpha val="40000"/>
+              </a:prstClr>
+            </a:outerShdw>
+          </a:effectLst>
+        </p:spPr>
+        <p:txBody>
+          <a:bodyPr lIns="62118" tIns="31058" rIns="62118" bIns="31058" anchor="ctr"/>
+          <a:lstStyle>
+            <a:defPPr>
+              <a:defRPr lang="zh-CN"/>
+            </a:defPPr>
+            <a:lvl1pPr marL="0" algn="l" defTabSz="914400" rtl="0" eaLnBrk="1" latinLnBrk="0" hangingPunct="1">
+              <a:defRPr sz="1800" kern="1200">
+                <a:solidFill>
+                  <a:schemeClr val="tx1"/>
+                </a:solidFill>
+                <a:latin typeface="+mn-lt"/>
+                <a:ea typeface="+mn-ea"/>
+                <a:cs typeface="+mn-cs"/>
+              </a:defRPr>
+            </a:lvl1pPr>
+            <a:lvl2pPr marL="457200" algn="l" defTabSz="914400" rtl="0" eaLnBrk="1" latinLnBrk="0" hangingPunct="1">
+              <a:defRPr sz="1800" kern="1200">
+                <a:solidFill>
+                  <a:schemeClr val="tx1"/>
+                </a:solidFill>
+                <a:latin typeface="+mn-lt"/>
+                <a:ea typeface="+mn-ea"/>
+                <a:cs typeface="+mn-cs"/>
+              </a:defRPr>
+            </a:lvl2pPr>
+            <a:lvl3pPr marL="914400" algn="l" defTabSz="914400" rtl="0" eaLnBrk="1" latinLnBrk="0" hangingPunct="1">
+              <a:defRPr sz="1800" kern="1200">
+                <a:solidFill>
+                  <a:schemeClr val="tx1"/>
+                </a:solidFill>
+                <a:latin typeface="+mn-lt"/>
+                <a:ea typeface="+mn-ea"/>
+                <a:cs typeface="+mn-cs"/>
+              </a:defRPr>
+            </a:lvl3pPr>
+            <a:lvl4pPr marL="1371600" algn="l" defTabSz="914400" rtl="0" eaLnBrk="1" latinLnBrk="0" hangingPunct="1">
+              <a:defRPr sz="1800" kern="1200">
+                <a:solidFill>
+                  <a:schemeClr val="tx1"/>
+                </a:solidFill>
+                <a:latin typeface="+mn-lt"/>
+                <a:ea typeface="+mn-ea"/>
+                <a:cs typeface="+mn-cs"/>
+              </a:defRPr>
+            </a:lvl4pPr>
+            <a:lvl5pPr marL="1828800" algn="l" defTabSz="914400" rtl="0" eaLnBrk="1" latinLnBrk="0" hangingPunct="1">
+              <a:defRPr sz="1800" kern="1200">
+                <a:solidFill>
+                  <a:schemeClr val="tx1"/>
+                </a:solidFill>
+                <a:latin typeface="+mn-lt"/>
+                <a:ea typeface="+mn-ea"/>
+                <a:cs typeface="+mn-cs"/>
+              </a:defRPr>
+            </a:lvl5pPr>
+            <a:lvl6pPr marL="2286000" algn="l" defTabSz="914400" rtl="0" eaLnBrk="1" latinLnBrk="0" hangingPunct="1">
+              <a:defRPr sz="1800" kern="1200">
+                <a:solidFill>
+                  <a:schemeClr val="tx1"/>
+                </a:solidFill>
+                <a:latin typeface="+mn-lt"/>
+                <a:ea typeface="+mn-ea"/>
+                <a:cs typeface="+mn-cs"/>
+              </a:defRPr>
+            </a:lvl6pPr>
+            <a:lvl7pPr marL="2743200" algn="l" defTabSz="914400" rtl="0" eaLnBrk="1" latinLnBrk="0" hangingPunct="1">
+              <a:defRPr sz="1800" kern="1200">
+                <a:solidFill>
+                  <a:schemeClr val="tx1"/>
+                </a:solidFill>
+                <a:latin typeface="+mn-lt"/>
+                <a:ea typeface="+mn-ea"/>
+                <a:cs typeface="+mn-cs"/>
+              </a:defRPr>
+            </a:lvl7pPr>
+            <a:lvl8pPr marL="3200400" algn="l" defTabSz="914400" rtl="0" eaLnBrk="1" latinLnBrk="0" hangingPunct="1">
+              <a:defRPr sz="1800" kern="1200">
+                <a:solidFill>
+                  <a:schemeClr val="tx1"/>
+                </a:solidFill>
+                <a:latin typeface="+mn-lt"/>
+                <a:ea typeface="+mn-ea"/>
+                <a:cs typeface="+mn-cs"/>
+              </a:defRPr>
+            </a:lvl8pPr>
+            <a:lvl9pPr marL="3657600" algn="l" defTabSz="914400" rtl="0" eaLnBrk="1" latinLnBrk="0" hangingPunct="1">
+              <a:defRPr sz="1800" kern="1200">
+                <a:solidFill>
+                  <a:schemeClr val="tx1"/>
+                </a:solidFill>
+                <a:latin typeface="+mn-lt"/>
+                <a:ea typeface="+mn-ea"/>
+                <a:cs typeface="+mn-cs"/>
+              </a:defRPr>
+            </a:lvl9pPr>
+          </a:lstStyle>
+          <a:p>
+            <a:pPr algn="ctr" fontAlgn="base">
+              <a:lnSpc>
+                <a:spcPct val="120000"/>
+              </a:lnSpc>
+              <a:spcBef>
+                <a:spcPct val="0"/>
+              </a:spcBef>
+              <a:spcAft>
+                <a:spcPct val="0"/>
+              </a:spcAft>
+              <a:defRPr/>
+            </a:pPr>
+            <a:r>
+              <a:rPr lang="zh-CN" altLang="en-US" sz="1400" dirty="0">
+                <a:solidFill>
+                  <a:schemeClr val="bg1"/>
+                </a:solidFill>
+                <a:latin typeface="微软雅黑" pitchFamily="34" charset="-122"/>
+                <a:ea typeface="微软雅黑" pitchFamily="34" charset="-122"/>
+              </a:rPr>
+              <a:t>系统参与排名</a:t>
+            </a:r>
+            <a:endParaRPr lang="zh-CN" altLang="zh-CN" sz="1400" dirty="0">
+              <a:solidFill>
+                <a:schemeClr val="bg1"/>
+              </a:solidFill>
+              <a:latin typeface="微软雅黑" pitchFamily="34" charset="-122"/>
+              <a:ea typeface="微软雅黑" pitchFamily="34" charset="-122"/>
+            </a:endParaRPr>
+          </a:p>
+        </p:txBody>
+      </p:sp>
+      <p:sp>
+        <p:nvSpPr>
+          <p:cNvPr id="22" name="文本1">
+            <a:extLst>
+              <a:ext uri="{FF2B5EF4-FFF2-40B4-BE49-F238E27FC236}">
+                <a16:creationId xmlns:a16="http://schemas.microsoft.com/office/drawing/2014/main" id="{87E276E5-1176-4706-9A51-8E0DFE16E293}"/>
+              </a:ext>
+            </a:extLst>
+          </p:cNvPr>
+          <p:cNvSpPr>
+            <a:spLocks noChangeArrowheads="1"/>
+          </p:cNvSpPr>
+          <p:nvPr/>
+        </p:nvSpPr>
+        <p:spPr bwMode="gray">
+          <a:xfrm>
+            <a:off x="3738307" y="1747110"/>
+            <a:ext cx="4578109" cy="896993"/>
+          </a:xfrm>
+          <a:prstGeom prst="roundRect">
+            <a:avLst>
+              <a:gd name="adj" fmla="val 11505"/>
+            </a:avLst>
+          </a:prstGeom>
+          <a:noFill/>
+          <a:ln w="15875" cap="flat" cmpd="sng" algn="ctr">
+            <a:solidFill>
+              <a:schemeClr val="tx1">
+                <a:lumMod val="50000"/>
+                <a:lumOff val="50000"/>
+              </a:schemeClr>
+            </a:solidFill>
+            <a:prstDash val="solid"/>
+          </a:ln>
+          <a:effectLst/>
+          <a:extLst/>
+        </p:spPr>
+        <p:txBody>
+          <a:bodyPr lIns="62118" tIns="31058" rIns="62118" bIns="31058" anchor="ctr"/>
+          <a:lstStyle>
+            <a:defPPr>
+              <a:defRPr lang="zh-CN"/>
+            </a:defPPr>
+            <a:lvl1pPr marL="0" algn="l" defTabSz="914400" rtl="0" eaLnBrk="1" latinLnBrk="0" hangingPunct="1">
+              <a:defRPr sz="1800" kern="1200">
+                <a:solidFill>
+                  <a:schemeClr val="tx1"/>
+                </a:solidFill>
+                <a:latin typeface="+mn-lt"/>
+                <a:ea typeface="+mn-ea"/>
+                <a:cs typeface="+mn-cs"/>
+              </a:defRPr>
+            </a:lvl1pPr>
+            <a:lvl2pPr marL="457200" algn="l" defTabSz="914400" rtl="0" eaLnBrk="1" latinLnBrk="0" hangingPunct="1">
+              <a:defRPr sz="1800" kern="1200">
+                <a:solidFill>
+                  <a:schemeClr val="tx1"/>
+                </a:solidFill>
+                <a:latin typeface="+mn-lt"/>
+                <a:ea typeface="+mn-ea"/>
+                <a:cs typeface="+mn-cs"/>
+              </a:defRPr>
+            </a:lvl2pPr>
+            <a:lvl3pPr marL="914400" algn="l" defTabSz="914400" rtl="0" eaLnBrk="1" latinLnBrk="0" hangingPunct="1">
+              <a:defRPr sz="1800" kern="1200">
+                <a:solidFill>
+                  <a:schemeClr val="tx1"/>
+                </a:solidFill>
+                <a:latin typeface="+mn-lt"/>
+                <a:ea typeface="+mn-ea"/>
+                <a:cs typeface="+mn-cs"/>
+              </a:defRPr>
+            </a:lvl3pPr>
+            <a:lvl4pPr marL="1371600" algn="l" defTabSz="914400" rtl="0" eaLnBrk="1" latinLnBrk="0" hangingPunct="1">
+              <a:defRPr sz="1800" kern="1200">
+                <a:solidFill>
+                  <a:schemeClr val="tx1"/>
+                </a:solidFill>
+                <a:latin typeface="+mn-lt"/>
+                <a:ea typeface="+mn-ea"/>
+                <a:cs typeface="+mn-cs"/>
+              </a:defRPr>
+            </a:lvl4pPr>
+            <a:lvl5pPr marL="1828800" algn="l" defTabSz="914400" rtl="0" eaLnBrk="1" latinLnBrk="0" hangingPunct="1">
+              <a:defRPr sz="1800" kern="1200">
+                <a:solidFill>
+                  <a:schemeClr val="tx1"/>
+                </a:solidFill>
+                <a:latin typeface="+mn-lt"/>
+                <a:ea typeface="+mn-ea"/>
+                <a:cs typeface="+mn-cs"/>
+              </a:defRPr>
+            </a:lvl5pPr>
+            <a:lvl6pPr marL="2286000" algn="l" defTabSz="914400" rtl="0" eaLnBrk="1" latinLnBrk="0" hangingPunct="1">
+              <a:defRPr sz="1800" kern="1200">
+                <a:solidFill>
+                  <a:schemeClr val="tx1"/>
+                </a:solidFill>
+                <a:latin typeface="+mn-lt"/>
+                <a:ea typeface="+mn-ea"/>
+                <a:cs typeface="+mn-cs"/>
+              </a:defRPr>
+            </a:lvl6pPr>
+            <a:lvl7pPr marL="2743200" algn="l" defTabSz="914400" rtl="0" eaLnBrk="1" latinLnBrk="0" hangingPunct="1">
+              <a:defRPr sz="1800" kern="1200">
+                <a:solidFill>
+                  <a:schemeClr val="tx1"/>
+                </a:solidFill>
+                <a:latin typeface="+mn-lt"/>
+                <a:ea typeface="+mn-ea"/>
+                <a:cs typeface="+mn-cs"/>
+              </a:defRPr>
+            </a:lvl7pPr>
+            <a:lvl8pPr marL="3200400" algn="l" defTabSz="914400" rtl="0" eaLnBrk="1" latinLnBrk="0" hangingPunct="1">
+              <a:defRPr sz="1800" kern="1200">
+                <a:solidFill>
+                  <a:schemeClr val="tx1"/>
+                </a:solidFill>
+                <a:latin typeface="+mn-lt"/>
+                <a:ea typeface="+mn-ea"/>
+                <a:cs typeface="+mn-cs"/>
+              </a:defRPr>
+            </a:lvl8pPr>
+            <a:lvl9pPr marL="3657600" algn="l" defTabSz="914400" rtl="0" eaLnBrk="1" latinLnBrk="0" hangingPunct="1">
+              <a:defRPr sz="1800" kern="1200">
+                <a:solidFill>
+                  <a:schemeClr val="tx1"/>
+                </a:solidFill>
+                <a:latin typeface="+mn-lt"/>
+                <a:ea typeface="+mn-ea"/>
+                <a:cs typeface="+mn-cs"/>
+              </a:defRPr>
+            </a:lvl9pPr>
+          </a:lstStyle>
+          <a:p>
+            <a:pPr fontAlgn="base">
+              <a:lnSpc>
+                <a:spcPct val="120000"/>
+              </a:lnSpc>
+              <a:spcBef>
+                <a:spcPct val="0"/>
+              </a:spcBef>
+              <a:spcAft>
+                <a:spcPct val="0"/>
+              </a:spcAft>
+              <a:defRPr/>
+            </a:pPr>
+            <a:r>
+              <a:rPr lang="zh-CN" altLang="en-US" sz="1200" dirty="0">
+                <a:solidFill>
+                  <a:schemeClr val="tx1">
+                    <a:lumMod val="75000"/>
+                    <a:lumOff val="25000"/>
+                  </a:schemeClr>
+                </a:solidFill>
+                <a:latin typeface="微软雅黑" pitchFamily="34" charset="-122"/>
+                <a:ea typeface="微软雅黑" pitchFamily="34" charset="-122"/>
+              </a:rPr>
+              <a:t>警员在“课件超市”中浏览课件后则</a:t>
+            </a:r>
+            <a:r>
+              <a:rPr lang="zh-CN" altLang="en-US" sz="1200" b="1" dirty="0">
+                <a:solidFill>
+                  <a:schemeClr val="tx1">
+                    <a:lumMod val="75000"/>
+                    <a:lumOff val="25000"/>
+                  </a:schemeClr>
+                </a:solidFill>
+                <a:latin typeface="微软雅黑" pitchFamily="34" charset="-122"/>
+                <a:ea typeface="微软雅黑" pitchFamily="34" charset="-122"/>
+              </a:rPr>
+              <a:t>以所在单位</a:t>
+            </a:r>
+            <a:r>
+              <a:rPr lang="zh-CN" altLang="en-US" sz="1200" dirty="0">
+                <a:solidFill>
+                  <a:schemeClr val="tx1">
+                    <a:lumMod val="75000"/>
+                    <a:lumOff val="25000"/>
+                  </a:schemeClr>
+                </a:solidFill>
+                <a:latin typeface="微软雅黑" pitchFamily="34" charset="-122"/>
+                <a:ea typeface="微软雅黑" pitchFamily="34" charset="-122"/>
+              </a:rPr>
+              <a:t>计入统计</a:t>
+            </a:r>
+            <a:endParaRPr lang="zh-CN" altLang="zh-CN" sz="1200" dirty="0">
+              <a:solidFill>
+                <a:schemeClr val="tx1">
+                  <a:lumMod val="75000"/>
+                  <a:lumOff val="25000"/>
+                </a:schemeClr>
+              </a:solidFill>
+              <a:latin typeface="微软雅黑" pitchFamily="34" charset="-122"/>
+              <a:ea typeface="微软雅黑" pitchFamily="34" charset="-122"/>
+            </a:endParaRPr>
+          </a:p>
+        </p:txBody>
+      </p:sp>
+      <p:sp>
+        <p:nvSpPr>
+          <p:cNvPr id="23" name="文本2">
+            <a:extLst>
+              <a:ext uri="{FF2B5EF4-FFF2-40B4-BE49-F238E27FC236}">
+                <a16:creationId xmlns:a16="http://schemas.microsoft.com/office/drawing/2014/main" id="{34B82B0E-9D51-4C1B-A46C-CBE5057549CD}"/>
+              </a:ext>
+            </a:extLst>
+          </p:cNvPr>
+          <p:cNvSpPr>
+            <a:spLocks noChangeArrowheads="1"/>
+          </p:cNvSpPr>
+          <p:nvPr/>
+        </p:nvSpPr>
+        <p:spPr bwMode="gray">
+          <a:xfrm>
+            <a:off x="3738307" y="2837143"/>
+            <a:ext cx="4578109" cy="894027"/>
+          </a:xfrm>
+          <a:prstGeom prst="roundRect">
+            <a:avLst>
+              <a:gd name="adj" fmla="val 11505"/>
+            </a:avLst>
+          </a:prstGeom>
+          <a:noFill/>
+          <a:ln w="15875" cap="flat" cmpd="sng" algn="ctr">
+            <a:solidFill>
+              <a:schemeClr val="tx1">
+                <a:lumMod val="50000"/>
+                <a:lumOff val="50000"/>
+              </a:schemeClr>
+            </a:solidFill>
+            <a:prstDash val="solid"/>
+          </a:ln>
+          <a:effectLst/>
+          <a:extLst/>
+        </p:spPr>
+        <p:txBody>
+          <a:bodyPr lIns="62118" tIns="31058" rIns="62118" bIns="31058" anchor="ctr"/>
+          <a:lstStyle>
+            <a:defPPr>
+              <a:defRPr lang="zh-CN"/>
+            </a:defPPr>
+            <a:lvl1pPr marL="0" algn="l" defTabSz="914400" rtl="0" eaLnBrk="1" latinLnBrk="0" hangingPunct="1">
+              <a:defRPr sz="1800" kern="1200">
+                <a:solidFill>
+                  <a:schemeClr val="tx1"/>
+                </a:solidFill>
+                <a:latin typeface="+mn-lt"/>
+                <a:ea typeface="+mn-ea"/>
+                <a:cs typeface="+mn-cs"/>
+              </a:defRPr>
+            </a:lvl1pPr>
+            <a:lvl2pPr marL="457200" algn="l" defTabSz="914400" rtl="0" eaLnBrk="1" latinLnBrk="0" hangingPunct="1">
+              <a:defRPr sz="1800" kern="1200">
+                <a:solidFill>
+                  <a:schemeClr val="tx1"/>
+                </a:solidFill>
+                <a:latin typeface="+mn-lt"/>
+                <a:ea typeface="+mn-ea"/>
+                <a:cs typeface="+mn-cs"/>
+              </a:defRPr>
+            </a:lvl2pPr>
+            <a:lvl3pPr marL="914400" algn="l" defTabSz="914400" rtl="0" eaLnBrk="1" latinLnBrk="0" hangingPunct="1">
+              <a:defRPr sz="1800" kern="1200">
+                <a:solidFill>
+                  <a:schemeClr val="tx1"/>
+                </a:solidFill>
+                <a:latin typeface="+mn-lt"/>
+                <a:ea typeface="+mn-ea"/>
+                <a:cs typeface="+mn-cs"/>
+              </a:defRPr>
+            </a:lvl3pPr>
+            <a:lvl4pPr marL="1371600" algn="l" defTabSz="914400" rtl="0" eaLnBrk="1" latinLnBrk="0" hangingPunct="1">
+              <a:defRPr sz="1800" kern="1200">
+                <a:solidFill>
+                  <a:schemeClr val="tx1"/>
+                </a:solidFill>
+                <a:latin typeface="+mn-lt"/>
+                <a:ea typeface="+mn-ea"/>
+                <a:cs typeface="+mn-cs"/>
+              </a:defRPr>
+            </a:lvl4pPr>
+            <a:lvl5pPr marL="1828800" algn="l" defTabSz="914400" rtl="0" eaLnBrk="1" latinLnBrk="0" hangingPunct="1">
+              <a:defRPr sz="1800" kern="1200">
+                <a:solidFill>
+                  <a:schemeClr val="tx1"/>
+                </a:solidFill>
+                <a:latin typeface="+mn-lt"/>
+                <a:ea typeface="+mn-ea"/>
+                <a:cs typeface="+mn-cs"/>
+              </a:defRPr>
+            </a:lvl5pPr>
+            <a:lvl6pPr marL="2286000" algn="l" defTabSz="914400" rtl="0" eaLnBrk="1" latinLnBrk="0" hangingPunct="1">
+              <a:defRPr sz="1800" kern="1200">
+                <a:solidFill>
+                  <a:schemeClr val="tx1"/>
+                </a:solidFill>
+                <a:latin typeface="+mn-lt"/>
+                <a:ea typeface="+mn-ea"/>
+                <a:cs typeface="+mn-cs"/>
+              </a:defRPr>
+            </a:lvl6pPr>
+            <a:lvl7pPr marL="2743200" algn="l" defTabSz="914400" rtl="0" eaLnBrk="1" latinLnBrk="0" hangingPunct="1">
+              <a:defRPr sz="1800" kern="1200">
+                <a:solidFill>
+                  <a:schemeClr val="tx1"/>
+                </a:solidFill>
+                <a:latin typeface="+mn-lt"/>
+                <a:ea typeface="+mn-ea"/>
+                <a:cs typeface="+mn-cs"/>
+              </a:defRPr>
+            </a:lvl7pPr>
+            <a:lvl8pPr marL="3200400" algn="l" defTabSz="914400" rtl="0" eaLnBrk="1" latinLnBrk="0" hangingPunct="1">
+              <a:defRPr sz="1800" kern="1200">
+                <a:solidFill>
+                  <a:schemeClr val="tx1"/>
+                </a:solidFill>
+                <a:latin typeface="+mn-lt"/>
+                <a:ea typeface="+mn-ea"/>
+                <a:cs typeface="+mn-cs"/>
+              </a:defRPr>
+            </a:lvl8pPr>
+            <a:lvl9pPr marL="3657600" algn="l" defTabSz="914400" rtl="0" eaLnBrk="1" latinLnBrk="0" hangingPunct="1">
+              <a:defRPr sz="1800" kern="1200">
+                <a:solidFill>
+                  <a:schemeClr val="tx1"/>
+                </a:solidFill>
+                <a:latin typeface="+mn-lt"/>
+                <a:ea typeface="+mn-ea"/>
+                <a:cs typeface="+mn-cs"/>
+              </a:defRPr>
+            </a:lvl9pPr>
+          </a:lstStyle>
+          <a:p>
+            <a:pPr marL="171450" indent="-171450" fontAlgn="base">
+              <a:lnSpc>
+                <a:spcPct val="120000"/>
+              </a:lnSpc>
+              <a:spcBef>
+                <a:spcPct val="0"/>
+              </a:spcBef>
+              <a:spcAft>
+                <a:spcPct val="0"/>
+              </a:spcAft>
+              <a:buFont typeface="Arial" panose="020B0604020202020204" pitchFamily="34" charset="0"/>
+              <a:buChar char="•"/>
+              <a:defRPr/>
+            </a:pPr>
+            <a:r>
+              <a:rPr lang="zh-CN" altLang="en-US" sz="1200" dirty="0">
+                <a:solidFill>
+                  <a:schemeClr val="tx1">
+                    <a:lumMod val="75000"/>
+                    <a:lumOff val="25000"/>
+                  </a:schemeClr>
+                </a:solidFill>
+                <a:latin typeface="微软雅黑" pitchFamily="34" charset="-122"/>
+                <a:ea typeface="微软雅黑" pitchFamily="34" charset="-122"/>
+              </a:rPr>
+              <a:t>警员参与了正式考试之后，</a:t>
+            </a:r>
+            <a:r>
+              <a:rPr lang="zh-CN" altLang="en-US" sz="1200" b="1" dirty="0">
+                <a:solidFill>
+                  <a:schemeClr val="tx1">
+                    <a:lumMod val="75000"/>
+                    <a:lumOff val="25000"/>
+                  </a:schemeClr>
+                </a:solidFill>
+                <a:latin typeface="微软雅黑" pitchFamily="34" charset="-122"/>
+                <a:ea typeface="微软雅黑" pitchFamily="34" charset="-122"/>
+              </a:rPr>
+              <a:t>以所在单位</a:t>
+            </a:r>
+            <a:r>
+              <a:rPr lang="zh-CN" altLang="en-US" sz="1200" dirty="0">
+                <a:solidFill>
+                  <a:schemeClr val="tx1">
+                    <a:lumMod val="75000"/>
+                    <a:lumOff val="25000"/>
+                  </a:schemeClr>
+                </a:solidFill>
+                <a:latin typeface="微软雅黑" pitchFamily="34" charset="-122"/>
+                <a:ea typeface="微软雅黑" pitchFamily="34" charset="-122"/>
+              </a:rPr>
+              <a:t>计入统计</a:t>
+            </a:r>
+            <a:endParaRPr lang="en-US" altLang="zh-CN" sz="1200" dirty="0">
+              <a:solidFill>
+                <a:schemeClr val="tx1">
+                  <a:lumMod val="75000"/>
+                  <a:lumOff val="25000"/>
+                </a:schemeClr>
+              </a:solidFill>
+              <a:latin typeface="微软雅黑" pitchFamily="34" charset="-122"/>
+              <a:ea typeface="微软雅黑" pitchFamily="34" charset="-122"/>
+            </a:endParaRPr>
+          </a:p>
+          <a:p>
+            <a:pPr marL="171450" indent="-171450" fontAlgn="base">
+              <a:lnSpc>
+                <a:spcPct val="120000"/>
+              </a:lnSpc>
+              <a:spcBef>
+                <a:spcPct val="0"/>
+              </a:spcBef>
+              <a:spcAft>
+                <a:spcPct val="0"/>
+              </a:spcAft>
+              <a:buFont typeface="Arial" panose="020B0604020202020204" pitchFamily="34" charset="0"/>
+              <a:buChar char="•"/>
+              <a:defRPr/>
+            </a:pPr>
+            <a:r>
+              <a:rPr lang="zh-CN" altLang="en-US" sz="1200" dirty="0">
+                <a:solidFill>
+                  <a:schemeClr val="tx1">
+                    <a:lumMod val="75000"/>
+                    <a:lumOff val="25000"/>
+                  </a:schemeClr>
+                </a:solidFill>
+                <a:latin typeface="微软雅黑" pitchFamily="34" charset="-122"/>
+                <a:ea typeface="微软雅黑" pitchFamily="34" charset="-122"/>
+              </a:rPr>
+              <a:t>警员参与了模拟考试之后，</a:t>
+            </a:r>
+            <a:r>
+              <a:rPr lang="zh-CN" altLang="en-US" sz="1200" b="1" dirty="0">
+                <a:solidFill>
+                  <a:schemeClr val="tx1">
+                    <a:lumMod val="75000"/>
+                    <a:lumOff val="25000"/>
+                  </a:schemeClr>
+                </a:solidFill>
+                <a:latin typeface="微软雅黑" pitchFamily="34" charset="-122"/>
+                <a:ea typeface="微软雅黑" pitchFamily="34" charset="-122"/>
+              </a:rPr>
+              <a:t>以所在单位</a:t>
+            </a:r>
+            <a:r>
+              <a:rPr lang="zh-CN" altLang="en-US" sz="1200" dirty="0">
+                <a:solidFill>
+                  <a:schemeClr val="tx1">
+                    <a:lumMod val="75000"/>
+                    <a:lumOff val="25000"/>
+                  </a:schemeClr>
+                </a:solidFill>
+                <a:latin typeface="微软雅黑" pitchFamily="34" charset="-122"/>
+                <a:ea typeface="微软雅黑" pitchFamily="34" charset="-122"/>
+              </a:rPr>
+              <a:t>计入统计</a:t>
+            </a:r>
+            <a:endParaRPr lang="zh-CN" altLang="zh-CN" sz="1200" dirty="0">
+              <a:solidFill>
+                <a:schemeClr val="tx1">
+                  <a:lumMod val="75000"/>
+                  <a:lumOff val="25000"/>
+                </a:schemeClr>
+              </a:solidFill>
+              <a:latin typeface="微软雅黑" pitchFamily="34" charset="-122"/>
+              <a:ea typeface="微软雅黑" pitchFamily="34" charset="-122"/>
+            </a:endParaRPr>
+          </a:p>
+        </p:txBody>
+      </p:sp>
+      <p:sp>
+        <p:nvSpPr>
+          <p:cNvPr id="24" name="文本3">
+            <a:extLst>
+              <a:ext uri="{FF2B5EF4-FFF2-40B4-BE49-F238E27FC236}">
+                <a16:creationId xmlns:a16="http://schemas.microsoft.com/office/drawing/2014/main" id="{DF2DA1F3-2822-48AA-AB6F-16847ECC403D}"/>
+              </a:ext>
+            </a:extLst>
+          </p:cNvPr>
+          <p:cNvSpPr>
+            <a:spLocks noChangeArrowheads="1"/>
+          </p:cNvSpPr>
+          <p:nvPr/>
+        </p:nvSpPr>
+        <p:spPr bwMode="ltGray">
+          <a:xfrm>
+            <a:off x="3738307" y="3917947"/>
+            <a:ext cx="4578109" cy="886051"/>
+          </a:xfrm>
+          <a:prstGeom prst="roundRect">
+            <a:avLst>
+              <a:gd name="adj" fmla="val 11505"/>
+            </a:avLst>
+          </a:prstGeom>
+          <a:noFill/>
+          <a:ln w="15875" cap="flat" cmpd="sng" algn="ctr">
+            <a:solidFill>
+              <a:schemeClr val="tx1">
+                <a:lumMod val="50000"/>
+                <a:lumOff val="50000"/>
+              </a:schemeClr>
+            </a:solidFill>
+            <a:prstDash val="solid"/>
+          </a:ln>
+          <a:effectLst/>
+          <a:extLst/>
+        </p:spPr>
+        <p:txBody>
+          <a:bodyPr lIns="62118" tIns="31058" rIns="62118" bIns="31058" anchor="ctr"/>
+          <a:lstStyle>
+            <a:defPPr>
+              <a:defRPr lang="zh-CN"/>
+            </a:defPPr>
+            <a:lvl1pPr marL="0" algn="l" defTabSz="914400" rtl="0" eaLnBrk="1" latinLnBrk="0" hangingPunct="1">
+              <a:defRPr sz="1800" kern="1200">
+                <a:solidFill>
+                  <a:schemeClr val="tx1"/>
+                </a:solidFill>
+                <a:latin typeface="+mn-lt"/>
+                <a:ea typeface="+mn-ea"/>
+                <a:cs typeface="+mn-cs"/>
+              </a:defRPr>
+            </a:lvl1pPr>
+            <a:lvl2pPr marL="457200" algn="l" defTabSz="914400" rtl="0" eaLnBrk="1" latinLnBrk="0" hangingPunct="1">
+              <a:defRPr sz="1800" kern="1200">
+                <a:solidFill>
+                  <a:schemeClr val="tx1"/>
+                </a:solidFill>
+                <a:latin typeface="+mn-lt"/>
+                <a:ea typeface="+mn-ea"/>
+                <a:cs typeface="+mn-cs"/>
+              </a:defRPr>
+            </a:lvl2pPr>
+            <a:lvl3pPr marL="914400" algn="l" defTabSz="914400" rtl="0" eaLnBrk="1" latinLnBrk="0" hangingPunct="1">
+              <a:defRPr sz="1800" kern="1200">
+                <a:solidFill>
+                  <a:schemeClr val="tx1"/>
+                </a:solidFill>
+                <a:latin typeface="+mn-lt"/>
+                <a:ea typeface="+mn-ea"/>
+                <a:cs typeface="+mn-cs"/>
+              </a:defRPr>
+            </a:lvl3pPr>
+            <a:lvl4pPr marL="1371600" algn="l" defTabSz="914400" rtl="0" eaLnBrk="1" latinLnBrk="0" hangingPunct="1">
+              <a:defRPr sz="1800" kern="1200">
+                <a:solidFill>
+                  <a:schemeClr val="tx1"/>
+                </a:solidFill>
+                <a:latin typeface="+mn-lt"/>
+                <a:ea typeface="+mn-ea"/>
+                <a:cs typeface="+mn-cs"/>
+              </a:defRPr>
+            </a:lvl4pPr>
+            <a:lvl5pPr marL="1828800" algn="l" defTabSz="914400" rtl="0" eaLnBrk="1" latinLnBrk="0" hangingPunct="1">
+              <a:defRPr sz="1800" kern="1200">
+                <a:solidFill>
+                  <a:schemeClr val="tx1"/>
+                </a:solidFill>
+                <a:latin typeface="+mn-lt"/>
+                <a:ea typeface="+mn-ea"/>
+                <a:cs typeface="+mn-cs"/>
+              </a:defRPr>
+            </a:lvl5pPr>
+            <a:lvl6pPr marL="2286000" algn="l" defTabSz="914400" rtl="0" eaLnBrk="1" latinLnBrk="0" hangingPunct="1">
+              <a:defRPr sz="1800" kern="1200">
+                <a:solidFill>
+                  <a:schemeClr val="tx1"/>
+                </a:solidFill>
+                <a:latin typeface="+mn-lt"/>
+                <a:ea typeface="+mn-ea"/>
+                <a:cs typeface="+mn-cs"/>
+              </a:defRPr>
+            </a:lvl6pPr>
+            <a:lvl7pPr marL="2743200" algn="l" defTabSz="914400" rtl="0" eaLnBrk="1" latinLnBrk="0" hangingPunct="1">
+              <a:defRPr sz="1800" kern="1200">
+                <a:solidFill>
+                  <a:schemeClr val="tx1"/>
+                </a:solidFill>
+                <a:latin typeface="+mn-lt"/>
+                <a:ea typeface="+mn-ea"/>
+                <a:cs typeface="+mn-cs"/>
+              </a:defRPr>
+            </a:lvl7pPr>
+            <a:lvl8pPr marL="3200400" algn="l" defTabSz="914400" rtl="0" eaLnBrk="1" latinLnBrk="0" hangingPunct="1">
+              <a:defRPr sz="1800" kern="1200">
+                <a:solidFill>
+                  <a:schemeClr val="tx1"/>
+                </a:solidFill>
+                <a:latin typeface="+mn-lt"/>
+                <a:ea typeface="+mn-ea"/>
+                <a:cs typeface="+mn-cs"/>
+              </a:defRPr>
+            </a:lvl8pPr>
+            <a:lvl9pPr marL="3657600" algn="l" defTabSz="914400" rtl="0" eaLnBrk="1" latinLnBrk="0" hangingPunct="1">
+              <a:defRPr sz="1800" kern="1200">
+                <a:solidFill>
+                  <a:schemeClr val="tx1"/>
+                </a:solidFill>
+                <a:latin typeface="+mn-lt"/>
+                <a:ea typeface="+mn-ea"/>
+                <a:cs typeface="+mn-cs"/>
+              </a:defRPr>
+            </a:lvl9pPr>
+          </a:lstStyle>
+          <a:p>
+            <a:pPr fontAlgn="base">
+              <a:lnSpc>
+                <a:spcPct val="120000"/>
+              </a:lnSpc>
+              <a:spcBef>
+                <a:spcPct val="0"/>
+              </a:spcBef>
+              <a:spcAft>
+                <a:spcPct val="0"/>
+              </a:spcAft>
+              <a:defRPr/>
+            </a:pPr>
+            <a:r>
+              <a:rPr lang="zh-CN" altLang="en-US" sz="1200" dirty="0">
+                <a:solidFill>
+                  <a:schemeClr val="tx1">
+                    <a:lumMod val="75000"/>
+                    <a:lumOff val="25000"/>
+                  </a:schemeClr>
+                </a:solidFill>
+                <a:latin typeface="微软雅黑" pitchFamily="34" charset="-122"/>
+                <a:ea typeface="微软雅黑" pitchFamily="34" charset="-122"/>
+              </a:rPr>
+              <a:t>警员登录系统后，使用了系统对应的功能后，则以</a:t>
+            </a:r>
+            <a:r>
+              <a:rPr lang="zh-CN" altLang="en-US" sz="1200" b="1" dirty="0">
+                <a:solidFill>
+                  <a:schemeClr val="tx1">
+                    <a:lumMod val="75000"/>
+                    <a:lumOff val="25000"/>
+                  </a:schemeClr>
+                </a:solidFill>
+                <a:latin typeface="微软雅黑" pitchFamily="34" charset="-122"/>
+                <a:ea typeface="微软雅黑" pitchFamily="34" charset="-122"/>
+              </a:rPr>
+              <a:t>所在单位</a:t>
+            </a:r>
+            <a:r>
+              <a:rPr lang="zh-CN" altLang="en-US" sz="1200" dirty="0">
+                <a:solidFill>
+                  <a:schemeClr val="tx1">
+                    <a:lumMod val="75000"/>
+                    <a:lumOff val="25000"/>
+                  </a:schemeClr>
+                </a:solidFill>
+                <a:latin typeface="微软雅黑" pitchFamily="34" charset="-122"/>
+                <a:ea typeface="微软雅黑" pitchFamily="34" charset="-122"/>
+              </a:rPr>
+              <a:t>计入统计</a:t>
+            </a:r>
+            <a:endParaRPr lang="zh-CN" altLang="zh-CN" sz="1200" dirty="0">
+              <a:solidFill>
+                <a:schemeClr val="tx1">
+                  <a:lumMod val="75000"/>
+                  <a:lumOff val="25000"/>
+                </a:schemeClr>
+              </a:solidFill>
+              <a:latin typeface="微软雅黑" pitchFamily="34" charset="-122"/>
+              <a:ea typeface="微软雅黑" pitchFamily="34" charset="-122"/>
+            </a:endParaRPr>
+          </a:p>
+        </p:txBody>
+      </p:sp>
+      <p:pic>
+        <p:nvPicPr>
+          <p:cNvPr id="5" name="图片 4">
+            <a:extLst>
+              <a:ext uri="{FF2B5EF4-FFF2-40B4-BE49-F238E27FC236}">
+                <a16:creationId xmlns:a16="http://schemas.microsoft.com/office/drawing/2014/main" id="{33E74851-562B-42BD-83DF-156889996382}"/>
+              </a:ext>
+            </a:extLst>
+          </p:cNvPr>
+          <p:cNvPicPr>
+            <a:picLocks noChangeAspect="1"/>
+          </p:cNvPicPr>
+          <p:nvPr/>
+        </p:nvPicPr>
+        <p:blipFill>
+          <a:blip r:embed="rId3"/>
+          <a:stretch>
+            <a:fillRect/>
+          </a:stretch>
+        </p:blipFill>
+        <p:spPr>
+          <a:xfrm>
+            <a:off x="338096" y="1851670"/>
+            <a:ext cx="2252233" cy="593088"/>
+          </a:xfrm>
+          <a:prstGeom prst="rect">
+            <a:avLst/>
+          </a:prstGeom>
+        </p:spPr>
+      </p:pic>
+      <p:pic>
+        <p:nvPicPr>
+          <p:cNvPr id="6" name="图片 5">
+            <a:extLst>
+              <a:ext uri="{FF2B5EF4-FFF2-40B4-BE49-F238E27FC236}">
+                <a16:creationId xmlns:a16="http://schemas.microsoft.com/office/drawing/2014/main" id="{F3016A67-A3A9-4938-8FFF-CC21FBCC6213}"/>
+              </a:ext>
+            </a:extLst>
+          </p:cNvPr>
+          <p:cNvPicPr>
+            <a:picLocks noChangeAspect="1"/>
+          </p:cNvPicPr>
+          <p:nvPr/>
+        </p:nvPicPr>
+        <p:blipFill>
+          <a:blip r:embed="rId4"/>
+          <a:stretch>
+            <a:fillRect/>
+          </a:stretch>
+        </p:blipFill>
+        <p:spPr>
+          <a:xfrm>
+            <a:off x="339296" y="2972954"/>
+            <a:ext cx="2215812" cy="654334"/>
+          </a:xfrm>
+          <a:prstGeom prst="rect">
+            <a:avLst/>
+          </a:prstGeom>
+        </p:spPr>
+      </p:pic>
+      <p:pic>
+        <p:nvPicPr>
+          <p:cNvPr id="7" name="图片 6">
+            <a:extLst>
+              <a:ext uri="{FF2B5EF4-FFF2-40B4-BE49-F238E27FC236}">
+                <a16:creationId xmlns:a16="http://schemas.microsoft.com/office/drawing/2014/main" id="{F4ED1C68-8FEB-4B95-AE41-04A975D7D794}"/>
+              </a:ext>
+            </a:extLst>
+          </p:cNvPr>
+          <p:cNvPicPr>
+            <a:picLocks noChangeAspect="1"/>
+          </p:cNvPicPr>
+          <p:nvPr/>
+        </p:nvPicPr>
+        <p:blipFill>
+          <a:blip r:embed="rId5"/>
+          <a:stretch>
+            <a:fillRect/>
+          </a:stretch>
+        </p:blipFill>
+        <p:spPr>
+          <a:xfrm>
+            <a:off x="339296" y="4011910"/>
+            <a:ext cx="2179025" cy="584973"/>
+          </a:xfrm>
+          <a:prstGeom prst="rect">
+            <a:avLst/>
+          </a:prstGeom>
+        </p:spPr>
+      </p:pic>
+    </p:spTree>
+    <p:extLst>
+      <p:ext uri="{BB962C8B-B14F-4D97-AF65-F5344CB8AC3E}">
+        <p14:creationId xmlns:p14="http://schemas.microsoft.com/office/powerpoint/2010/main" val="1454001535"/>
+      </p:ext>
+    </p:extLst>
+  </p:cSld>
+  <p:clrMapOvr>
+    <a:masterClrMapping/>
+  </p:clrMapOvr>
+  <mc:AlternateContent xmlns:mc="http://schemas.openxmlformats.org/markup-compatibility/2006" xmlns:p14="http://schemas.microsoft.com/office/powerpoint/2010/main">
+    <mc:Choice Requires="p14">
+      <p:transition spd="slow" p14:dur="1200">
+        <p14:flip dir="r"/>
+      </p:transition>
+    </mc:Choice>
+    <mc:Fallback xmlns="">
+      <p:transition spd="slow">
+        <p:fade/>
+      </p:transition>
+    </mc:Fallback>
+  </mc:AlternateContent>
+  <p:timing>
+    <p:tnLst>
+      <p:par>
+        <p:cTn id="1" dur="indefinite" restart="never" nodeType="tmRoot">
+          <p:childTnLst>
+            <p:seq concurrent="1" nextAc="seek">
+              <p:cTn id="2" dur="indefinite" nodeType="mainSeq">
+                <p:childTnLst>
+                  <p:par>
+                    <p:cTn id="3" fill="hold">
+                      <p:stCondLst>
+                        <p:cond delay="indefinite"/>
+                        <p:cond evt="onBegin" delay="0">
+                          <p:tn val="2"/>
+                        </p:cond>
+                      </p:stCondLst>
+                      <p:childTnLst>
+                        <p:par>
+                          <p:cTn id="4" fill="hold">
+                            <p:stCondLst>
+                              <p:cond delay="0"/>
+                            </p:stCondLst>
+                            <p:childTnLst>
+                              <p:par>
+                                <p:cTn id="5" presetID="22" presetClass="entr" presetSubtype="8" fill="hold" grpId="0" nodeType="afterEffect">
+                                  <p:stCondLst>
+                                    <p:cond delay="0"/>
+                                  </p:stCondLst>
+                                  <p:childTnLst>
+                                    <p:set>
+                                      <p:cBhvr>
+                                        <p:cTn id="6" dur="1" fill="hold">
+                                          <p:stCondLst>
+                                            <p:cond delay="0"/>
+                                          </p:stCondLst>
+                                        </p:cTn>
+                                        <p:tgtEl>
+                                          <p:spTgt spid="16"/>
+                                        </p:tgtEl>
+                                        <p:attrNameLst>
+                                          <p:attrName>style.visibility</p:attrName>
+                                        </p:attrNameLst>
+                                      </p:cBhvr>
+                                      <p:to>
+                                        <p:strVal val="visible"/>
+                                      </p:to>
+                                    </p:set>
+                                    <p:animEffect transition="in" filter="wipe(left)">
+                                      <p:cBhvr>
+                                        <p:cTn id="7" dur="500"/>
+                                        <p:tgtEl>
+                                          <p:spTgt spid="16"/>
+                                        </p:tgtEl>
+                                      </p:cBhvr>
+                                    </p:animEffect>
+                                  </p:childTnLst>
+                                </p:cTn>
+                              </p:par>
+                            </p:childTnLst>
+                          </p:cTn>
+                        </p:par>
+                        <p:par>
+                          <p:cTn id="8" fill="hold">
+                            <p:stCondLst>
+                              <p:cond delay="500"/>
+                            </p:stCondLst>
+                            <p:childTnLst>
+                              <p:par>
+                                <p:cTn id="9" presetID="22" presetClass="entr" presetSubtype="8" fill="hold" grpId="0" nodeType="afterEffect">
+                                  <p:stCondLst>
+                                    <p:cond delay="0"/>
+                                  </p:stCondLst>
+                                  <p:childTnLst>
+                                    <p:set>
+                                      <p:cBhvr>
+                                        <p:cTn id="10" dur="1" fill="hold">
+                                          <p:stCondLst>
+                                            <p:cond delay="0"/>
+                                          </p:stCondLst>
+                                        </p:cTn>
+                                        <p:tgtEl>
+                                          <p:spTgt spid="18"/>
+                                        </p:tgtEl>
+                                        <p:attrNameLst>
+                                          <p:attrName>style.visibility</p:attrName>
+                                        </p:attrNameLst>
+                                      </p:cBhvr>
+                                      <p:to>
+                                        <p:strVal val="visible"/>
+                                      </p:to>
+                                    </p:set>
+                                    <p:animEffect transition="in" filter="wipe(left)">
+                                      <p:cBhvr>
+                                        <p:cTn id="11" dur="500"/>
+                                        <p:tgtEl>
+                                          <p:spTgt spid="18"/>
+                                        </p:tgtEl>
+                                      </p:cBhvr>
+                                    </p:animEffect>
+                                  </p:childTnLst>
+                                </p:cTn>
+                              </p:par>
+                            </p:childTnLst>
+                          </p:cTn>
+                        </p:par>
+                        <p:par>
+                          <p:cTn id="12" fill="hold">
+                            <p:stCondLst>
+                              <p:cond delay="1000"/>
+                            </p:stCondLst>
+                            <p:childTnLst>
+                              <p:par>
+                                <p:cTn id="13" presetID="22" presetClass="entr" presetSubtype="8" fill="hold" grpId="0" nodeType="afterEffect">
+                                  <p:stCondLst>
+                                    <p:cond delay="0"/>
+                                  </p:stCondLst>
+                                  <p:childTnLst>
+                                    <p:set>
+                                      <p:cBhvr>
+                                        <p:cTn id="14" dur="1" fill="hold">
+                                          <p:stCondLst>
+                                            <p:cond delay="0"/>
+                                          </p:stCondLst>
+                                        </p:cTn>
+                                        <p:tgtEl>
+                                          <p:spTgt spid="20"/>
+                                        </p:tgtEl>
+                                        <p:attrNameLst>
+                                          <p:attrName>style.visibility</p:attrName>
+                                        </p:attrNameLst>
+                                      </p:cBhvr>
+                                      <p:to>
+                                        <p:strVal val="visible"/>
+                                      </p:to>
+                                    </p:set>
+                                    <p:animEffect transition="in" filter="wipe(left)">
+                                      <p:cBhvr>
+                                        <p:cTn id="15" dur="500"/>
+                                        <p:tgtEl>
+                                          <p:spTgt spid="20"/>
+                                        </p:tgtEl>
+                                      </p:cBhvr>
+                                    </p:animEffect>
+                                  </p:childTnLst>
+                                </p:cTn>
+                              </p:par>
+                            </p:childTnLst>
+                          </p:cTn>
+                        </p:par>
+                        <p:par>
+                          <p:cTn id="16" fill="hold">
+                            <p:stCondLst>
+                              <p:cond delay="1500"/>
+                            </p:stCondLst>
+                            <p:childTnLst>
+                              <p:par>
+                                <p:cTn id="17" presetID="22" presetClass="entr" presetSubtype="8" fill="hold" grpId="0" nodeType="afterEffect">
+                                  <p:stCondLst>
+                                    <p:cond delay="0"/>
+                                  </p:stCondLst>
+                                  <p:childTnLst>
+                                    <p:set>
+                                      <p:cBhvr>
+                                        <p:cTn id="18" dur="1" fill="hold">
+                                          <p:stCondLst>
+                                            <p:cond delay="0"/>
+                                          </p:stCondLst>
+                                        </p:cTn>
+                                        <p:tgtEl>
+                                          <p:spTgt spid="22"/>
+                                        </p:tgtEl>
+                                        <p:attrNameLst>
+                                          <p:attrName>style.visibility</p:attrName>
+                                        </p:attrNameLst>
+                                      </p:cBhvr>
+                                      <p:to>
+                                        <p:strVal val="visible"/>
+                                      </p:to>
+                                    </p:set>
+                                    <p:animEffect transition="in" filter="wipe(left)">
+                                      <p:cBhvr>
+                                        <p:cTn id="19" dur="500"/>
+                                        <p:tgtEl>
+                                          <p:spTgt spid="22"/>
+                                        </p:tgtEl>
+                                      </p:cBhvr>
+                                    </p:animEffect>
+                                  </p:childTnLst>
+                                </p:cTn>
+                              </p:par>
+                            </p:childTnLst>
+                          </p:cTn>
+                        </p:par>
+                        <p:par>
+                          <p:cTn id="20" fill="hold">
+                            <p:stCondLst>
+                              <p:cond delay="2000"/>
+                            </p:stCondLst>
+                            <p:childTnLst>
+                              <p:par>
+                                <p:cTn id="21" presetID="22" presetClass="entr" presetSubtype="8" fill="hold" grpId="0" nodeType="afterEffect">
+                                  <p:stCondLst>
+                                    <p:cond delay="0"/>
+                                  </p:stCondLst>
+                                  <p:childTnLst>
+                                    <p:set>
+                                      <p:cBhvr>
+                                        <p:cTn id="22" dur="1" fill="hold">
+                                          <p:stCondLst>
+                                            <p:cond delay="0"/>
+                                          </p:stCondLst>
+                                        </p:cTn>
+                                        <p:tgtEl>
+                                          <p:spTgt spid="23"/>
+                                        </p:tgtEl>
+                                        <p:attrNameLst>
+                                          <p:attrName>style.visibility</p:attrName>
+                                        </p:attrNameLst>
+                                      </p:cBhvr>
+                                      <p:to>
+                                        <p:strVal val="visible"/>
+                                      </p:to>
+                                    </p:set>
+                                    <p:animEffect transition="in" filter="wipe(left)">
+                                      <p:cBhvr>
+                                        <p:cTn id="23" dur="500"/>
+                                        <p:tgtEl>
+                                          <p:spTgt spid="23"/>
+                                        </p:tgtEl>
+                                      </p:cBhvr>
+                                    </p:animEffect>
+                                  </p:childTnLst>
+                                </p:cTn>
+                              </p:par>
+                            </p:childTnLst>
+                          </p:cTn>
+                        </p:par>
+                        <p:par>
+                          <p:cTn id="24" fill="hold">
+                            <p:stCondLst>
+                              <p:cond delay="2500"/>
+                            </p:stCondLst>
+                            <p:childTnLst>
+                              <p:par>
+                                <p:cTn id="25" presetID="22" presetClass="entr" presetSubtype="8" fill="hold" grpId="0" nodeType="afterEffect">
+                                  <p:stCondLst>
+                                    <p:cond delay="0"/>
+                                  </p:stCondLst>
+                                  <p:childTnLst>
+                                    <p:set>
+                                      <p:cBhvr>
+                                        <p:cTn id="26" dur="1" fill="hold">
+                                          <p:stCondLst>
+                                            <p:cond delay="0"/>
+                                          </p:stCondLst>
+                                        </p:cTn>
+                                        <p:tgtEl>
+                                          <p:spTgt spid="24"/>
+                                        </p:tgtEl>
+                                        <p:attrNameLst>
+                                          <p:attrName>style.visibility</p:attrName>
+                                        </p:attrNameLst>
+                                      </p:cBhvr>
+                                      <p:to>
+                                        <p:strVal val="visible"/>
+                                      </p:to>
+                                    </p:set>
+                                    <p:animEffect transition="in" filter="wipe(left)">
+                                      <p:cBhvr>
+                                        <p:cTn id="27" dur="500"/>
+                                        <p:tgtEl>
+                                          <p:spTgt spid="24"/>
+                                        </p:tgtEl>
+                                      </p:cBhvr>
+                                    </p:animEffect>
+                                  </p:childTnLst>
+                                </p:cTn>
+                              </p:par>
+                            </p:childTnLst>
+                          </p:cTn>
+                        </p:par>
+                      </p:childTnLst>
+                    </p:cTn>
+                  </p:par>
+                </p:childTnLst>
+              </p:cTn>
+              <p:prevCondLst>
+                <p:cond evt="onPrev" delay="0">
+                  <p:tgtEl>
+                    <p:sldTgt/>
+                  </p:tgtEl>
+                </p:cond>
+              </p:prevCondLst>
+              <p:nextCondLst>
+                <p:cond evt="onNext" delay="0">
+                  <p:tgtEl>
+                    <p:sldTgt/>
+                  </p:tgtEl>
+                </p:cond>
+              </p:nextCondLst>
+            </p:seq>
+          </p:childTnLst>
+        </p:cTn>
+      </p:par>
+    </p:tnLst>
+    <p:bldLst>
+      <p:bldP spid="16" grpId="0" animBg="1"/>
+      <p:bldP spid="18" grpId="0" animBg="1"/>
+      <p:bldP spid="20" grpId="0" animBg="1"/>
+      <p:bldP spid="22" grpId="0" animBg="1"/>
+      <p:bldP spid="23" grpId="0" animBg="1"/>
+      <p:bldP spid="24" grpId="0" animBg="1"/>
+    </p:bldLst>
+  </p:timing>
+</p:sld>
+</file>
+
+<file path=ppt/slides/slide21.xml><?xml version="1.0" encoding="utf-8"?>
+<p:sld xmlns:a="http://schemas.openxmlformats.org/drawingml/2006/main" xmlns:r="http://schemas.openxmlformats.org/officeDocument/2006/relationships" xmlns:p="http://schemas.openxmlformats.org/presentationml/2006/main">
+  <p:cSld>
+    <p:spTree>
+      <p:nvGrpSpPr>
+        <p:cNvPr id="1" name=""/>
+        <p:cNvGrpSpPr/>
+        <p:nvPr/>
+      </p:nvGrpSpPr>
+      <p:grpSpPr>
+        <a:xfrm>
+          <a:off x="0" y="0"/>
+          <a:ext cx="0" cy="0"/>
+          <a:chOff x="0" y="0"/>
+          <a:chExt cx="0" cy="0"/>
+        </a:xfrm>
+      </p:grpSpPr>
+      <p:sp>
+        <p:nvSpPr>
+          <p:cNvPr id="2" name="矩形 1"/>
+          <p:cNvSpPr/>
+          <p:nvPr/>
+        </p:nvSpPr>
+        <p:spPr>
+          <a:xfrm>
+            <a:off x="0" y="438404"/>
+            <a:ext cx="9144000" cy="969534"/>
+          </a:xfrm>
+          <a:prstGeom prst="rect">
+            <a:avLst/>
+          </a:prstGeom>
+          <a:solidFill>
+            <a:schemeClr val="accent1"/>
+          </a:solidFill>
+          <a:ln>
+            <a:noFill/>
+          </a:ln>
+        </p:spPr>
+        <p:style>
+          <a:lnRef idx="2">
+            <a:schemeClr val="accent1">
+              <a:shade val="50000"/>
+            </a:schemeClr>
+          </a:lnRef>
+          <a:fillRef idx="1">
+            <a:schemeClr val="accent1"/>
+          </a:fillRef>
+          <a:effectRef idx="0">
+            <a:schemeClr val="accent1"/>
+          </a:effectRef>
+          <a:fontRef idx="minor">
+            <a:schemeClr val="lt1"/>
+          </a:fontRef>
+        </p:style>
+        <p:txBody>
+          <a:bodyPr rtlCol="0" anchor="ctr"/>
+          <a:lstStyle/>
+          <a:p>
+            <a:pPr algn="ctr"/>
+            <a:endParaRPr lang="zh-CN" altLang="en-US"/>
+          </a:p>
+        </p:txBody>
+      </p:sp>
+      <p:sp>
+        <p:nvSpPr>
+          <p:cNvPr id="40" name="文本框 17"/>
+          <p:cNvSpPr txBox="1"/>
+          <p:nvPr/>
+        </p:nvSpPr>
+        <p:spPr>
+          <a:xfrm>
+            <a:off x="3337583" y="661561"/>
+            <a:ext cx="4258753" cy="584775"/>
+          </a:xfrm>
+          <a:prstGeom prst="rect">
+            <a:avLst/>
+          </a:prstGeom>
+          <a:noFill/>
+        </p:spPr>
+        <p:txBody>
+          <a:bodyPr wrap="square" rtlCol="0">
+            <a:spAutoFit/>
+          </a:bodyPr>
+          <a:lstStyle/>
+          <a:p>
+            <a:r>
+              <a:rPr lang="zh-CN" altLang="en-US" sz="3200" b="1" dirty="0">
+                <a:solidFill>
+                  <a:schemeClr val="bg1"/>
+                </a:solidFill>
+                <a:latin typeface="微软雅黑" panose="020B0503020204020204" pitchFamily="34" charset="-122"/>
+                <a:ea typeface="微软雅黑" panose="020B0503020204020204" pitchFamily="34" charset="-122"/>
+              </a:rPr>
+              <a:t>其他功能</a:t>
+            </a:r>
+            <a:r>
+              <a:rPr lang="en-US" altLang="zh-CN" sz="3200" b="1" dirty="0">
+                <a:solidFill>
+                  <a:schemeClr val="bg1"/>
+                </a:solidFill>
+                <a:latin typeface="微软雅黑" panose="020B0503020204020204" pitchFamily="34" charset="-122"/>
+                <a:ea typeface="微软雅黑" panose="020B0503020204020204" pitchFamily="34" charset="-122"/>
+              </a:rPr>
+              <a:t>—</a:t>
+            </a:r>
+            <a:r>
+              <a:rPr lang="zh-CN" altLang="en-US" sz="3200" b="1" dirty="0">
+                <a:solidFill>
+                  <a:schemeClr val="bg1"/>
+                </a:solidFill>
+                <a:latin typeface="微软雅黑" panose="020B0503020204020204" pitchFamily="34" charset="-122"/>
+                <a:ea typeface="微软雅黑" panose="020B0503020204020204" pitchFamily="34" charset="-122"/>
+              </a:rPr>
+              <a:t>错题集</a:t>
+            </a:r>
+            <a:endParaRPr lang="en-US" altLang="zh-CN" sz="3200" b="1" dirty="0">
+              <a:solidFill>
+                <a:schemeClr val="bg1"/>
+              </a:solidFill>
+              <a:latin typeface="微软雅黑" panose="020B0503020204020204" pitchFamily="34" charset="-122"/>
+              <a:ea typeface="微软雅黑" panose="020B0503020204020204" pitchFamily="34" charset="-122"/>
+            </a:endParaRPr>
+          </a:p>
+        </p:txBody>
+      </p:sp>
+      <p:grpSp>
+        <p:nvGrpSpPr>
+          <p:cNvPr id="83" name="组合 82"/>
+          <p:cNvGrpSpPr/>
+          <p:nvPr/>
+        </p:nvGrpSpPr>
+        <p:grpSpPr>
+          <a:xfrm>
+            <a:off x="1366956" y="135943"/>
+            <a:ext cx="1586056" cy="1586449"/>
+            <a:chOff x="1041891" y="2887277"/>
+            <a:chExt cx="1036261" cy="1036518"/>
+          </a:xfrm>
+        </p:grpSpPr>
+        <p:sp>
+          <p:nvSpPr>
+            <p:cNvPr id="84" name="Oval 53"/>
+            <p:cNvSpPr>
+              <a:spLocks noChangeArrowheads="1"/>
+            </p:cNvSpPr>
+            <p:nvPr/>
+          </p:nvSpPr>
+          <p:spPr bwMode="auto">
+            <a:xfrm>
+              <a:off x="1041891" y="2887277"/>
+              <a:ext cx="1036261" cy="1036518"/>
+            </a:xfrm>
+            <a:prstGeom prst="ellipse">
+              <a:avLst/>
+            </a:prstGeom>
+            <a:solidFill>
+              <a:schemeClr val="accent1"/>
+            </a:solidFill>
+            <a:ln w="88900">
+              <a:gradFill flip="none" rotWithShape="1">
+                <a:gsLst>
+                  <a:gs pos="0">
+                    <a:srgbClr val="FFFFFF"/>
+                  </a:gs>
+                  <a:gs pos="100000">
+                    <a:srgbClr val="D9D9DA"/>
+                  </a:gs>
+                </a:gsLst>
+                <a:lin ang="2700000" scaled="0"/>
+                <a:tileRect/>
+              </a:gradFill>
+            </a:ln>
+            <a:effectLst>
+              <a:outerShdw blurRad="279400" dist="76200" dir="2700000" sx="101000" sy="101000" algn="tl" rotWithShape="0">
+                <a:prstClr val="black">
+                  <a:alpha val="28000"/>
+                </a:prstClr>
+              </a:outerShdw>
+            </a:effectLst>
+          </p:spPr>
+          <p:style>
+            <a:lnRef idx="2">
+              <a:schemeClr val="accent1">
+                <a:shade val="50000"/>
+              </a:schemeClr>
+            </a:lnRef>
+            <a:fillRef idx="1">
+              <a:schemeClr val="accent1"/>
+            </a:fillRef>
+            <a:effectRef idx="0">
+              <a:schemeClr val="accent1"/>
+            </a:effectRef>
+            <a:fontRef idx="minor">
+              <a:schemeClr val="lt1"/>
+            </a:fontRef>
+          </p:style>
+          <p:txBody>
+            <a:bodyPr lIns="68580" tIns="34290" rIns="68580" bIns="34290" anchor="ctr"/>
+            <a:lstStyle/>
+            <a:p>
+              <a:pPr algn="ctr" fontAlgn="auto">
+                <a:spcBef>
+                  <a:spcPts val="0"/>
+                </a:spcBef>
+                <a:spcAft>
+                  <a:spcPts val="0"/>
+                </a:spcAft>
+                <a:defRPr/>
+              </a:pPr>
+              <a:endParaRPr lang="zh-CN" altLang="en-US" sz="4400">
+                <a:latin typeface="微软雅黑" panose="020B0503020204020204" pitchFamily="34" charset="-122"/>
+                <a:ea typeface="微软雅黑" panose="020B0503020204020204" pitchFamily="34" charset="-122"/>
+              </a:endParaRPr>
+            </a:p>
+          </p:txBody>
+        </p:sp>
+        <p:sp>
+          <p:nvSpPr>
+            <p:cNvPr id="85" name="Text Box 58"/>
+            <p:cNvSpPr txBox="1">
+              <a:spLocks noChangeArrowheads="1"/>
+            </p:cNvSpPr>
+            <p:nvPr/>
+          </p:nvSpPr>
+          <p:spPr bwMode="auto">
+            <a:xfrm>
+              <a:off x="1159958" y="3077737"/>
+              <a:ext cx="782803" cy="708835"/>
+            </a:xfrm>
+            <a:prstGeom prst="rect">
+              <a:avLst/>
+            </a:prstGeom>
+            <a:noFill/>
+            <a:ln>
+              <a:noFill/>
+            </a:ln>
+            <a:effectLst/>
+            <a:extLst>
+              <a:ext uri="{909E8E84-426E-40DD-AFC4-6F175D3DCCD1}">
+                <a14:hiddenFill xmlns:a14="http://schemas.microsoft.com/office/drawing/2010/main">
+                  <a:solidFill>
+                    <a:schemeClr val="accent1"/>
+                  </a:solidFill>
+                </a14:hiddenFill>
+              </a:ext>
+              <a:ext uri="{91240B29-F687-4F45-9708-019B960494DF}">
+                <a14:hiddenLine xmlns:a14="http://schemas.microsoft.com/office/drawing/2010/main" w="9525">
+                  <a:solidFill>
+                    <a:schemeClr val="tx1"/>
+                  </a:solidFill>
+                  <a:miter lim="800000"/>
+                  <a:headEnd/>
+                  <a:tailEnd/>
+                </a14:hiddenLine>
+              </a:ext>
+              <a:ext uri="{AF507438-7753-43E0-B8FC-AC1667EBCBE1}">
+                <a14:hiddenEffects xmlns:a14="http://schemas.microsoft.com/office/drawing/2010/main">
+                  <a:effectLst>
+                    <a:outerShdw dist="35921" dir="2700000" algn="ctr" rotWithShape="0">
+                      <a:schemeClr val="bg2"/>
+                    </a:outerShdw>
+                  </a:effectLst>
+                </a14:hiddenEffects>
+              </a:ext>
+            </a:extLst>
+          </p:spPr>
+          <p:txBody>
+            <a:bodyPr wrap="square" lIns="68580" tIns="34290" rIns="68580" bIns="34290">
+              <a:spAutoFit/>
+            </a:bodyPr>
+            <a:lstStyle/>
+            <a:p>
+              <a:pPr algn="ctr"/>
+              <a:r>
+                <a:rPr lang="en-US" altLang="zh-CN" sz="6600" dirty="0">
+                  <a:solidFill>
+                    <a:schemeClr val="bg1"/>
+                  </a:solidFill>
+                  <a:latin typeface="Impact" panose="020B0806030902050204" pitchFamily="34" charset="0"/>
+                  <a:ea typeface="微软雅黑" panose="020B0503020204020204" pitchFamily="34" charset="-122"/>
+                </a:rPr>
+                <a:t>06</a:t>
+              </a:r>
+            </a:p>
+          </p:txBody>
+        </p:sp>
+      </p:grpSp>
+      <p:sp>
+        <p:nvSpPr>
+          <p:cNvPr id="12" name="文本框 19">
+            <a:extLst>
+              <a:ext uri="{FF2B5EF4-FFF2-40B4-BE49-F238E27FC236}">
+                <a16:creationId xmlns:a16="http://schemas.microsoft.com/office/drawing/2014/main" id="{7D2BC90A-5A09-4B25-B6F5-3FF57DF8FD01}"/>
+              </a:ext>
+            </a:extLst>
+          </p:cNvPr>
+          <p:cNvSpPr txBox="1"/>
+          <p:nvPr/>
+        </p:nvSpPr>
+        <p:spPr bwMode="auto">
+          <a:xfrm>
+            <a:off x="2987824" y="1513430"/>
+            <a:ext cx="5256584" cy="438582"/>
+          </a:xfrm>
+          <a:prstGeom prst="rect">
+            <a:avLst/>
+          </a:prstGeom>
+          <a:noFill/>
+        </p:spPr>
+        <p:txBody>
+          <a:bodyPr wrap="square" lIns="68580" tIns="34290" rIns="68580" bIns="34290">
+            <a:spAutoFit/>
+          </a:bodyPr>
+          <a:lstStyle/>
+          <a:p>
+            <a:pPr lvl="0"/>
+            <a:r>
+              <a:rPr lang="zh-CN" altLang="en-US" sz="1200" dirty="0">
+                <a:solidFill>
+                  <a:schemeClr val="tx1">
+                    <a:lumMod val="75000"/>
+                    <a:lumOff val="25000"/>
+                  </a:schemeClr>
+                </a:solidFill>
+                <a:latin typeface="微软雅黑" pitchFamily="34" charset="-122"/>
+                <a:ea typeface="微软雅黑" pitchFamily="34" charset="-122"/>
+              </a:rPr>
+              <a:t>错题集统计的是所有警员参加了正式考试之后，统计的所有答错的题目，统计了错误率最高的题目，可以帮助您进行更加有针对性的自学</a:t>
+            </a:r>
+            <a:endParaRPr lang="en-US" altLang="zh-CN" sz="1200" dirty="0">
+              <a:solidFill>
+                <a:schemeClr val="tx1">
+                  <a:lumMod val="75000"/>
+                  <a:lumOff val="25000"/>
+                </a:schemeClr>
+              </a:solidFill>
+              <a:latin typeface="微软雅黑" pitchFamily="34" charset="-122"/>
+              <a:ea typeface="微软雅黑" pitchFamily="34" charset="-122"/>
+            </a:endParaRPr>
+          </a:p>
+        </p:txBody>
+      </p:sp>
+      <p:pic>
+        <p:nvPicPr>
+          <p:cNvPr id="4" name="图片 3">
+            <a:extLst>
+              <a:ext uri="{FF2B5EF4-FFF2-40B4-BE49-F238E27FC236}">
+                <a16:creationId xmlns:a16="http://schemas.microsoft.com/office/drawing/2014/main" id="{99696181-138B-4F40-9A74-1983E0A38B3F}"/>
+              </a:ext>
+            </a:extLst>
+          </p:cNvPr>
+          <p:cNvPicPr>
+            <a:picLocks noChangeAspect="1"/>
+          </p:cNvPicPr>
+          <p:nvPr/>
+        </p:nvPicPr>
+        <p:blipFill>
+          <a:blip r:embed="rId3"/>
+          <a:stretch>
+            <a:fillRect/>
+          </a:stretch>
+        </p:blipFill>
+        <p:spPr>
+          <a:xfrm>
+            <a:off x="2123728" y="2057458"/>
+            <a:ext cx="4536504" cy="2268252"/>
+          </a:xfrm>
+          <a:prstGeom prst="rect">
+            <a:avLst/>
+          </a:prstGeom>
+        </p:spPr>
+      </p:pic>
+    </p:spTree>
+    <p:extLst>
+      <p:ext uri="{BB962C8B-B14F-4D97-AF65-F5344CB8AC3E}">
+        <p14:creationId xmlns:p14="http://schemas.microsoft.com/office/powerpoint/2010/main" val="4019428832"/>
+      </p:ext>
+    </p:extLst>
+  </p:cSld>
+  <p:clrMapOvr>
+    <a:masterClrMapping/>
+  </p:clrMapOvr>
+  <mc:AlternateContent xmlns:mc="http://schemas.openxmlformats.org/markup-compatibility/2006" xmlns:p14="http://schemas.microsoft.com/office/powerpoint/2010/main">
+    <mc:Choice Requires="p14">
+      <p:transition spd="slow" p14:dur="1200">
+        <p14:flip dir="r"/>
+      </p:transition>
+    </mc:Choice>
+    <mc:Fallback xmlns="">
+      <p:transition spd="slow">
+        <p:fade/>
+      </p:transition>
+    </mc:Fallback>
+  </mc:AlternateContent>
+</p:sld>
+</file>
+
+<file path=ppt/slides/slide22.xml><?xml version="1.0" encoding="utf-8"?>
+<p:sld xmlns:a="http://schemas.openxmlformats.org/drawingml/2006/main" xmlns:r="http://schemas.openxmlformats.org/officeDocument/2006/relationships" xmlns:p="http://schemas.openxmlformats.org/presentationml/2006/main">
+  <p:cSld>
+    <p:spTree>
+      <p:nvGrpSpPr>
+        <p:cNvPr id="1" name=""/>
+        <p:cNvGrpSpPr/>
+        <p:nvPr/>
+      </p:nvGrpSpPr>
+      <p:grpSpPr>
+        <a:xfrm>
+          <a:off x="0" y="0"/>
+          <a:ext cx="0" cy="0"/>
+          <a:chOff x="0" y="0"/>
+          <a:chExt cx="0" cy="0"/>
+        </a:xfrm>
+      </p:grpSpPr>
+      <p:sp>
+        <p:nvSpPr>
+          <p:cNvPr id="2" name="矩形 1"/>
+          <p:cNvSpPr/>
+          <p:nvPr/>
+        </p:nvSpPr>
+        <p:spPr>
+          <a:xfrm>
+            <a:off x="0" y="438404"/>
+            <a:ext cx="9144000" cy="969534"/>
+          </a:xfrm>
+          <a:prstGeom prst="rect">
+            <a:avLst/>
+          </a:prstGeom>
+          <a:solidFill>
+            <a:schemeClr val="accent1"/>
+          </a:solidFill>
+          <a:ln>
+            <a:noFill/>
+          </a:ln>
+        </p:spPr>
+        <p:style>
+          <a:lnRef idx="2">
+            <a:schemeClr val="accent1">
+              <a:shade val="50000"/>
+            </a:schemeClr>
+          </a:lnRef>
+          <a:fillRef idx="1">
+            <a:schemeClr val="accent1"/>
+          </a:fillRef>
+          <a:effectRef idx="0">
+            <a:schemeClr val="accent1"/>
+          </a:effectRef>
+          <a:fontRef idx="minor">
+            <a:schemeClr val="lt1"/>
+          </a:fontRef>
+        </p:style>
+        <p:txBody>
+          <a:bodyPr rtlCol="0" anchor="ctr"/>
+          <a:lstStyle/>
+          <a:p>
+            <a:pPr algn="ctr"/>
+            <a:endParaRPr lang="zh-CN" altLang="en-US"/>
+          </a:p>
+        </p:txBody>
+      </p:sp>
+      <p:sp>
+        <p:nvSpPr>
+          <p:cNvPr id="40" name="文本框 17"/>
+          <p:cNvSpPr txBox="1"/>
+          <p:nvPr/>
+        </p:nvSpPr>
+        <p:spPr>
+          <a:xfrm>
+            <a:off x="3337583" y="661561"/>
+            <a:ext cx="4258753" cy="584775"/>
+          </a:xfrm>
+          <a:prstGeom prst="rect">
+            <a:avLst/>
+          </a:prstGeom>
+          <a:noFill/>
+        </p:spPr>
+        <p:txBody>
+          <a:bodyPr wrap="square" rtlCol="0">
+            <a:spAutoFit/>
+          </a:bodyPr>
+          <a:lstStyle/>
+          <a:p>
+            <a:r>
+              <a:rPr lang="zh-CN" altLang="en-US" sz="3200" b="1" dirty="0">
+                <a:solidFill>
+                  <a:schemeClr val="bg1"/>
+                </a:solidFill>
+                <a:latin typeface="微软雅黑" panose="020B0503020204020204" pitchFamily="34" charset="-122"/>
+                <a:ea typeface="微软雅黑" panose="020B0503020204020204" pitchFamily="34" charset="-122"/>
+              </a:rPr>
+              <a:t>其他功能</a:t>
+            </a:r>
+            <a:r>
+              <a:rPr lang="en-US" altLang="zh-CN" sz="3200" b="1" dirty="0">
+                <a:solidFill>
+                  <a:schemeClr val="bg1"/>
+                </a:solidFill>
+                <a:latin typeface="微软雅黑" panose="020B0503020204020204" pitchFamily="34" charset="-122"/>
+                <a:ea typeface="微软雅黑" panose="020B0503020204020204" pitchFamily="34" charset="-122"/>
+              </a:rPr>
+              <a:t>—</a:t>
+            </a:r>
+            <a:r>
+              <a:rPr lang="zh-CN" altLang="en-US" sz="3200" b="1" dirty="0">
+                <a:solidFill>
+                  <a:schemeClr val="bg1"/>
+                </a:solidFill>
+                <a:latin typeface="微软雅黑" panose="020B0503020204020204" pitchFamily="34" charset="-122"/>
+                <a:ea typeface="微软雅黑" panose="020B0503020204020204" pitchFamily="34" charset="-122"/>
+              </a:rPr>
+              <a:t>错题集</a:t>
+            </a:r>
+            <a:endParaRPr lang="en-US" altLang="zh-CN" sz="3200" b="1" dirty="0">
+              <a:solidFill>
+                <a:schemeClr val="bg1"/>
+              </a:solidFill>
+              <a:latin typeface="微软雅黑" panose="020B0503020204020204" pitchFamily="34" charset="-122"/>
+              <a:ea typeface="微软雅黑" panose="020B0503020204020204" pitchFamily="34" charset="-122"/>
+            </a:endParaRPr>
+          </a:p>
+        </p:txBody>
+      </p:sp>
+      <p:grpSp>
+        <p:nvGrpSpPr>
+          <p:cNvPr id="83" name="组合 82"/>
+          <p:cNvGrpSpPr/>
+          <p:nvPr/>
+        </p:nvGrpSpPr>
+        <p:grpSpPr>
+          <a:xfrm>
+            <a:off x="1366956" y="135943"/>
+            <a:ext cx="1586056" cy="1586449"/>
+            <a:chOff x="1041891" y="2887277"/>
+            <a:chExt cx="1036261" cy="1036518"/>
+          </a:xfrm>
+        </p:grpSpPr>
+        <p:sp>
+          <p:nvSpPr>
+            <p:cNvPr id="84" name="Oval 53"/>
+            <p:cNvSpPr>
+              <a:spLocks noChangeArrowheads="1"/>
+            </p:cNvSpPr>
+            <p:nvPr/>
+          </p:nvSpPr>
+          <p:spPr bwMode="auto">
+            <a:xfrm>
+              <a:off x="1041891" y="2887277"/>
+              <a:ext cx="1036261" cy="1036518"/>
+            </a:xfrm>
+            <a:prstGeom prst="ellipse">
+              <a:avLst/>
+            </a:prstGeom>
+            <a:solidFill>
+              <a:schemeClr val="accent1"/>
+            </a:solidFill>
+            <a:ln w="88900">
+              <a:gradFill flip="none" rotWithShape="1">
+                <a:gsLst>
+                  <a:gs pos="0">
+                    <a:srgbClr val="FFFFFF"/>
+                  </a:gs>
+                  <a:gs pos="100000">
+                    <a:srgbClr val="D9D9DA"/>
+                  </a:gs>
+                </a:gsLst>
+                <a:lin ang="2700000" scaled="0"/>
+                <a:tileRect/>
+              </a:gradFill>
+            </a:ln>
+            <a:effectLst>
+              <a:outerShdw blurRad="279400" dist="76200" dir="2700000" sx="101000" sy="101000" algn="tl" rotWithShape="0">
+                <a:prstClr val="black">
+                  <a:alpha val="28000"/>
+                </a:prstClr>
+              </a:outerShdw>
+            </a:effectLst>
+          </p:spPr>
+          <p:style>
+            <a:lnRef idx="2">
+              <a:schemeClr val="accent1">
+                <a:shade val="50000"/>
+              </a:schemeClr>
+            </a:lnRef>
+            <a:fillRef idx="1">
+              <a:schemeClr val="accent1"/>
+            </a:fillRef>
+            <a:effectRef idx="0">
+              <a:schemeClr val="accent1"/>
+            </a:effectRef>
+            <a:fontRef idx="minor">
+              <a:schemeClr val="lt1"/>
+            </a:fontRef>
+          </p:style>
+          <p:txBody>
+            <a:bodyPr lIns="68580" tIns="34290" rIns="68580" bIns="34290" anchor="ctr"/>
+            <a:lstStyle/>
+            <a:p>
+              <a:pPr algn="ctr" fontAlgn="auto">
+                <a:spcBef>
+                  <a:spcPts val="0"/>
+                </a:spcBef>
+                <a:spcAft>
+                  <a:spcPts val="0"/>
+                </a:spcAft>
+                <a:defRPr/>
+              </a:pPr>
+              <a:endParaRPr lang="zh-CN" altLang="en-US" sz="4400">
+                <a:latin typeface="微软雅黑" panose="020B0503020204020204" pitchFamily="34" charset="-122"/>
+                <a:ea typeface="微软雅黑" panose="020B0503020204020204" pitchFamily="34" charset="-122"/>
+              </a:endParaRPr>
+            </a:p>
+          </p:txBody>
+        </p:sp>
+        <p:sp>
+          <p:nvSpPr>
+            <p:cNvPr id="85" name="Text Box 58"/>
+            <p:cNvSpPr txBox="1">
+              <a:spLocks noChangeArrowheads="1"/>
+            </p:cNvSpPr>
+            <p:nvPr/>
+          </p:nvSpPr>
+          <p:spPr bwMode="auto">
+            <a:xfrm>
+              <a:off x="1159958" y="3077737"/>
+              <a:ext cx="782803" cy="708835"/>
+            </a:xfrm>
+            <a:prstGeom prst="rect">
+              <a:avLst/>
+            </a:prstGeom>
+            <a:noFill/>
+            <a:ln>
+              <a:noFill/>
+            </a:ln>
+            <a:effectLst/>
+            <a:extLst>
+              <a:ext uri="{909E8E84-426E-40DD-AFC4-6F175D3DCCD1}">
+                <a14:hiddenFill xmlns:a14="http://schemas.microsoft.com/office/drawing/2010/main">
+                  <a:solidFill>
+                    <a:schemeClr val="accent1"/>
+                  </a:solidFill>
+                </a14:hiddenFill>
+              </a:ext>
+              <a:ext uri="{91240B29-F687-4F45-9708-019B960494DF}">
+                <a14:hiddenLine xmlns:a14="http://schemas.microsoft.com/office/drawing/2010/main" w="9525">
+                  <a:solidFill>
+                    <a:schemeClr val="tx1"/>
+                  </a:solidFill>
+                  <a:miter lim="800000"/>
+                  <a:headEnd/>
+                  <a:tailEnd/>
+                </a14:hiddenLine>
+              </a:ext>
+              <a:ext uri="{AF507438-7753-43E0-B8FC-AC1667EBCBE1}">
+                <a14:hiddenEffects xmlns:a14="http://schemas.microsoft.com/office/drawing/2010/main">
+                  <a:effectLst>
+                    <a:outerShdw dist="35921" dir="2700000" algn="ctr" rotWithShape="0">
+                      <a:schemeClr val="bg2"/>
+                    </a:outerShdw>
+                  </a:effectLst>
+                </a14:hiddenEffects>
+              </a:ext>
+            </a:extLst>
+          </p:spPr>
+          <p:txBody>
+            <a:bodyPr wrap="square" lIns="68580" tIns="34290" rIns="68580" bIns="34290">
+              <a:spAutoFit/>
+            </a:bodyPr>
+            <a:lstStyle/>
+            <a:p>
+              <a:pPr algn="ctr"/>
+              <a:r>
+                <a:rPr lang="en-US" altLang="zh-CN" sz="6600" dirty="0">
+                  <a:solidFill>
+                    <a:schemeClr val="bg1"/>
+                  </a:solidFill>
+                  <a:latin typeface="Impact" panose="020B0806030902050204" pitchFamily="34" charset="0"/>
+                  <a:ea typeface="微软雅黑" panose="020B0503020204020204" pitchFamily="34" charset="-122"/>
+                </a:rPr>
+                <a:t>06</a:t>
+              </a:r>
+            </a:p>
+          </p:txBody>
+        </p:sp>
+      </p:grpSp>
+      <p:sp>
+        <p:nvSpPr>
+          <p:cNvPr id="12" name="文本框 19">
+            <a:extLst>
+              <a:ext uri="{FF2B5EF4-FFF2-40B4-BE49-F238E27FC236}">
+                <a16:creationId xmlns:a16="http://schemas.microsoft.com/office/drawing/2014/main" id="{7D2BC90A-5A09-4B25-B6F5-3FF57DF8FD01}"/>
+              </a:ext>
+            </a:extLst>
+          </p:cNvPr>
+          <p:cNvSpPr txBox="1"/>
+          <p:nvPr/>
+        </p:nvSpPr>
+        <p:spPr bwMode="auto">
+          <a:xfrm>
+            <a:off x="2987824" y="1513430"/>
+            <a:ext cx="5256584" cy="253916"/>
+          </a:xfrm>
+          <a:prstGeom prst="rect">
+            <a:avLst/>
+          </a:prstGeom>
+          <a:noFill/>
+        </p:spPr>
+        <p:txBody>
+          <a:bodyPr wrap="square" lIns="68580" tIns="34290" rIns="68580" bIns="34290">
+            <a:spAutoFit/>
+          </a:bodyPr>
+          <a:lstStyle/>
+          <a:p>
+            <a:pPr lvl="0"/>
+            <a:r>
+              <a:rPr lang="zh-CN" altLang="en-US" sz="1200" dirty="0">
+                <a:solidFill>
+                  <a:schemeClr val="tx1">
+                    <a:lumMod val="75000"/>
+                    <a:lumOff val="25000"/>
+                  </a:schemeClr>
+                </a:solidFill>
+                <a:latin typeface="微软雅黑" pitchFamily="34" charset="-122"/>
+                <a:ea typeface="微软雅黑" pitchFamily="34" charset="-122"/>
+              </a:rPr>
+              <a:t>点击任意错题之后，就可以查看错题的答案了：</a:t>
+            </a:r>
+            <a:endParaRPr lang="en-US" altLang="zh-CN" sz="1200" dirty="0">
+              <a:solidFill>
+                <a:schemeClr val="tx1">
+                  <a:lumMod val="75000"/>
+                  <a:lumOff val="25000"/>
+                </a:schemeClr>
+              </a:solidFill>
+              <a:latin typeface="微软雅黑" pitchFamily="34" charset="-122"/>
+              <a:ea typeface="微软雅黑" pitchFamily="34" charset="-122"/>
+            </a:endParaRPr>
+          </a:p>
+        </p:txBody>
+      </p:sp>
+      <p:pic>
+        <p:nvPicPr>
+          <p:cNvPr id="3" name="图片 2">
+            <a:extLst>
+              <a:ext uri="{FF2B5EF4-FFF2-40B4-BE49-F238E27FC236}">
+                <a16:creationId xmlns:a16="http://schemas.microsoft.com/office/drawing/2014/main" id="{E8C1D7B6-E776-4760-8C67-CD40D1805AC5}"/>
+              </a:ext>
+            </a:extLst>
+          </p:cNvPr>
+          <p:cNvPicPr>
+            <a:picLocks noChangeAspect="1"/>
+          </p:cNvPicPr>
+          <p:nvPr/>
+        </p:nvPicPr>
+        <p:blipFill>
+          <a:blip r:embed="rId3"/>
+          <a:stretch>
+            <a:fillRect/>
+          </a:stretch>
+        </p:blipFill>
+        <p:spPr>
+          <a:xfrm>
+            <a:off x="1907704" y="2013902"/>
+            <a:ext cx="4940305" cy="2290305"/>
+          </a:xfrm>
+          <a:prstGeom prst="rect">
+            <a:avLst/>
+          </a:prstGeom>
+        </p:spPr>
+      </p:pic>
+    </p:spTree>
+    <p:extLst>
+      <p:ext uri="{BB962C8B-B14F-4D97-AF65-F5344CB8AC3E}">
+        <p14:creationId xmlns:p14="http://schemas.microsoft.com/office/powerpoint/2010/main" val="307653506"/>
+      </p:ext>
+    </p:extLst>
+  </p:cSld>
+  <p:clrMapOvr>
+    <a:masterClrMapping/>
+  </p:clrMapOvr>
+  <mc:AlternateContent xmlns:mc="http://schemas.openxmlformats.org/markup-compatibility/2006" xmlns:p14="http://schemas.microsoft.com/office/powerpoint/2010/main">
+    <mc:Choice Requires="p14">
+      <p:transition spd="slow" p14:dur="1200">
+        <p14:flip dir="r"/>
+      </p:transition>
+    </mc:Choice>
+    <mc:Fallback xmlns="">
+      <p:transition spd="slow">
+        <p:fade/>
+      </p:transition>
+    </mc:Fallback>
+  </mc:AlternateContent>
+</p:sld>
+</file>
+
+<file path=ppt/slides/slide23.xml><?xml version="1.0" encoding="utf-8"?>
+<p:sld xmlns:a="http://schemas.openxmlformats.org/drawingml/2006/main" xmlns:r="http://schemas.openxmlformats.org/officeDocument/2006/relationships" xmlns:p="http://schemas.openxmlformats.org/presentationml/2006/main">
+  <p:cSld>
+    <p:spTree>
+      <p:nvGrpSpPr>
+        <p:cNvPr id="1" name=""/>
+        <p:cNvGrpSpPr/>
+        <p:nvPr/>
+      </p:nvGrpSpPr>
+      <p:grpSpPr>
+        <a:xfrm>
+          <a:off x="0" y="0"/>
+          <a:ext cx="0" cy="0"/>
+          <a:chOff x="0" y="0"/>
+          <a:chExt cx="0" cy="0"/>
+        </a:xfrm>
+      </p:grpSpPr>
+      <p:sp>
+        <p:nvSpPr>
+          <p:cNvPr id="2" name="矩形 1"/>
+          <p:cNvSpPr/>
+          <p:nvPr/>
+        </p:nvSpPr>
+        <p:spPr>
+          <a:xfrm>
+            <a:off x="0" y="438404"/>
+            <a:ext cx="9144000" cy="969534"/>
+          </a:xfrm>
+          <a:prstGeom prst="rect">
+            <a:avLst/>
+          </a:prstGeom>
+          <a:solidFill>
+            <a:schemeClr val="accent1"/>
+          </a:solidFill>
+          <a:ln>
+            <a:noFill/>
+          </a:ln>
+        </p:spPr>
+        <p:style>
+          <a:lnRef idx="2">
+            <a:schemeClr val="accent1">
+              <a:shade val="50000"/>
+            </a:schemeClr>
+          </a:lnRef>
+          <a:fillRef idx="1">
+            <a:schemeClr val="accent1"/>
+          </a:fillRef>
+          <a:effectRef idx="0">
+            <a:schemeClr val="accent1"/>
+          </a:effectRef>
+          <a:fontRef idx="minor">
+            <a:schemeClr val="lt1"/>
+          </a:fontRef>
+        </p:style>
+        <p:txBody>
+          <a:bodyPr rtlCol="0" anchor="ctr"/>
+          <a:lstStyle/>
+          <a:p>
+            <a:pPr algn="ctr"/>
+            <a:endParaRPr lang="zh-CN" altLang="en-US"/>
+          </a:p>
+        </p:txBody>
+      </p:sp>
+      <p:sp>
+        <p:nvSpPr>
+          <p:cNvPr id="40" name="文本框 17"/>
+          <p:cNvSpPr txBox="1"/>
+          <p:nvPr/>
+        </p:nvSpPr>
+        <p:spPr>
+          <a:xfrm>
+            <a:off x="3337583" y="661561"/>
+            <a:ext cx="4258753" cy="584775"/>
+          </a:xfrm>
+          <a:prstGeom prst="rect">
+            <a:avLst/>
+          </a:prstGeom>
+          <a:noFill/>
+        </p:spPr>
+        <p:txBody>
+          <a:bodyPr wrap="square" rtlCol="0">
+            <a:spAutoFit/>
+          </a:bodyPr>
+          <a:lstStyle/>
+          <a:p>
+            <a:r>
+              <a:rPr lang="zh-CN" altLang="en-US" sz="3200" b="1" dirty="0">
+                <a:solidFill>
+                  <a:schemeClr val="bg1"/>
+                </a:solidFill>
+                <a:latin typeface="微软雅黑" panose="020B0503020204020204" pitchFamily="34" charset="-122"/>
+                <a:ea typeface="微软雅黑" panose="020B0503020204020204" pitchFamily="34" charset="-122"/>
+              </a:rPr>
+              <a:t>其他功能</a:t>
+            </a:r>
+            <a:r>
+              <a:rPr lang="en-US" altLang="zh-CN" sz="3200" b="1" dirty="0">
+                <a:solidFill>
+                  <a:schemeClr val="bg1"/>
+                </a:solidFill>
+                <a:latin typeface="微软雅黑" panose="020B0503020204020204" pitchFamily="34" charset="-122"/>
+                <a:ea typeface="微软雅黑" panose="020B0503020204020204" pitchFamily="34" charset="-122"/>
+              </a:rPr>
+              <a:t>—</a:t>
+            </a:r>
+            <a:r>
+              <a:rPr lang="zh-CN" altLang="en-US" sz="3200" b="1" dirty="0">
+                <a:solidFill>
+                  <a:schemeClr val="bg1"/>
+                </a:solidFill>
+                <a:latin typeface="微软雅黑" panose="020B0503020204020204" pitchFamily="34" charset="-122"/>
+                <a:ea typeface="微软雅黑" panose="020B0503020204020204" pitchFamily="34" charset="-122"/>
+              </a:rPr>
+              <a:t>错题集</a:t>
+            </a:r>
+            <a:endParaRPr lang="en-US" altLang="zh-CN" sz="3200" b="1" dirty="0">
+              <a:solidFill>
+                <a:schemeClr val="bg1"/>
+              </a:solidFill>
+              <a:latin typeface="微软雅黑" panose="020B0503020204020204" pitchFamily="34" charset="-122"/>
+              <a:ea typeface="微软雅黑" panose="020B0503020204020204" pitchFamily="34" charset="-122"/>
+            </a:endParaRPr>
+          </a:p>
+        </p:txBody>
+      </p:sp>
+      <p:grpSp>
+        <p:nvGrpSpPr>
+          <p:cNvPr id="83" name="组合 82"/>
+          <p:cNvGrpSpPr/>
+          <p:nvPr/>
+        </p:nvGrpSpPr>
+        <p:grpSpPr>
+          <a:xfrm>
+            <a:off x="1366956" y="135943"/>
+            <a:ext cx="1586056" cy="1586449"/>
+            <a:chOff x="1041891" y="2887277"/>
+            <a:chExt cx="1036261" cy="1036518"/>
+          </a:xfrm>
+        </p:grpSpPr>
+        <p:sp>
+          <p:nvSpPr>
+            <p:cNvPr id="84" name="Oval 53"/>
+            <p:cNvSpPr>
+              <a:spLocks noChangeArrowheads="1"/>
+            </p:cNvSpPr>
+            <p:nvPr/>
+          </p:nvSpPr>
+          <p:spPr bwMode="auto">
+            <a:xfrm>
+              <a:off x="1041891" y="2887277"/>
+              <a:ext cx="1036261" cy="1036518"/>
+            </a:xfrm>
+            <a:prstGeom prst="ellipse">
+              <a:avLst/>
+            </a:prstGeom>
+            <a:solidFill>
+              <a:schemeClr val="accent1"/>
+            </a:solidFill>
+            <a:ln w="88900">
+              <a:gradFill flip="none" rotWithShape="1">
+                <a:gsLst>
+                  <a:gs pos="0">
+                    <a:srgbClr val="FFFFFF"/>
+                  </a:gs>
+                  <a:gs pos="100000">
+                    <a:srgbClr val="D9D9DA"/>
+                  </a:gs>
+                </a:gsLst>
+                <a:lin ang="2700000" scaled="0"/>
+                <a:tileRect/>
+              </a:gradFill>
+            </a:ln>
+            <a:effectLst>
+              <a:outerShdw blurRad="279400" dist="76200" dir="2700000" sx="101000" sy="101000" algn="tl" rotWithShape="0">
+                <a:prstClr val="black">
+                  <a:alpha val="28000"/>
+                </a:prstClr>
+              </a:outerShdw>
+            </a:effectLst>
+          </p:spPr>
+          <p:style>
+            <a:lnRef idx="2">
+              <a:schemeClr val="accent1">
+                <a:shade val="50000"/>
+              </a:schemeClr>
+            </a:lnRef>
+            <a:fillRef idx="1">
+              <a:schemeClr val="accent1"/>
+            </a:fillRef>
+            <a:effectRef idx="0">
+              <a:schemeClr val="accent1"/>
+            </a:effectRef>
+            <a:fontRef idx="minor">
+              <a:schemeClr val="lt1"/>
+            </a:fontRef>
+          </p:style>
+          <p:txBody>
+            <a:bodyPr lIns="68580" tIns="34290" rIns="68580" bIns="34290" anchor="ctr"/>
+            <a:lstStyle/>
+            <a:p>
+              <a:pPr algn="ctr" fontAlgn="auto">
+                <a:spcBef>
+                  <a:spcPts val="0"/>
+                </a:spcBef>
+                <a:spcAft>
+                  <a:spcPts val="0"/>
+                </a:spcAft>
+                <a:defRPr/>
+              </a:pPr>
+              <a:endParaRPr lang="zh-CN" altLang="en-US" sz="4400">
+                <a:latin typeface="微软雅黑" panose="020B0503020204020204" pitchFamily="34" charset="-122"/>
+                <a:ea typeface="微软雅黑" panose="020B0503020204020204" pitchFamily="34" charset="-122"/>
+              </a:endParaRPr>
+            </a:p>
+          </p:txBody>
+        </p:sp>
+        <p:sp>
+          <p:nvSpPr>
+            <p:cNvPr id="85" name="Text Box 58"/>
+            <p:cNvSpPr txBox="1">
+              <a:spLocks noChangeArrowheads="1"/>
+            </p:cNvSpPr>
+            <p:nvPr/>
+          </p:nvSpPr>
+          <p:spPr bwMode="auto">
+            <a:xfrm>
+              <a:off x="1159958" y="3077737"/>
+              <a:ext cx="782803" cy="708835"/>
+            </a:xfrm>
+            <a:prstGeom prst="rect">
+              <a:avLst/>
+            </a:prstGeom>
+            <a:noFill/>
+            <a:ln>
+              <a:noFill/>
+            </a:ln>
+            <a:effectLst/>
+            <a:extLst>
+              <a:ext uri="{909E8E84-426E-40DD-AFC4-6F175D3DCCD1}">
+                <a14:hiddenFill xmlns:a14="http://schemas.microsoft.com/office/drawing/2010/main">
+                  <a:solidFill>
+                    <a:schemeClr val="accent1"/>
+                  </a:solidFill>
+                </a14:hiddenFill>
+              </a:ext>
+              <a:ext uri="{91240B29-F687-4F45-9708-019B960494DF}">
+                <a14:hiddenLine xmlns:a14="http://schemas.microsoft.com/office/drawing/2010/main" w="9525">
+                  <a:solidFill>
+                    <a:schemeClr val="tx1"/>
+                  </a:solidFill>
+                  <a:miter lim="800000"/>
+                  <a:headEnd/>
+                  <a:tailEnd/>
+                </a14:hiddenLine>
+              </a:ext>
+              <a:ext uri="{AF507438-7753-43E0-B8FC-AC1667EBCBE1}">
+                <a14:hiddenEffects xmlns:a14="http://schemas.microsoft.com/office/drawing/2010/main">
+                  <a:effectLst>
+                    <a:outerShdw dist="35921" dir="2700000" algn="ctr" rotWithShape="0">
+                      <a:schemeClr val="bg2"/>
+                    </a:outerShdw>
+                  </a:effectLst>
+                </a14:hiddenEffects>
+              </a:ext>
+            </a:extLst>
+          </p:spPr>
+          <p:txBody>
+            <a:bodyPr wrap="square" lIns="68580" tIns="34290" rIns="68580" bIns="34290">
+              <a:spAutoFit/>
+            </a:bodyPr>
+            <a:lstStyle/>
+            <a:p>
+              <a:pPr algn="ctr"/>
+              <a:r>
+                <a:rPr lang="en-US" altLang="zh-CN" sz="6600" dirty="0">
+                  <a:solidFill>
+                    <a:schemeClr val="bg1"/>
+                  </a:solidFill>
+                  <a:latin typeface="Impact" panose="020B0806030902050204" pitchFamily="34" charset="0"/>
+                  <a:ea typeface="微软雅黑" panose="020B0503020204020204" pitchFamily="34" charset="-122"/>
+                </a:rPr>
+                <a:t>06</a:t>
+              </a:r>
+            </a:p>
+          </p:txBody>
+        </p:sp>
+      </p:grpSp>
+      <p:sp>
+        <p:nvSpPr>
+          <p:cNvPr id="12" name="文本框 19">
+            <a:extLst>
+              <a:ext uri="{FF2B5EF4-FFF2-40B4-BE49-F238E27FC236}">
+                <a16:creationId xmlns:a16="http://schemas.microsoft.com/office/drawing/2014/main" id="{7D2BC90A-5A09-4B25-B6F5-3FF57DF8FD01}"/>
+              </a:ext>
+            </a:extLst>
+          </p:cNvPr>
+          <p:cNvSpPr txBox="1"/>
+          <p:nvPr/>
+        </p:nvSpPr>
+        <p:spPr bwMode="auto">
+          <a:xfrm>
+            <a:off x="2987824" y="1513430"/>
+            <a:ext cx="5256584" cy="253916"/>
+          </a:xfrm>
+          <a:prstGeom prst="rect">
+            <a:avLst/>
+          </a:prstGeom>
+          <a:noFill/>
+        </p:spPr>
+        <p:txBody>
+          <a:bodyPr wrap="square" lIns="68580" tIns="34290" rIns="68580" bIns="34290">
+            <a:spAutoFit/>
+          </a:bodyPr>
+          <a:lstStyle/>
+          <a:p>
+            <a:pPr lvl="0"/>
+            <a:r>
+              <a:rPr lang="zh-CN" altLang="en-US" sz="1200" dirty="0">
+                <a:solidFill>
+                  <a:schemeClr val="tx1">
+                    <a:lumMod val="75000"/>
+                    <a:lumOff val="25000"/>
+                  </a:schemeClr>
+                </a:solidFill>
+                <a:latin typeface="微软雅黑" pitchFamily="34" charset="-122"/>
+                <a:ea typeface="微软雅黑" pitchFamily="34" charset="-122"/>
+              </a:rPr>
+              <a:t>点击任意错题之后，就可以查看错题的答案了：</a:t>
+            </a:r>
+            <a:endParaRPr lang="en-US" altLang="zh-CN" sz="1200" dirty="0">
+              <a:solidFill>
+                <a:schemeClr val="tx1">
+                  <a:lumMod val="75000"/>
+                  <a:lumOff val="25000"/>
+                </a:schemeClr>
+              </a:solidFill>
+              <a:latin typeface="微软雅黑" pitchFamily="34" charset="-122"/>
+              <a:ea typeface="微软雅黑" pitchFamily="34" charset="-122"/>
+            </a:endParaRPr>
+          </a:p>
+        </p:txBody>
+      </p:sp>
+      <p:pic>
+        <p:nvPicPr>
+          <p:cNvPr id="3" name="图片 2">
+            <a:extLst>
+              <a:ext uri="{FF2B5EF4-FFF2-40B4-BE49-F238E27FC236}">
+                <a16:creationId xmlns:a16="http://schemas.microsoft.com/office/drawing/2014/main" id="{E8C1D7B6-E776-4760-8C67-CD40D1805AC5}"/>
+              </a:ext>
+            </a:extLst>
+          </p:cNvPr>
+          <p:cNvPicPr>
+            <a:picLocks noChangeAspect="1"/>
+          </p:cNvPicPr>
+          <p:nvPr/>
+        </p:nvPicPr>
+        <p:blipFill>
+          <a:blip r:embed="rId3"/>
+          <a:stretch>
+            <a:fillRect/>
+          </a:stretch>
+        </p:blipFill>
+        <p:spPr>
+          <a:xfrm>
+            <a:off x="1907704" y="2013902"/>
+            <a:ext cx="4940305" cy="2290305"/>
+          </a:xfrm>
+          <a:prstGeom prst="rect">
+            <a:avLst/>
+          </a:prstGeom>
+        </p:spPr>
+      </p:pic>
+    </p:spTree>
+    <p:extLst>
+      <p:ext uri="{BB962C8B-B14F-4D97-AF65-F5344CB8AC3E}">
+        <p14:creationId xmlns:p14="http://schemas.microsoft.com/office/powerpoint/2010/main" val="498450392"/>
+      </p:ext>
+    </p:extLst>
+  </p:cSld>
+  <p:clrMapOvr>
+    <a:masterClrMapping/>
+  </p:clrMapOvr>
+  <mc:AlternateContent xmlns:mc="http://schemas.openxmlformats.org/markup-compatibility/2006" xmlns:p14="http://schemas.microsoft.com/office/powerpoint/2010/main">
+    <mc:Choice Requires="p14">
+      <p:transition spd="slow" p14:dur="1200">
+        <p14:flip dir="r"/>
+      </p:transition>
+    </mc:Choice>
+    <mc:Fallback xmlns="">
+      <p:transition spd="slow">
+        <p:fade/>
+      </p:transition>
+    </mc:Fallback>
+  </mc:AlternateContent>
+</p:sld>
+</file>
+
+<file path=ppt/slides/slide24.xml><?xml version="1.0" encoding="utf-8"?>
+<p:sld xmlns:a="http://schemas.openxmlformats.org/drawingml/2006/main" xmlns:r="http://schemas.openxmlformats.org/officeDocument/2006/relationships" xmlns:p="http://schemas.openxmlformats.org/presentationml/2006/main">
+  <p:cSld>
+    <p:spTree>
+      <p:nvGrpSpPr>
+        <p:cNvPr id="1" name=""/>
+        <p:cNvGrpSpPr/>
+        <p:nvPr/>
+      </p:nvGrpSpPr>
+      <p:grpSpPr>
+        <a:xfrm>
+          <a:off x="0" y="0"/>
+          <a:ext cx="0" cy="0"/>
+          <a:chOff x="0" y="0"/>
+          <a:chExt cx="0" cy="0"/>
+        </a:xfrm>
+      </p:grpSpPr>
+      <p:sp>
+        <p:nvSpPr>
+          <p:cNvPr id="2" name="矩形 1"/>
+          <p:cNvSpPr/>
+          <p:nvPr/>
+        </p:nvSpPr>
+        <p:spPr>
+          <a:xfrm>
+            <a:off x="0" y="438404"/>
+            <a:ext cx="9144000" cy="969534"/>
+          </a:xfrm>
+          <a:prstGeom prst="rect">
+            <a:avLst/>
+          </a:prstGeom>
+          <a:solidFill>
+            <a:schemeClr val="accent1"/>
+          </a:solidFill>
+          <a:ln>
+            <a:noFill/>
+          </a:ln>
+        </p:spPr>
+        <p:style>
+          <a:lnRef idx="2">
+            <a:schemeClr val="accent1">
+              <a:shade val="50000"/>
+            </a:schemeClr>
+          </a:lnRef>
+          <a:fillRef idx="1">
+            <a:schemeClr val="accent1"/>
+          </a:fillRef>
+          <a:effectRef idx="0">
+            <a:schemeClr val="accent1"/>
+          </a:effectRef>
+          <a:fontRef idx="minor">
+            <a:schemeClr val="lt1"/>
+          </a:fontRef>
+        </p:style>
+        <p:txBody>
+          <a:bodyPr rtlCol="0" anchor="ctr"/>
+          <a:lstStyle/>
+          <a:p>
+            <a:pPr algn="ctr"/>
+            <a:endParaRPr lang="zh-CN" altLang="en-US"/>
+          </a:p>
+        </p:txBody>
+      </p:sp>
+      <p:sp>
+        <p:nvSpPr>
+          <p:cNvPr id="40" name="文本框 17"/>
+          <p:cNvSpPr txBox="1"/>
+          <p:nvPr/>
+        </p:nvSpPr>
+        <p:spPr>
+          <a:xfrm>
+            <a:off x="3337583" y="661561"/>
+            <a:ext cx="4258753" cy="584775"/>
+          </a:xfrm>
+          <a:prstGeom prst="rect">
+            <a:avLst/>
+          </a:prstGeom>
+          <a:noFill/>
+        </p:spPr>
+        <p:txBody>
+          <a:bodyPr wrap="square" rtlCol="0">
+            <a:spAutoFit/>
+          </a:bodyPr>
+          <a:lstStyle/>
+          <a:p>
+            <a:r>
+              <a:rPr lang="zh-CN" altLang="en-US" sz="3200" b="1" dirty="0">
+                <a:solidFill>
+                  <a:schemeClr val="bg1"/>
+                </a:solidFill>
+                <a:latin typeface="微软雅黑" panose="020B0503020204020204" pitchFamily="34" charset="-122"/>
+                <a:ea typeface="微软雅黑" panose="020B0503020204020204" pitchFamily="34" charset="-122"/>
+              </a:rPr>
+              <a:t>其他功能</a:t>
+            </a:r>
+            <a:r>
+              <a:rPr lang="en-US" altLang="zh-CN" sz="3200" b="1" dirty="0">
+                <a:solidFill>
+                  <a:schemeClr val="bg1"/>
+                </a:solidFill>
+                <a:latin typeface="微软雅黑" panose="020B0503020204020204" pitchFamily="34" charset="-122"/>
+                <a:ea typeface="微软雅黑" panose="020B0503020204020204" pitchFamily="34" charset="-122"/>
+              </a:rPr>
+              <a:t>—</a:t>
+            </a:r>
+            <a:r>
+              <a:rPr lang="zh-CN" altLang="en-US" sz="3200" b="1" dirty="0">
+                <a:solidFill>
+                  <a:schemeClr val="bg1"/>
+                </a:solidFill>
+                <a:latin typeface="微软雅黑" panose="020B0503020204020204" pitchFamily="34" charset="-122"/>
+                <a:ea typeface="微软雅黑" panose="020B0503020204020204" pitchFamily="34" charset="-122"/>
+              </a:rPr>
+              <a:t>答疑互动</a:t>
+            </a:r>
+            <a:endParaRPr lang="en-US" altLang="zh-CN" sz="3200" b="1" dirty="0">
+              <a:solidFill>
+                <a:schemeClr val="bg1"/>
+              </a:solidFill>
+              <a:latin typeface="微软雅黑" panose="020B0503020204020204" pitchFamily="34" charset="-122"/>
+              <a:ea typeface="微软雅黑" panose="020B0503020204020204" pitchFamily="34" charset="-122"/>
+            </a:endParaRPr>
+          </a:p>
+        </p:txBody>
+      </p:sp>
+      <p:grpSp>
+        <p:nvGrpSpPr>
+          <p:cNvPr id="83" name="组合 82"/>
+          <p:cNvGrpSpPr/>
+          <p:nvPr/>
+        </p:nvGrpSpPr>
+        <p:grpSpPr>
+          <a:xfrm>
+            <a:off x="1366956" y="135943"/>
+            <a:ext cx="1586056" cy="1586449"/>
+            <a:chOff x="1041891" y="2887277"/>
+            <a:chExt cx="1036261" cy="1036518"/>
+          </a:xfrm>
+        </p:grpSpPr>
+        <p:sp>
+          <p:nvSpPr>
+            <p:cNvPr id="84" name="Oval 53"/>
+            <p:cNvSpPr>
+              <a:spLocks noChangeArrowheads="1"/>
+            </p:cNvSpPr>
+            <p:nvPr/>
+          </p:nvSpPr>
+          <p:spPr bwMode="auto">
+            <a:xfrm>
+              <a:off x="1041891" y="2887277"/>
+              <a:ext cx="1036261" cy="1036518"/>
+            </a:xfrm>
+            <a:prstGeom prst="ellipse">
+              <a:avLst/>
+            </a:prstGeom>
+            <a:solidFill>
+              <a:schemeClr val="accent1"/>
+            </a:solidFill>
+            <a:ln w="88900">
+              <a:gradFill flip="none" rotWithShape="1">
+                <a:gsLst>
+                  <a:gs pos="0">
+                    <a:srgbClr val="FFFFFF"/>
+                  </a:gs>
+                  <a:gs pos="100000">
+                    <a:srgbClr val="D9D9DA"/>
+                  </a:gs>
+                </a:gsLst>
+                <a:lin ang="2700000" scaled="0"/>
+                <a:tileRect/>
+              </a:gradFill>
+            </a:ln>
+            <a:effectLst>
+              <a:outerShdw blurRad="279400" dist="76200" dir="2700000" sx="101000" sy="101000" algn="tl" rotWithShape="0">
+                <a:prstClr val="black">
+                  <a:alpha val="28000"/>
+                </a:prstClr>
+              </a:outerShdw>
+            </a:effectLst>
+          </p:spPr>
+          <p:style>
+            <a:lnRef idx="2">
+              <a:schemeClr val="accent1">
+                <a:shade val="50000"/>
+              </a:schemeClr>
+            </a:lnRef>
+            <a:fillRef idx="1">
+              <a:schemeClr val="accent1"/>
+            </a:fillRef>
+            <a:effectRef idx="0">
+              <a:schemeClr val="accent1"/>
+            </a:effectRef>
+            <a:fontRef idx="minor">
+              <a:schemeClr val="lt1"/>
+            </a:fontRef>
+          </p:style>
+          <p:txBody>
+            <a:bodyPr lIns="68580" tIns="34290" rIns="68580" bIns="34290" anchor="ctr"/>
+            <a:lstStyle/>
+            <a:p>
+              <a:pPr algn="ctr" fontAlgn="auto">
+                <a:spcBef>
+                  <a:spcPts val="0"/>
+                </a:spcBef>
+                <a:spcAft>
+                  <a:spcPts val="0"/>
+                </a:spcAft>
+                <a:defRPr/>
+              </a:pPr>
+              <a:endParaRPr lang="zh-CN" altLang="en-US" sz="4400">
+                <a:latin typeface="微软雅黑" panose="020B0503020204020204" pitchFamily="34" charset="-122"/>
+                <a:ea typeface="微软雅黑" panose="020B0503020204020204" pitchFamily="34" charset="-122"/>
+              </a:endParaRPr>
+            </a:p>
+          </p:txBody>
+        </p:sp>
+        <p:sp>
+          <p:nvSpPr>
+            <p:cNvPr id="85" name="Text Box 58"/>
+            <p:cNvSpPr txBox="1">
+              <a:spLocks noChangeArrowheads="1"/>
+            </p:cNvSpPr>
+            <p:nvPr/>
+          </p:nvSpPr>
+          <p:spPr bwMode="auto">
+            <a:xfrm>
+              <a:off x="1159958" y="3077737"/>
+              <a:ext cx="782803" cy="708835"/>
+            </a:xfrm>
+            <a:prstGeom prst="rect">
+              <a:avLst/>
+            </a:prstGeom>
+            <a:noFill/>
+            <a:ln>
+              <a:noFill/>
+            </a:ln>
+            <a:effectLst/>
+            <a:extLst>
+              <a:ext uri="{909E8E84-426E-40DD-AFC4-6F175D3DCCD1}">
+                <a14:hiddenFill xmlns:a14="http://schemas.microsoft.com/office/drawing/2010/main">
+                  <a:solidFill>
+                    <a:schemeClr val="accent1"/>
+                  </a:solidFill>
+                </a14:hiddenFill>
+              </a:ext>
+              <a:ext uri="{91240B29-F687-4F45-9708-019B960494DF}">
+                <a14:hiddenLine xmlns:a14="http://schemas.microsoft.com/office/drawing/2010/main" w="9525">
+                  <a:solidFill>
+                    <a:schemeClr val="tx1"/>
+                  </a:solidFill>
+                  <a:miter lim="800000"/>
+                  <a:headEnd/>
+                  <a:tailEnd/>
+                </a14:hiddenLine>
+              </a:ext>
+              <a:ext uri="{AF507438-7753-43E0-B8FC-AC1667EBCBE1}">
+                <a14:hiddenEffects xmlns:a14="http://schemas.microsoft.com/office/drawing/2010/main">
+                  <a:effectLst>
+                    <a:outerShdw dist="35921" dir="2700000" algn="ctr" rotWithShape="0">
+                      <a:schemeClr val="bg2"/>
+                    </a:outerShdw>
+                  </a:effectLst>
+                </a14:hiddenEffects>
+              </a:ext>
+            </a:extLst>
+          </p:spPr>
+          <p:txBody>
+            <a:bodyPr wrap="square" lIns="68580" tIns="34290" rIns="68580" bIns="34290">
+              <a:spAutoFit/>
+            </a:bodyPr>
+            <a:lstStyle/>
+            <a:p>
+              <a:pPr algn="ctr"/>
+              <a:r>
+                <a:rPr lang="en-US" altLang="zh-CN" sz="6600" dirty="0">
+                  <a:solidFill>
+                    <a:schemeClr val="bg1"/>
+                  </a:solidFill>
+                  <a:latin typeface="Impact" panose="020B0806030902050204" pitchFamily="34" charset="0"/>
+                  <a:ea typeface="微软雅黑" panose="020B0503020204020204" pitchFamily="34" charset="-122"/>
+                </a:rPr>
+                <a:t>06</a:t>
+              </a:r>
+            </a:p>
+          </p:txBody>
+        </p:sp>
+      </p:grpSp>
+      <p:sp>
+        <p:nvSpPr>
+          <p:cNvPr id="12" name="文本框 19">
+            <a:extLst>
+              <a:ext uri="{FF2B5EF4-FFF2-40B4-BE49-F238E27FC236}">
+                <a16:creationId xmlns:a16="http://schemas.microsoft.com/office/drawing/2014/main" id="{7D2BC90A-5A09-4B25-B6F5-3FF57DF8FD01}"/>
+              </a:ext>
+            </a:extLst>
+          </p:cNvPr>
+          <p:cNvSpPr txBox="1"/>
+          <p:nvPr/>
+        </p:nvSpPr>
+        <p:spPr bwMode="auto">
+          <a:xfrm>
+            <a:off x="2987824" y="1513430"/>
+            <a:ext cx="5256584" cy="438582"/>
+          </a:xfrm>
+          <a:prstGeom prst="rect">
+            <a:avLst/>
+          </a:prstGeom>
+          <a:noFill/>
+        </p:spPr>
+        <p:txBody>
+          <a:bodyPr wrap="square" lIns="68580" tIns="34290" rIns="68580" bIns="34290">
+            <a:spAutoFit/>
+          </a:bodyPr>
+          <a:lstStyle/>
+          <a:p>
+            <a:pPr lvl="0"/>
+            <a:r>
+              <a:rPr lang="zh-CN" altLang="en-US" sz="1200" dirty="0">
+                <a:solidFill>
+                  <a:schemeClr val="tx1">
+                    <a:lumMod val="75000"/>
+                    <a:lumOff val="25000"/>
+                  </a:schemeClr>
+                </a:solidFill>
+                <a:latin typeface="微软雅黑" pitchFamily="34" charset="-122"/>
+                <a:ea typeface="微软雅黑" pitchFamily="34" charset="-122"/>
+              </a:rPr>
+              <a:t>如果您对系统以及题目有任何问题，则可以通过首页的“答疑互动”栏目向管理员进行提问，管理员会在回答问题之后，显示在首页当中</a:t>
+            </a:r>
+            <a:endParaRPr lang="en-US" altLang="zh-CN" sz="1200" dirty="0">
+              <a:solidFill>
+                <a:schemeClr val="tx1">
+                  <a:lumMod val="75000"/>
+                  <a:lumOff val="25000"/>
+                </a:schemeClr>
+              </a:solidFill>
+              <a:latin typeface="微软雅黑" pitchFamily="34" charset="-122"/>
+              <a:ea typeface="微软雅黑" pitchFamily="34" charset="-122"/>
+            </a:endParaRPr>
+          </a:p>
+        </p:txBody>
+      </p:sp>
+      <p:pic>
+        <p:nvPicPr>
+          <p:cNvPr id="4" name="图片 3">
+            <a:extLst>
+              <a:ext uri="{FF2B5EF4-FFF2-40B4-BE49-F238E27FC236}">
+                <a16:creationId xmlns:a16="http://schemas.microsoft.com/office/drawing/2014/main" id="{4849C88A-CDBE-4482-AF06-F1C26C08CEF4}"/>
+              </a:ext>
+            </a:extLst>
+          </p:cNvPr>
+          <p:cNvPicPr>
+            <a:picLocks noChangeAspect="1"/>
+          </p:cNvPicPr>
+          <p:nvPr/>
+        </p:nvPicPr>
+        <p:blipFill>
+          <a:blip r:embed="rId3"/>
+          <a:stretch>
+            <a:fillRect/>
+          </a:stretch>
+        </p:blipFill>
+        <p:spPr>
+          <a:xfrm>
+            <a:off x="2357437" y="2153264"/>
+            <a:ext cx="4429125" cy="2076450"/>
+          </a:xfrm>
+          <a:prstGeom prst="rect">
+            <a:avLst/>
+          </a:prstGeom>
+        </p:spPr>
+      </p:pic>
+    </p:spTree>
+    <p:extLst>
+      <p:ext uri="{BB962C8B-B14F-4D97-AF65-F5344CB8AC3E}">
+        <p14:creationId xmlns:p14="http://schemas.microsoft.com/office/powerpoint/2010/main" val="3641229880"/>
+      </p:ext>
+    </p:extLst>
+  </p:cSld>
+  <p:clrMapOvr>
+    <a:masterClrMapping/>
+  </p:clrMapOvr>
+  <mc:AlternateContent xmlns:mc="http://schemas.openxmlformats.org/markup-compatibility/2006" xmlns:p14="http://schemas.microsoft.com/office/powerpoint/2010/main">
+    <mc:Choice Requires="p14">
+      <p:transition spd="slow" p14:dur="1200">
+        <p14:flip dir="r"/>
+      </p:transition>
+    </mc:Choice>
+    <mc:Fallback xmlns="">
+      <p:transition spd="slow">
+        <p:fade/>
+      </p:transition>
+    </mc:Fallback>
+  </mc:AlternateContent>
+</p:sld>
+</file>
+
+<file path=ppt/slides/slide25.xml><?xml version="1.0" encoding="utf-8"?>
+<p:sld xmlns:a="http://schemas.openxmlformats.org/drawingml/2006/main" xmlns:r="http://schemas.openxmlformats.org/officeDocument/2006/relationships" xmlns:p="http://schemas.openxmlformats.org/presentationml/2006/main">
+  <p:cSld>
+    <p:spTree>
+      <p:nvGrpSpPr>
+        <p:cNvPr id="1" name=""/>
+        <p:cNvGrpSpPr/>
+        <p:nvPr/>
+      </p:nvGrpSpPr>
+      <p:grpSpPr>
+        <a:xfrm>
+          <a:off x="0" y="0"/>
+          <a:ext cx="0" cy="0"/>
+          <a:chOff x="0" y="0"/>
+          <a:chExt cx="0" cy="0"/>
+        </a:xfrm>
+      </p:grpSpPr>
+      <p:sp>
+        <p:nvSpPr>
+          <p:cNvPr id="2" name="矩形 1"/>
+          <p:cNvSpPr/>
+          <p:nvPr/>
+        </p:nvSpPr>
+        <p:spPr>
+          <a:xfrm>
+            <a:off x="0" y="438404"/>
+            <a:ext cx="9144000" cy="969534"/>
+          </a:xfrm>
+          <a:prstGeom prst="rect">
+            <a:avLst/>
+          </a:prstGeom>
+          <a:solidFill>
+            <a:schemeClr val="accent1"/>
+          </a:solidFill>
+          <a:ln>
+            <a:noFill/>
+          </a:ln>
+        </p:spPr>
+        <p:style>
+          <a:lnRef idx="2">
+            <a:schemeClr val="accent1">
+              <a:shade val="50000"/>
+            </a:schemeClr>
+          </a:lnRef>
+          <a:fillRef idx="1">
+            <a:schemeClr val="accent1"/>
+          </a:fillRef>
+          <a:effectRef idx="0">
+            <a:schemeClr val="accent1"/>
+          </a:effectRef>
+          <a:fontRef idx="minor">
+            <a:schemeClr val="lt1"/>
+          </a:fontRef>
+        </p:style>
+        <p:txBody>
+          <a:bodyPr rtlCol="0" anchor="ctr"/>
+          <a:lstStyle/>
+          <a:p>
+            <a:pPr algn="ctr"/>
+            <a:endParaRPr lang="zh-CN" altLang="en-US"/>
+          </a:p>
+        </p:txBody>
+      </p:sp>
+      <p:sp>
+        <p:nvSpPr>
+          <p:cNvPr id="40" name="文本框 17"/>
+          <p:cNvSpPr txBox="1"/>
+          <p:nvPr/>
+        </p:nvSpPr>
+        <p:spPr>
+          <a:xfrm>
+            <a:off x="3337583" y="661561"/>
+            <a:ext cx="4258753" cy="584775"/>
+          </a:xfrm>
+          <a:prstGeom prst="rect">
+            <a:avLst/>
+          </a:prstGeom>
+          <a:noFill/>
+        </p:spPr>
+        <p:txBody>
+          <a:bodyPr wrap="square" rtlCol="0">
+            <a:spAutoFit/>
+          </a:bodyPr>
+          <a:lstStyle/>
+          <a:p>
+            <a:r>
+              <a:rPr lang="zh-CN" altLang="en-US" sz="3200" b="1" dirty="0">
+                <a:solidFill>
+                  <a:schemeClr val="bg1"/>
+                </a:solidFill>
+                <a:latin typeface="微软雅黑" panose="020B0503020204020204" pitchFamily="34" charset="-122"/>
+                <a:ea typeface="微软雅黑" panose="020B0503020204020204" pitchFamily="34" charset="-122"/>
+              </a:rPr>
+              <a:t>其他功能</a:t>
+            </a:r>
+            <a:r>
+              <a:rPr lang="en-US" altLang="zh-CN" sz="3200" b="1" dirty="0">
+                <a:solidFill>
+                  <a:schemeClr val="bg1"/>
+                </a:solidFill>
+                <a:latin typeface="微软雅黑" panose="020B0503020204020204" pitchFamily="34" charset="-122"/>
+                <a:ea typeface="微软雅黑" panose="020B0503020204020204" pitchFamily="34" charset="-122"/>
+              </a:rPr>
+              <a:t>—</a:t>
+            </a:r>
+            <a:r>
+              <a:rPr lang="zh-CN" altLang="en-US" sz="3200" b="1" dirty="0">
+                <a:solidFill>
+                  <a:schemeClr val="bg1"/>
+                </a:solidFill>
+                <a:latin typeface="微软雅黑" panose="020B0503020204020204" pitchFamily="34" charset="-122"/>
+                <a:ea typeface="微软雅黑" panose="020B0503020204020204" pitchFamily="34" charset="-122"/>
+              </a:rPr>
+              <a:t>答疑互动</a:t>
+            </a:r>
+            <a:endParaRPr lang="en-US" altLang="zh-CN" sz="3200" b="1" dirty="0">
+              <a:solidFill>
+                <a:schemeClr val="bg1"/>
+              </a:solidFill>
+              <a:latin typeface="微软雅黑" panose="020B0503020204020204" pitchFamily="34" charset="-122"/>
+              <a:ea typeface="微软雅黑" panose="020B0503020204020204" pitchFamily="34" charset="-122"/>
+            </a:endParaRPr>
+          </a:p>
+        </p:txBody>
+      </p:sp>
+      <p:grpSp>
+        <p:nvGrpSpPr>
+          <p:cNvPr id="83" name="组合 82"/>
+          <p:cNvGrpSpPr/>
+          <p:nvPr/>
+        </p:nvGrpSpPr>
+        <p:grpSpPr>
+          <a:xfrm>
+            <a:off x="1366956" y="135943"/>
+            <a:ext cx="1586056" cy="1586449"/>
+            <a:chOff x="1041891" y="2887277"/>
+            <a:chExt cx="1036261" cy="1036518"/>
+          </a:xfrm>
+        </p:grpSpPr>
+        <p:sp>
+          <p:nvSpPr>
+            <p:cNvPr id="84" name="Oval 53"/>
+            <p:cNvSpPr>
+              <a:spLocks noChangeArrowheads="1"/>
+            </p:cNvSpPr>
+            <p:nvPr/>
+          </p:nvSpPr>
+          <p:spPr bwMode="auto">
+            <a:xfrm>
+              <a:off x="1041891" y="2887277"/>
+              <a:ext cx="1036261" cy="1036518"/>
+            </a:xfrm>
+            <a:prstGeom prst="ellipse">
+              <a:avLst/>
+            </a:prstGeom>
+            <a:solidFill>
+              <a:schemeClr val="accent1"/>
+            </a:solidFill>
+            <a:ln w="88900">
+              <a:gradFill flip="none" rotWithShape="1">
+                <a:gsLst>
+                  <a:gs pos="0">
+                    <a:srgbClr val="FFFFFF"/>
+                  </a:gs>
+                  <a:gs pos="100000">
+                    <a:srgbClr val="D9D9DA"/>
+                  </a:gs>
+                </a:gsLst>
+                <a:lin ang="2700000" scaled="0"/>
+                <a:tileRect/>
+              </a:gradFill>
+            </a:ln>
+            <a:effectLst>
+              <a:outerShdw blurRad="279400" dist="76200" dir="2700000" sx="101000" sy="101000" algn="tl" rotWithShape="0">
+                <a:prstClr val="black">
+                  <a:alpha val="28000"/>
+                </a:prstClr>
+              </a:outerShdw>
+            </a:effectLst>
+          </p:spPr>
+          <p:style>
+            <a:lnRef idx="2">
+              <a:schemeClr val="accent1">
+                <a:shade val="50000"/>
+              </a:schemeClr>
+            </a:lnRef>
+            <a:fillRef idx="1">
+              <a:schemeClr val="accent1"/>
+            </a:fillRef>
+            <a:effectRef idx="0">
+              <a:schemeClr val="accent1"/>
+            </a:effectRef>
+            <a:fontRef idx="minor">
+              <a:schemeClr val="lt1"/>
+            </a:fontRef>
+          </p:style>
+          <p:txBody>
+            <a:bodyPr lIns="68580" tIns="34290" rIns="68580" bIns="34290" anchor="ctr"/>
+            <a:lstStyle/>
+            <a:p>
+              <a:pPr algn="ctr" fontAlgn="auto">
+                <a:spcBef>
+                  <a:spcPts val="0"/>
+                </a:spcBef>
+                <a:spcAft>
+                  <a:spcPts val="0"/>
+                </a:spcAft>
+                <a:defRPr/>
+              </a:pPr>
+              <a:endParaRPr lang="zh-CN" altLang="en-US" sz="4400">
+                <a:latin typeface="微软雅黑" panose="020B0503020204020204" pitchFamily="34" charset="-122"/>
+                <a:ea typeface="微软雅黑" panose="020B0503020204020204" pitchFamily="34" charset="-122"/>
+              </a:endParaRPr>
+            </a:p>
+          </p:txBody>
+        </p:sp>
+        <p:sp>
+          <p:nvSpPr>
+            <p:cNvPr id="85" name="Text Box 58"/>
+            <p:cNvSpPr txBox="1">
+              <a:spLocks noChangeArrowheads="1"/>
+            </p:cNvSpPr>
+            <p:nvPr/>
+          </p:nvSpPr>
+          <p:spPr bwMode="auto">
+            <a:xfrm>
+              <a:off x="1159958" y="3077737"/>
+              <a:ext cx="782803" cy="708835"/>
+            </a:xfrm>
+            <a:prstGeom prst="rect">
+              <a:avLst/>
+            </a:prstGeom>
+            <a:noFill/>
+            <a:ln>
+              <a:noFill/>
+            </a:ln>
+            <a:effectLst/>
+            <a:extLst>
+              <a:ext uri="{909E8E84-426E-40DD-AFC4-6F175D3DCCD1}">
+                <a14:hiddenFill xmlns:a14="http://schemas.microsoft.com/office/drawing/2010/main">
+                  <a:solidFill>
+                    <a:schemeClr val="accent1"/>
+                  </a:solidFill>
+                </a14:hiddenFill>
+              </a:ext>
+              <a:ext uri="{91240B29-F687-4F45-9708-019B960494DF}">
+                <a14:hiddenLine xmlns:a14="http://schemas.microsoft.com/office/drawing/2010/main" w="9525">
+                  <a:solidFill>
+                    <a:schemeClr val="tx1"/>
+                  </a:solidFill>
+                  <a:miter lim="800000"/>
+                  <a:headEnd/>
+                  <a:tailEnd/>
+                </a14:hiddenLine>
+              </a:ext>
+              <a:ext uri="{AF507438-7753-43E0-B8FC-AC1667EBCBE1}">
+                <a14:hiddenEffects xmlns:a14="http://schemas.microsoft.com/office/drawing/2010/main">
+                  <a:effectLst>
+                    <a:outerShdw dist="35921" dir="2700000" algn="ctr" rotWithShape="0">
+                      <a:schemeClr val="bg2"/>
+                    </a:outerShdw>
+                  </a:effectLst>
+                </a14:hiddenEffects>
+              </a:ext>
+            </a:extLst>
+          </p:spPr>
+          <p:txBody>
+            <a:bodyPr wrap="square" lIns="68580" tIns="34290" rIns="68580" bIns="34290">
+              <a:spAutoFit/>
+            </a:bodyPr>
+            <a:lstStyle/>
+            <a:p>
+              <a:pPr algn="ctr"/>
+              <a:r>
+                <a:rPr lang="en-US" altLang="zh-CN" sz="6600" dirty="0">
+                  <a:solidFill>
+                    <a:schemeClr val="bg1"/>
+                  </a:solidFill>
+                  <a:latin typeface="Impact" panose="020B0806030902050204" pitchFamily="34" charset="0"/>
+                  <a:ea typeface="微软雅黑" panose="020B0503020204020204" pitchFamily="34" charset="-122"/>
+                </a:rPr>
+                <a:t>06</a:t>
+              </a:r>
+            </a:p>
+          </p:txBody>
+        </p:sp>
+      </p:grpSp>
+      <p:sp>
+        <p:nvSpPr>
+          <p:cNvPr id="12" name="文本框 19">
+            <a:extLst>
+              <a:ext uri="{FF2B5EF4-FFF2-40B4-BE49-F238E27FC236}">
+                <a16:creationId xmlns:a16="http://schemas.microsoft.com/office/drawing/2014/main" id="{7D2BC90A-5A09-4B25-B6F5-3FF57DF8FD01}"/>
+              </a:ext>
+            </a:extLst>
+          </p:cNvPr>
+          <p:cNvSpPr txBox="1"/>
+          <p:nvPr/>
+        </p:nvSpPr>
+        <p:spPr bwMode="auto">
+          <a:xfrm>
+            <a:off x="2987824" y="1513430"/>
+            <a:ext cx="5256584" cy="253916"/>
+          </a:xfrm>
+          <a:prstGeom prst="rect">
+            <a:avLst/>
+          </a:prstGeom>
+          <a:noFill/>
+        </p:spPr>
+        <p:txBody>
+          <a:bodyPr wrap="square" lIns="68580" tIns="34290" rIns="68580" bIns="34290">
+            <a:spAutoFit/>
+          </a:bodyPr>
+          <a:lstStyle/>
+          <a:p>
+            <a:pPr lvl="0"/>
+            <a:r>
+              <a:rPr lang="zh-CN" altLang="en-US" sz="1200" dirty="0">
+                <a:solidFill>
+                  <a:schemeClr val="tx1">
+                    <a:lumMod val="75000"/>
+                    <a:lumOff val="25000"/>
+                  </a:schemeClr>
+                </a:solidFill>
+                <a:latin typeface="微软雅黑" pitchFamily="34" charset="-122"/>
+                <a:ea typeface="微软雅黑" pitchFamily="34" charset="-122"/>
+              </a:rPr>
+              <a:t>已经在首页显示的答疑互动题目，则可以通过点击之后，查看问题以及答案：</a:t>
+            </a:r>
+            <a:endParaRPr lang="en-US" altLang="zh-CN" sz="1200" dirty="0">
+              <a:solidFill>
+                <a:schemeClr val="tx1">
+                  <a:lumMod val="75000"/>
+                  <a:lumOff val="25000"/>
+                </a:schemeClr>
+              </a:solidFill>
+              <a:latin typeface="微软雅黑" pitchFamily="34" charset="-122"/>
+              <a:ea typeface="微软雅黑" pitchFamily="34" charset="-122"/>
+            </a:endParaRPr>
+          </a:p>
+        </p:txBody>
+      </p:sp>
+      <p:pic>
+        <p:nvPicPr>
+          <p:cNvPr id="3" name="图片 2">
+            <a:extLst>
+              <a:ext uri="{FF2B5EF4-FFF2-40B4-BE49-F238E27FC236}">
+                <a16:creationId xmlns:a16="http://schemas.microsoft.com/office/drawing/2014/main" id="{1AD11006-E8D0-449C-A14D-92241EE4CA54}"/>
+              </a:ext>
+            </a:extLst>
+          </p:cNvPr>
+          <p:cNvPicPr>
+            <a:picLocks noChangeAspect="1"/>
+          </p:cNvPicPr>
+          <p:nvPr/>
+        </p:nvPicPr>
+        <p:blipFill>
+          <a:blip r:embed="rId3"/>
+          <a:stretch>
+            <a:fillRect/>
+          </a:stretch>
+        </p:blipFill>
+        <p:spPr>
+          <a:xfrm>
+            <a:off x="1647748" y="1892260"/>
+            <a:ext cx="5848504" cy="2752742"/>
+          </a:xfrm>
+          <a:prstGeom prst="rect">
+            <a:avLst/>
+          </a:prstGeom>
+        </p:spPr>
+      </p:pic>
+    </p:spTree>
+    <p:extLst>
+      <p:ext uri="{BB962C8B-B14F-4D97-AF65-F5344CB8AC3E}">
+        <p14:creationId xmlns:p14="http://schemas.microsoft.com/office/powerpoint/2010/main" val="1397658179"/>
+      </p:ext>
+    </p:extLst>
+  </p:cSld>
+  <p:clrMapOvr>
+    <a:masterClrMapping/>
+  </p:clrMapOvr>
+  <mc:AlternateContent xmlns:mc="http://schemas.openxmlformats.org/markup-compatibility/2006" xmlns:p14="http://schemas.microsoft.com/office/powerpoint/2010/main">
+    <mc:Choice Requires="p14">
+      <p:transition spd="slow" p14:dur="1200">
+        <p14:flip dir="r"/>
+      </p:transition>
+    </mc:Choice>
+    <mc:Fallback xmlns="">
+      <p:transition spd="slow">
+        <p:fade/>
+      </p:transition>
+    </mc:Fallback>
+  </mc:AlternateContent>
+</p:sld>
+</file>
+
+<file path=ppt/slides/slide26.xml><?xml version="1.0" encoding="utf-8"?>
+<p:sld xmlns:a="http://schemas.openxmlformats.org/drawingml/2006/main" xmlns:r="http://schemas.openxmlformats.org/officeDocument/2006/relationships" xmlns:p="http://schemas.openxmlformats.org/presentationml/2006/main">
+  <p:cSld>
+    <p:spTree>
+      <p:nvGrpSpPr>
+        <p:cNvPr id="1" name=""/>
+        <p:cNvGrpSpPr/>
+        <p:nvPr/>
+      </p:nvGrpSpPr>
+      <p:grpSpPr>
+        <a:xfrm>
+          <a:off x="0" y="0"/>
+          <a:ext cx="0" cy="0"/>
+          <a:chOff x="0" y="0"/>
+          <a:chExt cx="0" cy="0"/>
+        </a:xfrm>
+      </p:grpSpPr>
+      <p:sp>
+        <p:nvSpPr>
+          <p:cNvPr id="54" name="矩形 53"/>
+          <p:cNvSpPr/>
+          <p:nvPr/>
+        </p:nvSpPr>
+        <p:spPr>
+          <a:xfrm>
+            <a:off x="0" y="2018624"/>
+            <a:ext cx="9144000" cy="1260140"/>
+          </a:xfrm>
+          <a:prstGeom prst="rect">
+            <a:avLst/>
+          </a:prstGeom>
+          <a:solidFill>
+            <a:srgbClr val="0070C0"/>
+          </a:solidFill>
+          <a:ln>
+            <a:noFill/>
+          </a:ln>
+          <a:effectLst>
+            <a:outerShdw blurRad="50800" dist="38100" dir="5400000" algn="t" rotWithShape="0">
+              <a:prstClr val="black">
+                <a:alpha val="25000"/>
+              </a:prstClr>
+            </a:outerShdw>
+          </a:effectLst>
+        </p:spPr>
+        <p:style>
+          <a:lnRef idx="2">
+            <a:schemeClr val="accent1">
+              <a:shade val="50000"/>
+            </a:schemeClr>
+          </a:lnRef>
+          <a:fillRef idx="1">
+            <a:schemeClr val="accent1"/>
+          </a:fillRef>
+          <a:effectRef idx="0">
+            <a:schemeClr val="accent1"/>
+          </a:effectRef>
+          <a:fontRef idx="minor">
+            <a:schemeClr val="lt1"/>
+          </a:fontRef>
+        </p:style>
+        <p:txBody>
+          <a:bodyPr rtlCol="0" anchor="ctr"/>
+          <a:lstStyle/>
+          <a:p>
+            <a:pPr algn="ctr"/>
+            <a:endParaRPr lang="zh-CN" altLang="en-US" dirty="0"/>
+          </a:p>
+        </p:txBody>
+      </p:sp>
+      <p:sp>
+        <p:nvSpPr>
+          <p:cNvPr id="2" name="文本框 1">
+            <a:extLst>
+              <a:ext uri="{FF2B5EF4-FFF2-40B4-BE49-F238E27FC236}">
+                <a16:creationId xmlns:a16="http://schemas.microsoft.com/office/drawing/2014/main" id="{B8DECDAE-6E5F-4956-A3D0-15C9827F97A3}"/>
+              </a:ext>
+            </a:extLst>
+          </p:cNvPr>
+          <p:cNvSpPr txBox="1"/>
+          <p:nvPr/>
+        </p:nvSpPr>
+        <p:spPr>
+          <a:xfrm>
+            <a:off x="611560" y="2387084"/>
+            <a:ext cx="1261884" cy="523220"/>
+          </a:xfrm>
+          <a:prstGeom prst="rect">
+            <a:avLst/>
+          </a:prstGeom>
+          <a:noFill/>
+        </p:spPr>
+        <p:txBody>
+          <a:bodyPr wrap="none" rtlCol="0">
+            <a:spAutoFit/>
+          </a:bodyPr>
+          <a:lstStyle/>
+          <a:p>
+            <a:r>
+              <a:rPr lang="zh-CN" altLang="en-US" sz="2800" dirty="0">
+                <a:solidFill>
+                  <a:schemeClr val="bg1"/>
+                </a:solidFill>
+                <a:latin typeface="微软雅黑" panose="020B0503020204020204" pitchFamily="34" charset="-122"/>
+                <a:ea typeface="微软雅黑" panose="020B0503020204020204" pitchFamily="34" charset="-122"/>
+              </a:rPr>
+              <a:t>谢谢！</a:t>
+            </a:r>
+            <a:endParaRPr lang="en-US" dirty="0">
+              <a:solidFill>
+                <a:schemeClr val="bg1"/>
+              </a:solidFill>
+              <a:latin typeface="微软雅黑" panose="020B0503020204020204" pitchFamily="34" charset="-122"/>
+              <a:ea typeface="微软雅黑" panose="020B0503020204020204" pitchFamily="34" charset="-122"/>
+            </a:endParaRPr>
+          </a:p>
+        </p:txBody>
+      </p:sp>
+    </p:spTree>
+    <p:extLst>
+      <p:ext uri="{BB962C8B-B14F-4D97-AF65-F5344CB8AC3E}">
+        <p14:creationId xmlns:p14="http://schemas.microsoft.com/office/powerpoint/2010/main" val="2761092786"/>
+      </p:ext>
+    </p:extLst>
+  </p:cSld>
+  <p:clrMapOvr>
+    <a:masterClrMapping/>
+  </p:clrMapOvr>
+  <mc:AlternateContent xmlns:mc="http://schemas.openxmlformats.org/markup-compatibility/2006" xmlns:p14="http://schemas.microsoft.com/office/powerpoint/2010/main">
+    <mc:Choice Requires="p14">
+      <p:transition spd="med" p14:dur="700">
+        <p:fade/>
+      </p:transition>
+    </mc:Choice>
+    <mc:Fallback xmlns="">
+      <p:transition spd="med">
+        <p:fade/>
+      </p:transition>
+    </mc:Fallback>
+  </mc:AlternateContent>
+</p:sld>
+</file>
+
 <file path=ppt/slides/slide3.xml><?xml version="1.0" encoding="utf-8"?>
 <p:sld xmlns:a="http://schemas.openxmlformats.org/drawingml/2006/main" xmlns:r="http://schemas.openxmlformats.org/officeDocument/2006/relationships" xmlns:p="http://schemas.openxmlformats.org/presentationml/2006/main">
   <p:cSld>
@@ -15280,10 +20051,10 @@
       </p:pic>
       <p:pic>
         <p:nvPicPr>
-          <p:cNvPr id="3" name="图片 2">
+          <p:cNvPr id="4" name="图片 3">
             <a:extLst>
               <a:ext uri="{FF2B5EF4-FFF2-40B4-BE49-F238E27FC236}">
-                <a16:creationId xmlns:a16="http://schemas.microsoft.com/office/drawing/2014/main" id="{2945513A-5856-4BA0-A96C-75E04334DAD7}"/>
+                <a16:creationId xmlns:a16="http://schemas.microsoft.com/office/drawing/2014/main" id="{2244505D-DDC9-41B2-91BD-24138DF93E50}"/>
               </a:ext>
             </a:extLst>
           </p:cNvPr>
@@ -15300,8 +20071,38 @@
         </p:blipFill>
         <p:spPr>
           <a:xfrm>
-            <a:off x="4369815" y="3542998"/>
-            <a:ext cx="3865461" cy="756944"/>
+            <a:off x="4369815" y="3217788"/>
+            <a:ext cx="2283115" cy="1685156"/>
+          </a:xfrm>
+          <a:prstGeom prst="rect">
+            <a:avLst/>
+          </a:prstGeom>
+        </p:spPr>
+      </p:pic>
+      <p:pic>
+        <p:nvPicPr>
+          <p:cNvPr id="5" name="图片 4">
+            <a:extLst>
+              <a:ext uri="{FF2B5EF4-FFF2-40B4-BE49-F238E27FC236}">
+                <a16:creationId xmlns:a16="http://schemas.microsoft.com/office/drawing/2014/main" id="{4BE99088-90B9-4D01-9878-7740A8DB73E7}"/>
+              </a:ext>
+            </a:extLst>
+          </p:cNvPr>
+          <p:cNvPicPr>
+            <a:picLocks noChangeAspect="1"/>
+          </p:cNvPicPr>
+          <p:nvPr/>
+        </p:nvPicPr>
+        <p:blipFill>
+          <a:blip r:embed="rId7"/>
+          <a:stretch>
+            <a:fillRect/>
+          </a:stretch>
+        </p:blipFill>
+        <p:spPr>
+          <a:xfrm>
+            <a:off x="6804248" y="3834333"/>
+            <a:ext cx="1792982" cy="675205"/>
           </a:xfrm>
           <a:prstGeom prst="rect">
             <a:avLst/>
@@ -15318,13 +20119,13 @@
   <p:clrMapOvr>
     <a:masterClrMapping/>
   </p:clrMapOvr>
-  <mc:AlternateContent xmlns:mc="http://schemas.openxmlformats.org/markup-compatibility/2006">
-    <mc:Choice xmlns:p14="http://schemas.microsoft.com/office/powerpoint/2010/main" Requires="p14">
+  <mc:AlternateContent xmlns:mc="http://schemas.openxmlformats.org/markup-compatibility/2006" xmlns:p14="http://schemas.microsoft.com/office/powerpoint/2010/main">
+    <mc:Choice Requires="p14">
       <p:transition spd="slow" p14:dur="1200">
         <p14:flip dir="r"/>
       </p:transition>
     </mc:Choice>
-    <mc:Fallback>
+    <mc:Fallback xmlns="">
       <p:transition spd="slow">
         <p:fade/>
       </p:transition>
@@ -15822,13 +20623,13 @@
   <p:clrMapOvr>
     <a:masterClrMapping/>
   </p:clrMapOvr>
-  <mc:AlternateContent xmlns:mc="http://schemas.openxmlformats.org/markup-compatibility/2006">
-    <mc:Choice xmlns:p14="http://schemas.microsoft.com/office/powerpoint/2010/main" Requires="p14">
+  <mc:AlternateContent xmlns:mc="http://schemas.openxmlformats.org/markup-compatibility/2006" xmlns:p14="http://schemas.microsoft.com/office/powerpoint/2010/main">
+    <mc:Choice Requires="p14">
       <p:transition spd="slow" p14:dur="1200">
         <p14:flip dir="r"/>
       </p:transition>
     </mc:Choice>
-    <mc:Fallback>
+    <mc:Fallback xmlns="">
       <p:transition spd="slow">
         <p:fade/>
       </p:transition>
@@ -16300,13 +21101,13 @@
   <p:clrMapOvr>
     <a:masterClrMapping/>
   </p:clrMapOvr>
-  <mc:AlternateContent xmlns:mc="http://schemas.openxmlformats.org/markup-compatibility/2006">
-    <mc:Choice xmlns:p14="http://schemas.microsoft.com/office/powerpoint/2010/main" Requires="p14">
+  <mc:AlternateContent xmlns:mc="http://schemas.openxmlformats.org/markup-compatibility/2006" xmlns:p14="http://schemas.microsoft.com/office/powerpoint/2010/main">
+    <mc:Choice Requires="p14">
       <p:transition spd="slow" p14:dur="1200">
         <p14:flip dir="r"/>
       </p:transition>
     </mc:Choice>
-    <mc:Fallback>
+    <mc:Fallback xmlns="">
       <p:transition spd="slow">
         <p:fade/>
       </p:transition>
@@ -16893,13 +21694,13 @@
   <p:clrMapOvr>
     <a:masterClrMapping/>
   </p:clrMapOvr>
-  <mc:AlternateContent xmlns:mc="http://schemas.openxmlformats.org/markup-compatibility/2006">
-    <mc:Choice xmlns:p14="http://schemas.microsoft.com/office/powerpoint/2010/main" Requires="p14">
+  <mc:AlternateContent xmlns:mc="http://schemas.openxmlformats.org/markup-compatibility/2006" xmlns:p14="http://schemas.microsoft.com/office/powerpoint/2010/main">
+    <mc:Choice Requires="p14">
       <p:transition spd="slow" p14:dur="1200">
         <p14:flip dir="r"/>
       </p:transition>
     </mc:Choice>
-    <mc:Fallback>
+    <mc:Fallback xmlns="">
       <p:transition spd="slow">
         <p:fade/>
       </p:transition>
@@ -17370,13 +22171,13 @@
   <p:clrMapOvr>
     <a:masterClrMapping/>
   </p:clrMapOvr>
-  <mc:AlternateContent xmlns:mc="http://schemas.openxmlformats.org/markup-compatibility/2006">
-    <mc:Choice xmlns:p14="http://schemas.microsoft.com/office/powerpoint/2010/main" Requires="p14">
+  <mc:AlternateContent xmlns:mc="http://schemas.openxmlformats.org/markup-compatibility/2006" xmlns:p14="http://schemas.microsoft.com/office/powerpoint/2010/main">
+    <mc:Choice Requires="p14">
       <p:transition spd="slow" p14:dur="1200">
         <p14:flip dir="r"/>
       </p:transition>
     </mc:Choice>
-    <mc:Fallback>
+    <mc:Fallback xmlns="">
       <p:transition spd="slow">
         <p:fade/>
       </p:transition>
@@ -17837,13 +22638,13 @@
   <p:clrMapOvr>
     <a:masterClrMapping/>
   </p:clrMapOvr>
-  <mc:AlternateContent xmlns:mc="http://schemas.openxmlformats.org/markup-compatibility/2006">
-    <mc:Choice xmlns:p14="http://schemas.microsoft.com/office/powerpoint/2010/main" Requires="p14">
+  <mc:AlternateContent xmlns:mc="http://schemas.openxmlformats.org/markup-compatibility/2006" xmlns:p14="http://schemas.microsoft.com/office/powerpoint/2010/main">
+    <mc:Choice Requires="p14">
       <p:transition spd="slow" p14:dur="1200">
         <p14:flip dir="r"/>
       </p:transition>
     </mc:Choice>
-    <mc:Fallback>
+    <mc:Fallback xmlns="">
       <p:transition spd="slow">
         <p:fade/>
       </p:transition>
@@ -18297,13 +23098,13 @@
   <p:clrMapOvr>
     <a:masterClrMapping/>
   </p:clrMapOvr>
-  <mc:AlternateContent xmlns:mc="http://schemas.openxmlformats.org/markup-compatibility/2006">
-    <mc:Choice xmlns:p14="http://schemas.microsoft.com/office/powerpoint/2010/main" Requires="p14">
+  <mc:AlternateContent xmlns:mc="http://schemas.openxmlformats.org/markup-compatibility/2006" xmlns:p14="http://schemas.microsoft.com/office/powerpoint/2010/main">
+    <mc:Choice Requires="p14">
       <p:transition spd="slow" p14:dur="1200">
         <p14:flip dir="r"/>
       </p:transition>
     </mc:Choice>
-    <mc:Fallback>
+    <mc:Fallback xmlns="">
       <p:transition spd="slow">
         <p:fade/>
       </p:transition>
